--- a/第5章ppt/第二次世界大战.pptx
+++ b/第5章ppt/第二次世界大战.pptx
@@ -2,7 +2,7 @@
 <file path=ppt/presentation.xml><?xml version="1.0" encoding="utf-8"?>
 <p:presentation xmlns:a="http://schemas.openxmlformats.org/drawingml/2006/main" xmlns:r="http://schemas.openxmlformats.org/officeDocument/2006/relationships" xmlns:p="http://schemas.openxmlformats.org/presentationml/2006/main" saveSubsetFonts="1">
   <p:sldMasterIdLst>
-    <p:sldMasterId id="2147483648" r:id="rId1"/>
+    <p:sldMasterId id="2147483713" r:id="rId1"/>
   </p:sldMasterIdLst>
   <p:sldIdLst>
     <p:sldId id="256" r:id="rId2"/>
@@ -121,8 +121,13 @@
 </file>
 
 <file path=ppt/slideLayouts/slideLayout1.xml><?xml version="1.0" encoding="utf-8"?>
-<p:sldLayout xmlns:a="http://schemas.openxmlformats.org/drawingml/2006/main" xmlns:r="http://schemas.openxmlformats.org/officeDocument/2006/relationships" xmlns:p="http://schemas.openxmlformats.org/presentationml/2006/main" type="title" preserve="1">
+<p:sldLayout xmlns:a="http://schemas.openxmlformats.org/drawingml/2006/main" xmlns:r="http://schemas.openxmlformats.org/officeDocument/2006/relationships" xmlns:p="http://schemas.openxmlformats.org/presentationml/2006/main" showMasterSp="0" type="title" preserve="1">
   <p:cSld name="标题幻灯片">
+    <p:bg>
+      <p:bgRef idx="1002">
+        <a:schemeClr val="bg2"/>
+      </p:bgRef>
+    </p:bg>
     <p:spTree>
       <p:nvGrpSpPr>
         <p:cNvPr id="1" name=""/>
@@ -139,6 +144,53 @@
       </p:grpSpPr>
       <p:sp>
         <p:nvSpPr>
+          <p:cNvPr id="9" name="矩形 8"/>
+          <p:cNvSpPr/>
+          <p:nvPr/>
+        </p:nvSpPr>
+        <p:spPr bwMode="ltGray">
+          <a:xfrm>
+            <a:off x="0" y="0"/>
+            <a:ext cx="9143999" cy="5135430"/>
+          </a:xfrm>
+          <a:prstGeom prst="rect">
+            <a:avLst/>
+          </a:prstGeom>
+          <a:solidFill>
+            <a:srgbClr val="000000"/>
+          </a:solidFill>
+          <a:ln w="48000" cap="flat" cmpd="thickThin" algn="ctr">
+            <a:noFill/>
+            <a:prstDash val="solid"/>
+          </a:ln>
+        </p:spPr>
+        <p:style>
+          <a:lnRef idx="2">
+            <a:schemeClr val="accent1"/>
+          </a:lnRef>
+          <a:fillRef idx="1">
+            <a:schemeClr val="accent1"/>
+          </a:fillRef>
+          <a:effectRef idx="0">
+            <a:schemeClr val="accent1"/>
+          </a:effectRef>
+          <a:fontRef idx="minor">
+            <a:schemeClr val="lt1"/>
+          </a:fontRef>
+        </p:style>
+        <p:txBody>
+          <a:bodyPr rtlCol="0" anchor="ctr"/>
+          <a:lstStyle>
+            <a:extLst/>
+          </a:lstStyle>
+          <a:p>
+            <a:pPr algn="ctr" eaLnBrk="1" latinLnBrk="0" hangingPunct="1"/>
+            <a:endParaRPr kumimoji="0" lang="en-US"/>
+          </a:p>
+        </p:txBody>
+      </p:sp>
+      <p:sp>
+        <p:nvSpPr>
           <p:cNvPr id="2" name="标题 1"/>
           <p:cNvSpPr>
             <a:spLocks noGrp="1"/>
@@ -149,19 +201,35 @@
         </p:nvSpPr>
         <p:spPr>
           <a:xfrm>
-            <a:off x="685800" y="2130425"/>
-            <a:ext cx="7772400" cy="1470025"/>
+            <a:off x="685800" y="3355848"/>
+            <a:ext cx="8077200" cy="1673352"/>
           </a:xfrm>
         </p:spPr>
         <p:txBody>
-          <a:bodyPr/>
-          <a:lstStyle/>
-          <a:p>
-            <a:r>
-              <a:rPr lang="zh-CN" altLang="en-US" smtClean="0"/>
+          <a:bodyPr vert="horz" lIns="91440" tIns="0" rIns="45720" bIns="0" rtlCol="0" anchor="t">
+            <a:normAutofit/>
+            <a:scene3d>
+              <a:camera prst="orthographicFront"/>
+              <a:lightRig rig="threePt" dir="t">
+                <a:rot lat="0" lon="0" rev="4800000"/>
+              </a:lightRig>
+            </a:scene3d>
+            <a:sp3d prstMaterial="matte">
+              <a:bevelT w="50800" h="10160"/>
+            </a:sp3d>
+          </a:bodyPr>
+          <a:lstStyle>
+            <a:lvl1pPr algn="l">
+              <a:defRPr sz="4700" b="1"/>
+            </a:lvl1pPr>
+            <a:extLst/>
+          </a:lstStyle>
+          <a:p>
+            <a:r>
+              <a:rPr kumimoji="0" lang="zh-CN" altLang="en-US" smtClean="0"/>
               <a:t>单击此处编辑母版标题样式</a:t>
             </a:r>
-            <a:endParaRPr lang="zh-CN" altLang="en-US"/>
+            <a:endParaRPr kumimoji="0" lang="en-US"/>
           </a:p>
         </p:txBody>
       </p:sp>
@@ -177,20 +245,18 @@
         </p:nvSpPr>
         <p:spPr>
           <a:xfrm>
-            <a:off x="1371600" y="3886200"/>
-            <a:ext cx="6400800" cy="1752600"/>
+            <a:off x="685800" y="1828800"/>
+            <a:ext cx="8077200" cy="1499616"/>
           </a:xfrm>
         </p:spPr>
         <p:txBody>
-          <a:bodyPr/>
+          <a:bodyPr lIns="118872" tIns="0" rIns="45720" bIns="0" anchor="b"/>
           <a:lstStyle>
-            <a:lvl1pPr marL="0" indent="0" algn="ctr">
-              <a:buNone/>
-              <a:defRPr>
+            <a:lvl1pPr marL="0" indent="0" algn="l">
+              <a:buNone/>
+              <a:defRPr sz="2000">
                 <a:solidFill>
-                  <a:schemeClr val="tx1">
-                    <a:tint val="75000"/>
-                  </a:schemeClr>
+                  <a:srgbClr val="FFFFFF"/>
                 </a:solidFill>
               </a:defRPr>
             </a:lvl1pPr>
@@ -274,13 +340,14 @@
                 </a:solidFill>
               </a:defRPr>
             </a:lvl9pPr>
+            <a:extLst/>
           </a:lstStyle>
           <a:p>
             <a:r>
-              <a:rPr lang="zh-CN" altLang="en-US" smtClean="0"/>
+              <a:rPr kumimoji="0" lang="zh-CN" altLang="en-US" smtClean="0"/>
               <a:t>单击此处编辑母版副标题样式</a:t>
             </a:r>
-            <a:endParaRPr lang="zh-CN" altLang="en-US"/>
+            <a:endParaRPr kumimoji="0" lang="en-US"/>
           </a:p>
         </p:txBody>
       </p:sp>
@@ -301,7 +368,7 @@
           <a:p>
             <a:fld id="{530820CF-B880-4189-942D-D702A7CBA730}" type="datetimeFigureOut">
               <a:rPr lang="zh-CN" altLang="en-US" smtClean="0"/>
-              <a:t>2020/6/11</a:t>
+              <a:t>2020/6/12</a:t>
             </a:fld>
             <a:endParaRPr lang="zh-CN" altLang="en-US"/>
           </a:p>
@@ -349,10 +416,64 @@
           </a:p>
         </p:txBody>
       </p:sp>
+      <p:sp>
+        <p:nvSpPr>
+          <p:cNvPr id="10" name="矩形 9"/>
+          <p:cNvSpPr/>
+          <p:nvPr/>
+        </p:nvSpPr>
+        <p:spPr bwMode="invGray">
+          <a:xfrm>
+            <a:off x="0" y="5128334"/>
+            <a:ext cx="9144000" cy="45720"/>
+          </a:xfrm>
+          <a:prstGeom prst="rect">
+            <a:avLst/>
+          </a:prstGeom>
+          <a:solidFill>
+            <a:srgbClr val="FFFFFF"/>
+          </a:solidFill>
+          <a:ln w="48000" cap="flat" cmpd="thickThin" algn="ctr">
+            <a:noFill/>
+            <a:prstDash val="solid"/>
+          </a:ln>
+          <a:effectLst>
+            <a:outerShdw blurRad="31750" dist="10160" dir="5400000" algn="tl" rotWithShape="0">
+              <a:srgbClr val="000000">
+                <a:alpha val="60000"/>
+              </a:srgbClr>
+            </a:outerShdw>
+          </a:effectLst>
+        </p:spPr>
+        <p:style>
+          <a:lnRef idx="2">
+            <a:schemeClr val="accent1"/>
+          </a:lnRef>
+          <a:fillRef idx="1">
+            <a:schemeClr val="accent1"/>
+          </a:fillRef>
+          <a:effectRef idx="0">
+            <a:schemeClr val="accent1"/>
+          </a:effectRef>
+          <a:fontRef idx="minor">
+            <a:schemeClr val="lt1"/>
+          </a:fontRef>
+        </p:style>
+        <p:txBody>
+          <a:bodyPr rtlCol="0" anchor="ctr"/>
+          <a:lstStyle>
+            <a:extLst/>
+          </a:lstStyle>
+          <a:p>
+            <a:pPr algn="ctr" eaLnBrk="1" latinLnBrk="0" hangingPunct="1"/>
+            <a:endParaRPr kumimoji="0" lang="en-US"/>
+          </a:p>
+        </p:txBody>
+      </p:sp>
     </p:spTree>
   </p:cSld>
   <p:clrMapOvr>
-    <a:masterClrMapping/>
+    <a:overrideClrMapping bg1="dk1" tx1="lt1" bg2="dk2" tx2="lt2" accent1="accent1" accent2="accent2" accent3="accent3" accent4="accent4" accent5="accent5" accent6="accent6" hlink="hlink" folHlink="folHlink"/>
   </p:clrMapOvr>
 </p:sldLayout>
 </file>
@@ -387,13 +508,15 @@
         <p:spPr/>
         <p:txBody>
           <a:bodyPr/>
-          <a:lstStyle/>
-          <a:p>
-            <a:r>
-              <a:rPr lang="zh-CN" altLang="en-US" smtClean="0"/>
+          <a:lstStyle>
+            <a:extLst/>
+          </a:lstStyle>
+          <a:p>
+            <a:r>
+              <a:rPr kumimoji="0" lang="zh-CN" altLang="en-US" smtClean="0"/>
               <a:t>单击此处编辑母版标题样式</a:t>
             </a:r>
-            <a:endParaRPr lang="zh-CN" altLang="en-US"/>
+            <a:endParaRPr kumimoji="0" lang="en-US"/>
           </a:p>
         </p:txBody>
       </p:sp>
@@ -410,42 +533,44 @@
         <p:spPr/>
         <p:txBody>
           <a:bodyPr vert="eaVert"/>
-          <a:lstStyle/>
-          <a:p>
-            <a:pPr lvl="0"/>
+          <a:lstStyle>
+            <a:extLst/>
+          </a:lstStyle>
+          <a:p>
+            <a:pPr lvl="0" eaLnBrk="1" latinLnBrk="0" hangingPunct="1"/>
             <a:r>
               <a:rPr lang="zh-CN" altLang="en-US" smtClean="0"/>
               <a:t>单击此处编辑母版文本样式</a:t>
             </a:r>
           </a:p>
           <a:p>
-            <a:pPr lvl="1"/>
+            <a:pPr lvl="1" eaLnBrk="1" latinLnBrk="0" hangingPunct="1"/>
             <a:r>
               <a:rPr lang="zh-CN" altLang="en-US" smtClean="0"/>
               <a:t>第二级</a:t>
             </a:r>
           </a:p>
           <a:p>
-            <a:pPr lvl="2"/>
+            <a:pPr lvl="2" eaLnBrk="1" latinLnBrk="0" hangingPunct="1"/>
             <a:r>
               <a:rPr lang="zh-CN" altLang="en-US" smtClean="0"/>
               <a:t>第三级</a:t>
             </a:r>
           </a:p>
           <a:p>
-            <a:pPr lvl="3"/>
+            <a:pPr lvl="3" eaLnBrk="1" latinLnBrk="0" hangingPunct="1"/>
             <a:r>
               <a:rPr lang="zh-CN" altLang="en-US" smtClean="0"/>
               <a:t>第四级</a:t>
             </a:r>
           </a:p>
           <a:p>
-            <a:pPr lvl="4"/>
+            <a:pPr lvl="4" eaLnBrk="1" latinLnBrk="0" hangingPunct="1"/>
             <a:r>
               <a:rPr lang="zh-CN" altLang="en-US" smtClean="0"/>
               <a:t>第五级</a:t>
             </a:r>
-            <a:endParaRPr lang="zh-CN" altLang="en-US"/>
+            <a:endParaRPr kumimoji="0" lang="en-US"/>
           </a:p>
         </p:txBody>
       </p:sp>
@@ -466,7 +591,7 @@
           <a:p>
             <a:fld id="{530820CF-B880-4189-942D-D702A7CBA730}" type="datetimeFigureOut">
               <a:rPr lang="zh-CN" altLang="en-US" smtClean="0"/>
-              <a:t>2020/6/11</a:t>
+              <a:t>2020/6/12</a:t>
             </a:fld>
             <a:endParaRPr lang="zh-CN" altLang="en-US"/>
           </a:p>
@@ -523,7 +648,7 @@
 </file>
 
 <file path=ppt/slideLayouts/slideLayout11.xml><?xml version="1.0" encoding="utf-8"?>
-<p:sldLayout xmlns:a="http://schemas.openxmlformats.org/drawingml/2006/main" xmlns:r="http://schemas.openxmlformats.org/officeDocument/2006/relationships" xmlns:p="http://schemas.openxmlformats.org/presentationml/2006/main" type="vertTitleAndTx" preserve="1">
+<p:sldLayout xmlns:a="http://schemas.openxmlformats.org/drawingml/2006/main" xmlns:r="http://schemas.openxmlformats.org/officeDocument/2006/relationships" xmlns:p="http://schemas.openxmlformats.org/presentationml/2006/main" showMasterSp="0" type="vertTitleAndTx" preserve="1">
   <p:cSld name="垂直排列标题与文本">
     <p:spTree>
       <p:nvGrpSpPr>
@@ -541,6 +666,107 @@
       </p:grpSpPr>
       <p:sp>
         <p:nvSpPr>
+          <p:cNvPr id="9" name="矩形 8"/>
+          <p:cNvSpPr/>
+          <p:nvPr/>
+        </p:nvSpPr>
+        <p:spPr bwMode="invGray">
+          <a:xfrm>
+            <a:off x="6598920" y="0"/>
+            <a:ext cx="45720" cy="6858000"/>
+          </a:xfrm>
+          <a:prstGeom prst="rect">
+            <a:avLst/>
+          </a:prstGeom>
+          <a:solidFill>
+            <a:srgbClr val="FFFFFF"/>
+          </a:solidFill>
+          <a:ln w="48000" cap="flat" cmpd="thickThin" algn="ctr">
+            <a:noFill/>
+            <a:prstDash val="solid"/>
+          </a:ln>
+          <a:effectLst>
+            <a:outerShdw blurRad="31750" dist="10160" dir="10800000" algn="tl" rotWithShape="0">
+              <a:srgbClr val="000000">
+                <a:alpha val="60000"/>
+              </a:srgbClr>
+            </a:outerShdw>
+          </a:effectLst>
+        </p:spPr>
+        <p:style>
+          <a:lnRef idx="2">
+            <a:schemeClr val="accent1"/>
+          </a:lnRef>
+          <a:fillRef idx="1">
+            <a:schemeClr val="accent1"/>
+          </a:fillRef>
+          <a:effectRef idx="0">
+            <a:schemeClr val="accent1"/>
+          </a:effectRef>
+          <a:fontRef idx="minor">
+            <a:schemeClr val="lt1"/>
+          </a:fontRef>
+        </p:style>
+        <p:txBody>
+          <a:bodyPr rtlCol="0" anchor="ctr"/>
+          <a:lstStyle>
+            <a:extLst/>
+          </a:lstStyle>
+          <a:p>
+            <a:pPr algn="ctr" eaLnBrk="1" latinLnBrk="0" hangingPunct="1"/>
+            <a:endParaRPr kumimoji="0" lang="en-US"/>
+          </a:p>
+        </p:txBody>
+      </p:sp>
+      <p:sp>
+        <p:nvSpPr>
+          <p:cNvPr id="8" name="矩形 7"/>
+          <p:cNvSpPr/>
+          <p:nvPr/>
+        </p:nvSpPr>
+        <p:spPr bwMode="ltGray">
+          <a:xfrm>
+            <a:off x="6647687" y="0"/>
+            <a:ext cx="2514601" cy="6858000"/>
+          </a:xfrm>
+          <a:prstGeom prst="rect">
+            <a:avLst/>
+          </a:prstGeom>
+          <a:solidFill>
+            <a:srgbClr val="000000"/>
+          </a:solidFill>
+          <a:ln w="48000" cap="flat" cmpd="thickThin" algn="ctr">
+            <a:noFill/>
+            <a:prstDash val="solid"/>
+          </a:ln>
+        </p:spPr>
+        <p:style>
+          <a:lnRef idx="2">
+            <a:schemeClr val="accent1"/>
+          </a:lnRef>
+          <a:fillRef idx="1">
+            <a:schemeClr val="accent1"/>
+          </a:fillRef>
+          <a:effectRef idx="0">
+            <a:schemeClr val="accent1"/>
+          </a:effectRef>
+          <a:fontRef idx="minor">
+            <a:schemeClr val="lt1"/>
+          </a:fontRef>
+        </p:style>
+        <p:txBody>
+          <a:bodyPr rtlCol="0" anchor="ctr"/>
+          <a:lstStyle>
+            <a:extLst/>
+          </a:lstStyle>
+          <a:p>
+            <a:pPr algn="ctr" eaLnBrk="1" latinLnBrk="0" hangingPunct="1"/>
+            <a:endParaRPr kumimoji="0" lang="en-US"/>
+          </a:p>
+        </p:txBody>
+      </p:sp>
+      <p:sp>
+        <p:nvSpPr>
           <p:cNvPr id="2" name="竖排标题 1"/>
           <p:cNvSpPr>
             <a:spLocks noGrp="1"/>
@@ -551,19 +777,21 @@
         </p:nvSpPr>
         <p:spPr>
           <a:xfrm>
-            <a:off x="6629400" y="274638"/>
-            <a:ext cx="2057400" cy="5851525"/>
+            <a:off x="6781800" y="274640"/>
+            <a:ext cx="1905000" cy="5851525"/>
           </a:xfrm>
         </p:spPr>
         <p:txBody>
           <a:bodyPr vert="eaVert"/>
-          <a:lstStyle/>
-          <a:p>
-            <a:r>
-              <a:rPr lang="zh-CN" altLang="en-US" smtClean="0"/>
+          <a:lstStyle>
+            <a:extLst/>
+          </a:lstStyle>
+          <a:p>
+            <a:r>
+              <a:rPr kumimoji="0" lang="zh-CN" altLang="en-US" smtClean="0"/>
               <a:t>单击此处编辑母版标题样式</a:t>
             </a:r>
-            <a:endParaRPr lang="zh-CN" altLang="en-US"/>
+            <a:endParaRPr kumimoji="0" lang="en-US"/>
           </a:p>
         </p:txBody>
       </p:sp>
@@ -579,48 +807,50 @@
         </p:nvSpPr>
         <p:spPr>
           <a:xfrm>
-            <a:off x="457200" y="274638"/>
+            <a:off x="457200" y="304800"/>
             <a:ext cx="6019800" cy="5851525"/>
           </a:xfrm>
         </p:spPr>
         <p:txBody>
           <a:bodyPr vert="eaVert"/>
-          <a:lstStyle/>
-          <a:p>
-            <a:pPr lvl="0"/>
+          <a:lstStyle>
+            <a:extLst/>
+          </a:lstStyle>
+          <a:p>
+            <a:pPr lvl="0" eaLnBrk="1" latinLnBrk="0" hangingPunct="1"/>
             <a:r>
               <a:rPr lang="zh-CN" altLang="en-US" smtClean="0"/>
               <a:t>单击此处编辑母版文本样式</a:t>
             </a:r>
           </a:p>
           <a:p>
-            <a:pPr lvl="1"/>
+            <a:pPr lvl="1" eaLnBrk="1" latinLnBrk="0" hangingPunct="1"/>
             <a:r>
               <a:rPr lang="zh-CN" altLang="en-US" smtClean="0"/>
               <a:t>第二级</a:t>
             </a:r>
           </a:p>
           <a:p>
-            <a:pPr lvl="2"/>
+            <a:pPr lvl="2" eaLnBrk="1" latinLnBrk="0" hangingPunct="1"/>
             <a:r>
               <a:rPr lang="zh-CN" altLang="en-US" smtClean="0"/>
               <a:t>第三级</a:t>
             </a:r>
           </a:p>
           <a:p>
-            <a:pPr lvl="3"/>
+            <a:pPr lvl="3" eaLnBrk="1" latinLnBrk="0" hangingPunct="1"/>
             <a:r>
               <a:rPr lang="zh-CN" altLang="en-US" smtClean="0"/>
               <a:t>第四级</a:t>
             </a:r>
           </a:p>
           <a:p>
-            <a:pPr lvl="4"/>
+            <a:pPr lvl="4" eaLnBrk="1" latinLnBrk="0" hangingPunct="1"/>
             <a:r>
               <a:rPr lang="zh-CN" altLang="en-US" smtClean="0"/>
               <a:t>第五级</a:t>
             </a:r>
-            <a:endParaRPr lang="zh-CN" altLang="en-US"/>
+            <a:endParaRPr kumimoji="0" lang="en-US"/>
           </a:p>
         </p:txBody>
       </p:sp>
@@ -641,7 +871,7 @@
           <a:p>
             <a:fld id="{530820CF-B880-4189-942D-D702A7CBA730}" type="datetimeFigureOut">
               <a:rPr lang="zh-CN" altLang="en-US" smtClean="0"/>
-              <a:t>2020/6/11</a:t>
+              <a:t>2020/6/12</a:t>
             </a:fld>
             <a:endParaRPr lang="zh-CN" altLang="en-US"/>
           </a:p>
@@ -657,7 +887,12 @@
             <p:ph type="ftr" sz="quarter" idx="11"/>
           </p:nvPr>
         </p:nvSpPr>
-        <p:spPr/>
+        <p:spPr>
+          <a:xfrm>
+            <a:off x="2640597" y="6377459"/>
+            <a:ext cx="3836404" cy="365125"/>
+          </a:xfrm>
+        </p:spPr>
         <p:txBody>
           <a:bodyPr/>
           <a:lstStyle/>
@@ -806,7 +1041,7 @@
           <a:p>
             <a:fld id="{28395B2A-5471-48FA-B10E-61588A931C04}" type="datetimeFigureOut">
               <a:rPr lang="zh-CN" altLang="en-US" smtClean="0"/>
-              <a:t>2020/6/11</a:t>
+              <a:t>2020/6/12</a:t>
             </a:fld>
             <a:endParaRPr lang="zh-CN" altLang="en-US"/>
           </a:p>
@@ -894,16 +1129,23 @@
             <p:ph type="title"/>
           </p:nvPr>
         </p:nvSpPr>
-        <p:spPr/>
-        <p:txBody>
-          <a:bodyPr/>
-          <a:lstStyle/>
-          <a:p>
-            <a:r>
-              <a:rPr lang="zh-CN" altLang="en-US" smtClean="0"/>
+        <p:spPr>
+          <a:xfrm>
+            <a:off x="457200" y="155448"/>
+            <a:ext cx="8229600" cy="1252728"/>
+          </a:xfrm>
+        </p:spPr>
+        <p:txBody>
+          <a:bodyPr/>
+          <a:lstStyle>
+            <a:extLst/>
+          </a:lstStyle>
+          <a:p>
+            <a:r>
+              <a:rPr kumimoji="0" lang="zh-CN" altLang="en-US" smtClean="0"/>
               <a:t>单击此处编辑母版标题样式</a:t>
             </a:r>
-            <a:endParaRPr lang="zh-CN" altLang="en-US"/>
+            <a:endParaRPr kumimoji="0" lang="en-US"/>
           </a:p>
         </p:txBody>
       </p:sp>
@@ -920,42 +1162,44 @@
         <p:spPr/>
         <p:txBody>
           <a:bodyPr/>
-          <a:lstStyle/>
-          <a:p>
-            <a:pPr lvl="0"/>
+          <a:lstStyle>
+            <a:extLst/>
+          </a:lstStyle>
+          <a:p>
+            <a:pPr lvl="0" eaLnBrk="1" latinLnBrk="0" hangingPunct="1"/>
             <a:r>
               <a:rPr lang="zh-CN" altLang="en-US" smtClean="0"/>
               <a:t>单击此处编辑母版文本样式</a:t>
             </a:r>
           </a:p>
           <a:p>
-            <a:pPr lvl="1"/>
+            <a:pPr lvl="1" eaLnBrk="1" latinLnBrk="0" hangingPunct="1"/>
             <a:r>
               <a:rPr lang="zh-CN" altLang="en-US" smtClean="0"/>
               <a:t>第二级</a:t>
             </a:r>
           </a:p>
           <a:p>
-            <a:pPr lvl="2"/>
+            <a:pPr lvl="2" eaLnBrk="1" latinLnBrk="0" hangingPunct="1"/>
             <a:r>
               <a:rPr lang="zh-CN" altLang="en-US" smtClean="0"/>
               <a:t>第三级</a:t>
             </a:r>
           </a:p>
           <a:p>
-            <a:pPr lvl="3"/>
+            <a:pPr lvl="3" eaLnBrk="1" latinLnBrk="0" hangingPunct="1"/>
             <a:r>
               <a:rPr lang="zh-CN" altLang="en-US" smtClean="0"/>
               <a:t>第四级</a:t>
             </a:r>
           </a:p>
           <a:p>
-            <a:pPr lvl="4"/>
+            <a:pPr lvl="4" eaLnBrk="1" latinLnBrk="0" hangingPunct="1"/>
             <a:r>
               <a:rPr lang="zh-CN" altLang="en-US" smtClean="0"/>
               <a:t>第五级</a:t>
             </a:r>
-            <a:endParaRPr lang="zh-CN" altLang="en-US"/>
+            <a:endParaRPr kumimoji="0" lang="en-US"/>
           </a:p>
         </p:txBody>
       </p:sp>
@@ -976,7 +1220,7 @@
           <a:p>
             <a:fld id="{530820CF-B880-4189-942D-D702A7CBA730}" type="datetimeFigureOut">
               <a:rPr lang="zh-CN" altLang="en-US" smtClean="0"/>
-              <a:t>2020/6/11</a:t>
+              <a:t>2020/6/12</a:t>
             </a:fld>
             <a:endParaRPr lang="zh-CN" altLang="en-US"/>
           </a:p>
@@ -1033,8 +1277,13 @@
 </file>
 
 <file path=ppt/slideLayouts/slideLayout3.xml><?xml version="1.0" encoding="utf-8"?>
-<p:sldLayout xmlns:a="http://schemas.openxmlformats.org/drawingml/2006/main" xmlns:r="http://schemas.openxmlformats.org/officeDocument/2006/relationships" xmlns:p="http://schemas.openxmlformats.org/presentationml/2006/main" type="secHead" preserve="1">
+<p:sldLayout xmlns:a="http://schemas.openxmlformats.org/drawingml/2006/main" xmlns:r="http://schemas.openxmlformats.org/officeDocument/2006/relationships" xmlns:p="http://schemas.openxmlformats.org/presentationml/2006/main" showMasterSp="0" type="secHead" preserve="1">
   <p:cSld name="节标题">
+    <p:bg>
+      <p:bgRef idx="1002">
+        <a:schemeClr val="bg2"/>
+      </p:bgRef>
+    </p:bg>
     <p:spTree>
       <p:nvGrpSpPr>
         <p:cNvPr id="1" name=""/>
@@ -1051,6 +1300,107 @@
       </p:grpSpPr>
       <p:sp>
         <p:nvSpPr>
+          <p:cNvPr id="9" name="矩形 8"/>
+          <p:cNvSpPr/>
+          <p:nvPr/>
+        </p:nvSpPr>
+        <p:spPr bwMode="ltGray">
+          <a:xfrm>
+            <a:off x="0" y="1"/>
+            <a:ext cx="9144000" cy="2602520"/>
+          </a:xfrm>
+          <a:prstGeom prst="rect">
+            <a:avLst/>
+          </a:prstGeom>
+          <a:solidFill>
+            <a:srgbClr val="000000"/>
+          </a:solidFill>
+          <a:ln w="48000" cap="flat" cmpd="thickThin" algn="ctr">
+            <a:noFill/>
+            <a:prstDash val="solid"/>
+          </a:ln>
+        </p:spPr>
+        <p:style>
+          <a:lnRef idx="2">
+            <a:schemeClr val="accent1"/>
+          </a:lnRef>
+          <a:fillRef idx="1">
+            <a:schemeClr val="accent1"/>
+          </a:fillRef>
+          <a:effectRef idx="0">
+            <a:schemeClr val="accent1"/>
+          </a:effectRef>
+          <a:fontRef idx="minor">
+            <a:schemeClr val="lt1"/>
+          </a:fontRef>
+        </p:style>
+        <p:txBody>
+          <a:bodyPr rtlCol="0" anchor="ctr"/>
+          <a:lstStyle>
+            <a:extLst/>
+          </a:lstStyle>
+          <a:p>
+            <a:pPr algn="ctr" eaLnBrk="1" latinLnBrk="0" hangingPunct="1"/>
+            <a:endParaRPr kumimoji="0" lang="en-US"/>
+          </a:p>
+        </p:txBody>
+      </p:sp>
+      <p:sp>
+        <p:nvSpPr>
+          <p:cNvPr id="12" name="矩形 11"/>
+          <p:cNvSpPr/>
+          <p:nvPr/>
+        </p:nvSpPr>
+        <p:spPr bwMode="invGray">
+          <a:xfrm>
+            <a:off x="0" y="2602520"/>
+            <a:ext cx="9144000" cy="45720"/>
+          </a:xfrm>
+          <a:prstGeom prst="rect">
+            <a:avLst/>
+          </a:prstGeom>
+          <a:solidFill>
+            <a:srgbClr val="FFFFFF"/>
+          </a:solidFill>
+          <a:ln w="48000" cap="flat" cmpd="thickThin" algn="ctr">
+            <a:noFill/>
+            <a:prstDash val="solid"/>
+          </a:ln>
+          <a:effectLst>
+            <a:outerShdw blurRad="31750" dist="10160" dir="5400000" algn="tl" rotWithShape="0">
+              <a:srgbClr val="000000">
+                <a:alpha val="60000"/>
+              </a:srgbClr>
+            </a:outerShdw>
+          </a:effectLst>
+        </p:spPr>
+        <p:style>
+          <a:lnRef idx="2">
+            <a:schemeClr val="accent1"/>
+          </a:lnRef>
+          <a:fillRef idx="1">
+            <a:schemeClr val="accent1"/>
+          </a:fillRef>
+          <a:effectRef idx="0">
+            <a:schemeClr val="accent1"/>
+          </a:effectRef>
+          <a:fontRef idx="minor">
+            <a:schemeClr val="lt1"/>
+          </a:fontRef>
+        </p:style>
+        <p:txBody>
+          <a:bodyPr rtlCol="0" anchor="ctr"/>
+          <a:lstStyle>
+            <a:extLst/>
+          </a:lstStyle>
+          <a:p>
+            <a:pPr algn="ctr" eaLnBrk="1" latinLnBrk="0" hangingPunct="1"/>
+            <a:endParaRPr kumimoji="0" lang="en-US"/>
+          </a:p>
+        </p:txBody>
+      </p:sp>
+      <p:sp>
+        <p:nvSpPr>
           <p:cNvPr id="2" name="标题 1"/>
           <p:cNvSpPr>
             <a:spLocks noGrp="1"/>
@@ -1061,23 +1411,35 @@
         </p:nvSpPr>
         <p:spPr>
           <a:xfrm>
-            <a:off x="722313" y="4406900"/>
-            <a:ext cx="7772400" cy="1362075"/>
+            <a:off x="749808" y="118872"/>
+            <a:ext cx="8013192" cy="1636776"/>
           </a:xfrm>
         </p:spPr>
         <p:txBody>
-          <a:bodyPr anchor="t"/>
+          <a:bodyPr vert="horz" lIns="91440" tIns="0" rIns="91440" bIns="0" rtlCol="0" anchor="b">
+            <a:normAutofit/>
+            <a:scene3d>
+              <a:camera prst="orthographicFront"/>
+              <a:lightRig rig="threePt" dir="t">
+                <a:rot lat="0" lon="0" rev="4800000"/>
+              </a:lightRig>
+            </a:scene3d>
+            <a:sp3d prstMaterial="matte">
+              <a:bevelT w="50800" h="10160"/>
+            </a:sp3d>
+          </a:bodyPr>
           <a:lstStyle>
             <a:lvl1pPr algn="l">
-              <a:defRPr sz="4000" b="1" cap="all"/>
+              <a:defRPr sz="4700" b="1" cap="none" baseline="0"/>
             </a:lvl1pPr>
+            <a:extLst/>
           </a:lstStyle>
           <a:p>
             <a:r>
-              <a:rPr lang="zh-CN" altLang="en-US" smtClean="0"/>
+              <a:rPr kumimoji="0" lang="zh-CN" altLang="en-US" smtClean="0"/>
               <a:t>单击此处编辑母版标题样式</a:t>
             </a:r>
-            <a:endParaRPr lang="zh-CN" altLang="en-US"/>
+            <a:endParaRPr kumimoji="0" lang="en-US"/>
           </a:p>
         </p:txBody>
       </p:sp>
@@ -1093,20 +1455,18 @@
         </p:nvSpPr>
         <p:spPr>
           <a:xfrm>
-            <a:off x="722313" y="2906713"/>
-            <a:ext cx="7772400" cy="1500187"/>
+            <a:off x="740664" y="1828800"/>
+            <a:ext cx="8022336" cy="685800"/>
           </a:xfrm>
         </p:spPr>
         <p:txBody>
-          <a:bodyPr anchor="b"/>
+          <a:bodyPr lIns="146304" tIns="0" rIns="45720" bIns="0" anchor="t"/>
           <a:lstStyle>
             <a:lvl1pPr marL="0" indent="0">
               <a:buNone/>
               <a:defRPr sz="2000">
                 <a:solidFill>
-                  <a:schemeClr val="tx1">
-                    <a:tint val="75000"/>
-                  </a:schemeClr>
+                  <a:srgbClr val="FFFFFF"/>
                 </a:solidFill>
               </a:defRPr>
             </a:lvl1pPr>
@@ -1190,11 +1550,12 @@
                 </a:solidFill>
               </a:defRPr>
             </a:lvl9pPr>
+            <a:extLst/>
           </a:lstStyle>
           <a:p>
-            <a:pPr lvl="0"/>
-            <a:r>
-              <a:rPr lang="zh-CN" altLang="en-US" smtClean="0"/>
+            <a:pPr lvl="0" eaLnBrk="1" latinLnBrk="0" hangingPunct="1"/>
+            <a:r>
+              <a:rPr kumimoji="0" lang="zh-CN" altLang="en-US" smtClean="0"/>
               <a:t>单击此处编辑母版文本样式</a:t>
             </a:r>
           </a:p>
@@ -1217,7 +1578,7 @@
           <a:p>
             <a:fld id="{530820CF-B880-4189-942D-D702A7CBA730}" type="datetimeFigureOut">
               <a:rPr lang="zh-CN" altLang="en-US" smtClean="0"/>
-              <a:t>2020/6/11</a:t>
+              <a:t>2020/6/12</a:t>
             </a:fld>
             <a:endParaRPr lang="zh-CN" altLang="en-US"/>
           </a:p>
@@ -1268,7 +1629,7 @@
     </p:spTree>
   </p:cSld>
   <p:clrMapOvr>
-    <a:masterClrMapping/>
+    <a:overrideClrMapping bg1="dk1" tx1="lt1" bg2="dk2" tx2="lt2" accent1="accent1" accent2="accent2" accent3="accent3" accent4="accent4" accent5="accent5" accent6="accent6" hlink="hlink" folHlink="folHlink"/>
   </p:clrMapOvr>
 </p:sldLayout>
 </file>
@@ -1303,13 +1664,15 @@
         <p:spPr/>
         <p:txBody>
           <a:bodyPr/>
-          <a:lstStyle/>
-          <a:p>
-            <a:r>
-              <a:rPr lang="zh-CN" altLang="en-US" smtClean="0"/>
+          <a:lstStyle>
+            <a:extLst/>
+          </a:lstStyle>
+          <a:p>
+            <a:r>
+              <a:rPr kumimoji="0" lang="zh-CN" altLang="en-US" smtClean="0"/>
               <a:t>单击此处编辑母版标题样式</a:t>
             </a:r>
-            <a:endParaRPr lang="zh-CN" altLang="en-US"/>
+            <a:endParaRPr kumimoji="0" lang="en-US"/>
           </a:p>
         </p:txBody>
       </p:sp>
@@ -1325,12 +1688,12 @@
         </p:nvSpPr>
         <p:spPr>
           <a:xfrm>
-            <a:off x="457200" y="1600200"/>
-            <a:ext cx="4038600" cy="4525963"/>
+            <a:off x="457200" y="1773936"/>
+            <a:ext cx="4038600" cy="4623816"/>
           </a:xfrm>
         </p:spPr>
         <p:txBody>
-          <a:bodyPr/>
+          <a:bodyPr lIns="91440"/>
           <a:lstStyle>
             <a:lvl1pPr>
               <a:defRPr sz="2800"/>
@@ -1359,42 +1722,43 @@
             <a:lvl9pPr>
               <a:defRPr sz="1800"/>
             </a:lvl9pPr>
+            <a:extLst/>
           </a:lstStyle>
           <a:p>
-            <a:pPr lvl="0"/>
+            <a:pPr lvl="0" eaLnBrk="1" latinLnBrk="0" hangingPunct="1"/>
             <a:r>
               <a:rPr lang="zh-CN" altLang="en-US" smtClean="0"/>
               <a:t>单击此处编辑母版文本样式</a:t>
             </a:r>
           </a:p>
           <a:p>
-            <a:pPr lvl="1"/>
+            <a:pPr lvl="1" eaLnBrk="1" latinLnBrk="0" hangingPunct="1"/>
             <a:r>
               <a:rPr lang="zh-CN" altLang="en-US" smtClean="0"/>
               <a:t>第二级</a:t>
             </a:r>
           </a:p>
           <a:p>
-            <a:pPr lvl="2"/>
+            <a:pPr lvl="2" eaLnBrk="1" latinLnBrk="0" hangingPunct="1"/>
             <a:r>
               <a:rPr lang="zh-CN" altLang="en-US" smtClean="0"/>
               <a:t>第三级</a:t>
             </a:r>
           </a:p>
           <a:p>
-            <a:pPr lvl="3"/>
+            <a:pPr lvl="3" eaLnBrk="1" latinLnBrk="0" hangingPunct="1"/>
             <a:r>
               <a:rPr lang="zh-CN" altLang="en-US" smtClean="0"/>
               <a:t>第四级</a:t>
             </a:r>
           </a:p>
           <a:p>
-            <a:pPr lvl="4"/>
+            <a:pPr lvl="4" eaLnBrk="1" latinLnBrk="0" hangingPunct="1"/>
             <a:r>
               <a:rPr lang="zh-CN" altLang="en-US" smtClean="0"/>
               <a:t>第五级</a:t>
             </a:r>
-            <a:endParaRPr lang="zh-CN" altLang="en-US"/>
+            <a:endParaRPr kumimoji="0" lang="en-US"/>
           </a:p>
         </p:txBody>
       </p:sp>
@@ -1410,8 +1774,8 @@
         </p:nvSpPr>
         <p:spPr>
           <a:xfrm>
-            <a:off x="4648200" y="1600200"/>
-            <a:ext cx="4038600" cy="4525963"/>
+            <a:off x="4648200" y="1773936"/>
+            <a:ext cx="4038600" cy="4623816"/>
           </a:xfrm>
         </p:spPr>
         <p:txBody>
@@ -1444,42 +1808,43 @@
             <a:lvl9pPr>
               <a:defRPr sz="1800"/>
             </a:lvl9pPr>
+            <a:extLst/>
           </a:lstStyle>
           <a:p>
-            <a:pPr lvl="0"/>
+            <a:pPr lvl="0" eaLnBrk="1" latinLnBrk="0" hangingPunct="1"/>
             <a:r>
               <a:rPr lang="zh-CN" altLang="en-US" smtClean="0"/>
               <a:t>单击此处编辑母版文本样式</a:t>
             </a:r>
           </a:p>
           <a:p>
-            <a:pPr lvl="1"/>
+            <a:pPr lvl="1" eaLnBrk="1" latinLnBrk="0" hangingPunct="1"/>
             <a:r>
               <a:rPr lang="zh-CN" altLang="en-US" smtClean="0"/>
               <a:t>第二级</a:t>
             </a:r>
           </a:p>
           <a:p>
-            <a:pPr lvl="2"/>
+            <a:pPr lvl="2" eaLnBrk="1" latinLnBrk="0" hangingPunct="1"/>
             <a:r>
               <a:rPr lang="zh-CN" altLang="en-US" smtClean="0"/>
               <a:t>第三级</a:t>
             </a:r>
           </a:p>
           <a:p>
-            <a:pPr lvl="3"/>
+            <a:pPr lvl="3" eaLnBrk="1" latinLnBrk="0" hangingPunct="1"/>
             <a:r>
               <a:rPr lang="zh-CN" altLang="en-US" smtClean="0"/>
               <a:t>第四级</a:t>
             </a:r>
           </a:p>
           <a:p>
-            <a:pPr lvl="4"/>
+            <a:pPr lvl="4" eaLnBrk="1" latinLnBrk="0" hangingPunct="1"/>
             <a:r>
               <a:rPr lang="zh-CN" altLang="en-US" smtClean="0"/>
               <a:t>第五级</a:t>
             </a:r>
-            <a:endParaRPr lang="zh-CN" altLang="en-US"/>
+            <a:endParaRPr kumimoji="0" lang="en-US"/>
           </a:p>
         </p:txBody>
       </p:sp>
@@ -1500,7 +1865,7 @@
           <a:p>
             <a:fld id="{530820CF-B880-4189-942D-D702A7CBA730}" type="datetimeFigureOut">
               <a:rPr lang="zh-CN" altLang="en-US" smtClean="0"/>
-              <a:t>2020/6/11</a:t>
+              <a:t>2020/6/12</a:t>
             </a:fld>
             <a:endParaRPr lang="zh-CN" altLang="en-US"/>
           </a:p>
@@ -1590,13 +1955,14 @@
             <a:lvl1pPr>
               <a:defRPr/>
             </a:lvl1pPr>
+            <a:extLst/>
           </a:lstStyle>
           <a:p>
             <a:r>
-              <a:rPr lang="zh-CN" altLang="en-US" smtClean="0"/>
+              <a:rPr kumimoji="0" lang="zh-CN" altLang="en-US" smtClean="0"/>
               <a:t>单击此处编辑母版标题样式</a:t>
             </a:r>
-            <a:endParaRPr lang="zh-CN" altLang="en-US"/>
+            <a:endParaRPr kumimoji="0" lang="en-US"/>
           </a:p>
         </p:txBody>
       </p:sp>
@@ -1612,16 +1978,16 @@
         </p:nvSpPr>
         <p:spPr>
           <a:xfrm>
-            <a:off x="457200" y="1535113"/>
-            <a:ext cx="4040188" cy="639762"/>
+            <a:off x="457200" y="1698987"/>
+            <a:ext cx="4040188" cy="715355"/>
           </a:xfrm>
         </p:spPr>
         <p:txBody>
-          <a:bodyPr anchor="b"/>
+          <a:bodyPr lIns="146304" anchor="ctr"/>
           <a:lstStyle>
             <a:lvl1pPr marL="0" indent="0">
               <a:buNone/>
-              <a:defRPr sz="2400" b="1"/>
+              <a:defRPr sz="2300" b="1" cap="all" baseline="0"/>
             </a:lvl1pPr>
             <a:lvl2pPr marL="457200" indent="0">
               <a:buNone/>
@@ -1655,11 +2021,12 @@
               <a:buNone/>
               <a:defRPr sz="1600" b="1"/>
             </a:lvl9pPr>
+            <a:extLst/>
           </a:lstStyle>
           <a:p>
-            <a:pPr lvl="0"/>
-            <a:r>
-              <a:rPr lang="zh-CN" altLang="en-US" smtClean="0"/>
+            <a:pPr lvl="0" eaLnBrk="1" latinLnBrk="0" hangingPunct="1"/>
+            <a:r>
+              <a:rPr kumimoji="0" lang="zh-CN" altLang="en-US" smtClean="0"/>
               <a:t>单击此处编辑母版文本样式</a:t>
             </a:r>
           </a:p>
@@ -1677,7 +2044,7 @@
         </p:nvSpPr>
         <p:spPr>
           <a:xfrm>
-            <a:off x="457200" y="2174875"/>
+            <a:off x="457200" y="2449512"/>
             <a:ext cx="4040188" cy="3951288"/>
           </a:xfrm>
         </p:spPr>
@@ -1711,42 +2078,43 @@
             <a:lvl9pPr>
               <a:defRPr sz="1600"/>
             </a:lvl9pPr>
+            <a:extLst/>
           </a:lstStyle>
           <a:p>
-            <a:pPr lvl="0"/>
+            <a:pPr lvl="0" eaLnBrk="1" latinLnBrk="0" hangingPunct="1"/>
             <a:r>
               <a:rPr lang="zh-CN" altLang="en-US" smtClean="0"/>
               <a:t>单击此处编辑母版文本样式</a:t>
             </a:r>
           </a:p>
           <a:p>
-            <a:pPr lvl="1"/>
+            <a:pPr lvl="1" eaLnBrk="1" latinLnBrk="0" hangingPunct="1"/>
             <a:r>
               <a:rPr lang="zh-CN" altLang="en-US" smtClean="0"/>
               <a:t>第二级</a:t>
             </a:r>
           </a:p>
           <a:p>
-            <a:pPr lvl="2"/>
+            <a:pPr lvl="2" eaLnBrk="1" latinLnBrk="0" hangingPunct="1"/>
             <a:r>
               <a:rPr lang="zh-CN" altLang="en-US" smtClean="0"/>
               <a:t>第三级</a:t>
             </a:r>
           </a:p>
           <a:p>
-            <a:pPr lvl="3"/>
+            <a:pPr lvl="3" eaLnBrk="1" latinLnBrk="0" hangingPunct="1"/>
             <a:r>
               <a:rPr lang="zh-CN" altLang="en-US" smtClean="0"/>
               <a:t>第四级</a:t>
             </a:r>
           </a:p>
           <a:p>
-            <a:pPr lvl="4"/>
+            <a:pPr lvl="4" eaLnBrk="1" latinLnBrk="0" hangingPunct="1"/>
             <a:r>
               <a:rPr lang="zh-CN" altLang="en-US" smtClean="0"/>
               <a:t>第五级</a:t>
             </a:r>
-            <a:endParaRPr lang="zh-CN" altLang="en-US"/>
+            <a:endParaRPr kumimoji="0" lang="en-US"/>
           </a:p>
         </p:txBody>
       </p:sp>
@@ -1762,16 +2130,16 @@
         </p:nvSpPr>
         <p:spPr>
           <a:xfrm>
-            <a:off x="4645025" y="1535113"/>
-            <a:ext cx="4041775" cy="639762"/>
+            <a:off x="4645025" y="1698987"/>
+            <a:ext cx="4041775" cy="715355"/>
           </a:xfrm>
         </p:spPr>
         <p:txBody>
-          <a:bodyPr anchor="b"/>
+          <a:bodyPr lIns="146304" anchor="ctr"/>
           <a:lstStyle>
             <a:lvl1pPr marL="0" indent="0">
               <a:buNone/>
-              <a:defRPr sz="2400" b="1"/>
+              <a:defRPr sz="2300" b="1" cap="all" baseline="0"/>
             </a:lvl1pPr>
             <a:lvl2pPr marL="457200" indent="0">
               <a:buNone/>
@@ -1805,11 +2173,12 @@
               <a:buNone/>
               <a:defRPr sz="1600" b="1"/>
             </a:lvl9pPr>
+            <a:extLst/>
           </a:lstStyle>
           <a:p>
-            <a:pPr lvl="0"/>
-            <a:r>
-              <a:rPr lang="zh-CN" altLang="en-US" smtClean="0"/>
+            <a:pPr lvl="0" eaLnBrk="1" latinLnBrk="0" hangingPunct="1"/>
+            <a:r>
+              <a:rPr kumimoji="0" lang="zh-CN" altLang="en-US" smtClean="0"/>
               <a:t>单击此处编辑母版文本样式</a:t>
             </a:r>
           </a:p>
@@ -1827,7 +2196,7 @@
         </p:nvSpPr>
         <p:spPr>
           <a:xfrm>
-            <a:off x="4645025" y="2174875"/>
+            <a:off x="4645025" y="2449512"/>
             <a:ext cx="4041775" cy="3951288"/>
           </a:xfrm>
         </p:spPr>
@@ -1861,42 +2230,43 @@
             <a:lvl9pPr>
               <a:defRPr sz="1600"/>
             </a:lvl9pPr>
+            <a:extLst/>
           </a:lstStyle>
           <a:p>
-            <a:pPr lvl="0"/>
+            <a:pPr lvl="0" eaLnBrk="1" latinLnBrk="0" hangingPunct="1"/>
             <a:r>
               <a:rPr lang="zh-CN" altLang="en-US" smtClean="0"/>
               <a:t>单击此处编辑母版文本样式</a:t>
             </a:r>
           </a:p>
           <a:p>
-            <a:pPr lvl="1"/>
+            <a:pPr lvl="1" eaLnBrk="1" latinLnBrk="0" hangingPunct="1"/>
             <a:r>
               <a:rPr lang="zh-CN" altLang="en-US" smtClean="0"/>
               <a:t>第二级</a:t>
             </a:r>
           </a:p>
           <a:p>
-            <a:pPr lvl="2"/>
+            <a:pPr lvl="2" eaLnBrk="1" latinLnBrk="0" hangingPunct="1"/>
             <a:r>
               <a:rPr lang="zh-CN" altLang="en-US" smtClean="0"/>
               <a:t>第三级</a:t>
             </a:r>
           </a:p>
           <a:p>
-            <a:pPr lvl="3"/>
+            <a:pPr lvl="3" eaLnBrk="1" latinLnBrk="0" hangingPunct="1"/>
             <a:r>
               <a:rPr lang="zh-CN" altLang="en-US" smtClean="0"/>
               <a:t>第四级</a:t>
             </a:r>
           </a:p>
           <a:p>
-            <a:pPr lvl="4"/>
+            <a:pPr lvl="4" eaLnBrk="1" latinLnBrk="0" hangingPunct="1"/>
             <a:r>
               <a:rPr lang="zh-CN" altLang="en-US" smtClean="0"/>
               <a:t>第五级</a:t>
             </a:r>
-            <a:endParaRPr lang="zh-CN" altLang="en-US"/>
+            <a:endParaRPr kumimoji="0" lang="en-US"/>
           </a:p>
         </p:txBody>
       </p:sp>
@@ -1917,7 +2287,7 @@
           <a:p>
             <a:fld id="{530820CF-B880-4189-942D-D702A7CBA730}" type="datetimeFigureOut">
               <a:rPr lang="zh-CN" altLang="en-US" smtClean="0"/>
-              <a:t>2020/6/11</a:t>
+              <a:t>2020/6/12</a:t>
             </a:fld>
             <a:endParaRPr lang="zh-CN" altLang="en-US"/>
           </a:p>
@@ -2003,13 +2373,15 @@
         <p:spPr/>
         <p:txBody>
           <a:bodyPr/>
-          <a:lstStyle/>
-          <a:p>
-            <a:r>
-              <a:rPr lang="zh-CN" altLang="en-US" smtClean="0"/>
+          <a:lstStyle>
+            <a:extLst/>
+          </a:lstStyle>
+          <a:p>
+            <a:r>
+              <a:rPr kumimoji="0" lang="zh-CN" altLang="en-US" smtClean="0"/>
               <a:t>单击此处编辑母版标题样式</a:t>
             </a:r>
-            <a:endParaRPr lang="zh-CN" altLang="en-US"/>
+            <a:endParaRPr kumimoji="0" lang="en-US"/>
           </a:p>
         </p:txBody>
       </p:sp>
@@ -2030,7 +2402,7 @@
           <a:p>
             <a:fld id="{530820CF-B880-4189-942D-D702A7CBA730}" type="datetimeFigureOut">
               <a:rPr lang="zh-CN" altLang="en-US" smtClean="0"/>
-              <a:t>2020/6/11</a:t>
+              <a:t>2020/6/12</a:t>
             </a:fld>
             <a:endParaRPr lang="zh-CN" altLang="en-US"/>
           </a:p>
@@ -2087,7 +2459,7 @@
 </file>
 
 <file path=ppt/slideLayouts/slideLayout7.xml><?xml version="1.0" encoding="utf-8"?>
-<p:sldLayout xmlns:a="http://schemas.openxmlformats.org/drawingml/2006/main" xmlns:r="http://schemas.openxmlformats.org/officeDocument/2006/relationships" xmlns:p="http://schemas.openxmlformats.org/presentationml/2006/main" type="blank" preserve="1">
+<p:sldLayout xmlns:a="http://schemas.openxmlformats.org/drawingml/2006/main" xmlns:r="http://schemas.openxmlformats.org/officeDocument/2006/relationships" xmlns:p="http://schemas.openxmlformats.org/presentationml/2006/main" showMasterSp="0" type="blank" preserve="1">
   <p:cSld name="空白">
     <p:spTree>
       <p:nvGrpSpPr>
@@ -2120,7 +2492,7 @@
           <a:p>
             <a:fld id="{530820CF-B880-4189-942D-D702A7CBA730}" type="datetimeFigureOut">
               <a:rPr lang="zh-CN" altLang="en-US" smtClean="0"/>
-              <a:t>2020/6/11</a:t>
+              <a:t>2020/6/12</a:t>
             </a:fld>
             <a:endParaRPr lang="zh-CN" altLang="en-US"/>
           </a:p>
@@ -2205,23 +2577,27 @@
         </p:nvSpPr>
         <p:spPr>
           <a:xfrm>
-            <a:off x="457200" y="273050"/>
-            <a:ext cx="3008313" cy="1162050"/>
+            <a:off x="167838" y="152400"/>
+            <a:ext cx="2523744" cy="978408"/>
           </a:xfrm>
         </p:spPr>
         <p:txBody>
-          <a:bodyPr anchor="b"/>
+          <a:bodyPr vert="horz" lIns="73152" rIns="45720" bIns="0" rtlCol="0" anchor="b">
+            <a:normAutofit/>
+            <a:sp3d prstMaterial="matte"/>
+          </a:bodyPr>
           <a:lstStyle>
             <a:lvl1pPr algn="l">
-              <a:defRPr sz="2000" b="1"/>
+              <a:defRPr sz="2000" b="0"/>
             </a:lvl1pPr>
+            <a:extLst/>
           </a:lstStyle>
           <a:p>
             <a:r>
-              <a:rPr lang="zh-CN" altLang="en-US" smtClean="0"/>
+              <a:rPr kumimoji="0" lang="zh-CN" altLang="en-US" smtClean="0"/>
               <a:t>单击此处编辑母版标题样式</a:t>
             </a:r>
-            <a:endParaRPr lang="zh-CN" altLang="en-US"/>
+            <a:endParaRPr kumimoji="0" lang="en-US"/>
           </a:p>
         </p:txBody>
       </p:sp>
@@ -2237,8 +2613,8 @@
         </p:nvSpPr>
         <p:spPr>
           <a:xfrm>
-            <a:off x="3575050" y="273050"/>
-            <a:ext cx="5111750" cy="5853113"/>
+            <a:off x="3019377" y="1743133"/>
+            <a:ext cx="5920641" cy="4558885"/>
           </a:xfrm>
         </p:spPr>
         <p:txBody>
@@ -2271,42 +2647,43 @@
             <a:lvl9pPr>
               <a:defRPr sz="2000"/>
             </a:lvl9pPr>
+            <a:extLst/>
           </a:lstStyle>
           <a:p>
-            <a:pPr lvl="0"/>
+            <a:pPr lvl="0" eaLnBrk="1" latinLnBrk="0" hangingPunct="1"/>
             <a:r>
               <a:rPr lang="zh-CN" altLang="en-US" smtClean="0"/>
               <a:t>单击此处编辑母版文本样式</a:t>
             </a:r>
           </a:p>
           <a:p>
-            <a:pPr lvl="1"/>
+            <a:pPr lvl="1" eaLnBrk="1" latinLnBrk="0" hangingPunct="1"/>
             <a:r>
               <a:rPr lang="zh-CN" altLang="en-US" smtClean="0"/>
               <a:t>第二级</a:t>
             </a:r>
           </a:p>
           <a:p>
-            <a:pPr lvl="2"/>
+            <a:pPr lvl="2" eaLnBrk="1" latinLnBrk="0" hangingPunct="1"/>
             <a:r>
               <a:rPr lang="zh-CN" altLang="en-US" smtClean="0"/>
               <a:t>第三级</a:t>
             </a:r>
           </a:p>
           <a:p>
-            <a:pPr lvl="3"/>
+            <a:pPr lvl="3" eaLnBrk="1" latinLnBrk="0" hangingPunct="1"/>
             <a:r>
               <a:rPr lang="zh-CN" altLang="en-US" smtClean="0"/>
               <a:t>第四级</a:t>
             </a:r>
           </a:p>
           <a:p>
-            <a:pPr lvl="4"/>
+            <a:pPr lvl="4" eaLnBrk="1" latinLnBrk="0" hangingPunct="1"/>
             <a:r>
               <a:rPr lang="zh-CN" altLang="en-US" smtClean="0"/>
               <a:t>第五级</a:t>
             </a:r>
-            <a:endParaRPr lang="zh-CN" altLang="en-US"/>
+            <a:endParaRPr kumimoji="0" lang="en-US"/>
           </a:p>
         </p:txBody>
       </p:sp>
@@ -2322,8 +2699,8 @@
         </p:nvSpPr>
         <p:spPr>
           <a:xfrm>
-            <a:off x="457200" y="1435100"/>
-            <a:ext cx="3008313" cy="4691063"/>
+            <a:off x="167838" y="1730018"/>
+            <a:ext cx="2468880" cy="4572000"/>
           </a:xfrm>
         </p:spPr>
         <p:txBody>
@@ -2365,11 +2742,12 @@
               <a:buNone/>
               <a:defRPr sz="900"/>
             </a:lvl9pPr>
+            <a:extLst/>
           </a:lstStyle>
           <a:p>
-            <a:pPr lvl="0"/>
-            <a:r>
-              <a:rPr lang="zh-CN" altLang="en-US" smtClean="0"/>
+            <a:pPr lvl="0" eaLnBrk="1" latinLnBrk="0" hangingPunct="1"/>
+            <a:r>
+              <a:rPr kumimoji="0" lang="zh-CN" altLang="en-US" smtClean="0"/>
               <a:t>单击此处编辑母版文本样式</a:t>
             </a:r>
           </a:p>
@@ -2392,7 +2770,7 @@
           <a:p>
             <a:fld id="{530820CF-B880-4189-942D-D702A7CBA730}" type="datetimeFigureOut">
               <a:rPr lang="zh-CN" altLang="en-US" smtClean="0"/>
-              <a:t>2020/6/11</a:t>
+              <a:t>2020/6/12</a:t>
             </a:fld>
             <a:endParaRPr lang="zh-CN" altLang="en-US"/>
           </a:p>
@@ -2437,6 +2815,100 @@
               <a:t>‹#›</a:t>
             </a:fld>
             <a:endParaRPr lang="zh-CN" altLang="en-US"/>
+          </a:p>
+        </p:txBody>
+      </p:sp>
+      <p:sp>
+        <p:nvSpPr>
+          <p:cNvPr id="12" name="矩形 11"/>
+          <p:cNvSpPr/>
+          <p:nvPr/>
+        </p:nvSpPr>
+        <p:spPr bwMode="invGray">
+          <a:xfrm>
+            <a:off x="2855737" y="0"/>
+            <a:ext cx="45720" cy="1453896"/>
+          </a:xfrm>
+          <a:prstGeom prst="rect">
+            <a:avLst/>
+          </a:prstGeom>
+          <a:solidFill>
+            <a:srgbClr val="FFFFFF"/>
+          </a:solidFill>
+          <a:ln w="48000" cap="flat" cmpd="thickThin" algn="ctr">
+            <a:noFill/>
+            <a:prstDash val="solid"/>
+          </a:ln>
+        </p:spPr>
+        <p:style>
+          <a:lnRef idx="2">
+            <a:schemeClr val="accent1"/>
+          </a:lnRef>
+          <a:fillRef idx="1">
+            <a:schemeClr val="accent1"/>
+          </a:fillRef>
+          <a:effectRef idx="0">
+            <a:schemeClr val="accent1"/>
+          </a:effectRef>
+          <a:fontRef idx="minor">
+            <a:schemeClr val="lt1"/>
+          </a:fontRef>
+        </p:style>
+        <p:txBody>
+          <a:bodyPr rtlCol="0" anchor="ctr"/>
+          <a:lstStyle>
+            <a:extLst/>
+          </a:lstStyle>
+          <a:p>
+            <a:pPr algn="ctr" eaLnBrk="1" latinLnBrk="0" hangingPunct="1"/>
+            <a:endParaRPr kumimoji="0" lang="en-US"/>
+          </a:p>
+        </p:txBody>
+      </p:sp>
+      <p:sp>
+        <p:nvSpPr>
+          <p:cNvPr id="9" name="矩形 8"/>
+          <p:cNvSpPr/>
+          <p:nvPr/>
+        </p:nvSpPr>
+        <p:spPr bwMode="invGray">
+          <a:xfrm>
+            <a:off x="2855737" y="0"/>
+            <a:ext cx="45720" cy="1453896"/>
+          </a:xfrm>
+          <a:prstGeom prst="rect">
+            <a:avLst/>
+          </a:prstGeom>
+          <a:solidFill>
+            <a:srgbClr val="FFFFFF"/>
+          </a:solidFill>
+          <a:ln w="48000" cap="flat" cmpd="thickThin" algn="ctr">
+            <a:noFill/>
+            <a:prstDash val="solid"/>
+          </a:ln>
+        </p:spPr>
+        <p:style>
+          <a:lnRef idx="2">
+            <a:schemeClr val="accent1"/>
+          </a:lnRef>
+          <a:fillRef idx="1">
+            <a:schemeClr val="accent1"/>
+          </a:fillRef>
+          <a:effectRef idx="0">
+            <a:schemeClr val="accent1"/>
+          </a:effectRef>
+          <a:fontRef idx="minor">
+            <a:schemeClr val="lt1"/>
+          </a:fontRef>
+        </p:style>
+        <p:txBody>
+          <a:bodyPr rtlCol="0" anchor="ctr"/>
+          <a:lstStyle>
+            <a:extLst/>
+          </a:lstStyle>
+          <a:p>
+            <a:pPr algn="ctr" eaLnBrk="1" latinLnBrk="0" hangingPunct="1"/>
+            <a:endParaRPr kumimoji="0" lang="en-US"/>
           </a:p>
         </p:txBody>
       </p:sp>
@@ -2451,6 +2923,11 @@
 <file path=ppt/slideLayouts/slideLayout9.xml><?xml version="1.0" encoding="utf-8"?>
 <p:sldLayout xmlns:a="http://schemas.openxmlformats.org/drawingml/2006/main" xmlns:r="http://schemas.openxmlformats.org/officeDocument/2006/relationships" xmlns:p="http://schemas.openxmlformats.org/presentationml/2006/main" type="picTx" preserve="1">
   <p:cSld name="图片与标题">
+    <p:bg>
+      <p:bgRef idx="1001">
+        <a:schemeClr val="bg2"/>
+      </p:bgRef>
+    </p:bg>
     <p:spTree>
       <p:nvGrpSpPr>
         <p:cNvPr id="1" name=""/>
@@ -2477,23 +2954,26 @@
         </p:nvSpPr>
         <p:spPr>
           <a:xfrm>
-            <a:off x="1792288" y="4800600"/>
-            <a:ext cx="5486400" cy="566738"/>
+            <a:off x="164592" y="155448"/>
+            <a:ext cx="2525150" cy="978408"/>
           </a:xfrm>
         </p:spPr>
         <p:txBody>
-          <a:bodyPr anchor="b"/>
+          <a:bodyPr lIns="73152" bIns="0" anchor="b">
+            <a:sp3d prstMaterial="matte"/>
+          </a:bodyPr>
           <a:lstStyle>
             <a:lvl1pPr algn="l">
-              <a:defRPr sz="2000" b="1"/>
+              <a:defRPr sz="2000" b="0"/>
             </a:lvl1pPr>
+            <a:extLst/>
           </a:lstStyle>
           <a:p>
             <a:r>
-              <a:rPr lang="zh-CN" altLang="en-US" smtClean="0"/>
+              <a:rPr kumimoji="0" lang="zh-CN" altLang="en-US" smtClean="0"/>
               <a:t>单击此处编辑母版标题样式</a:t>
             </a:r>
-            <a:endParaRPr lang="zh-CN" altLang="en-US"/>
+            <a:endParaRPr kumimoji="0" lang="en-US"/>
           </a:p>
         </p:txBody>
       </p:sp>
@@ -2509,9 +2989,14 @@
         </p:nvSpPr>
         <p:spPr>
           <a:xfrm>
-            <a:off x="1792288" y="612775"/>
-            <a:ext cx="5486400" cy="4114800"/>
+            <a:off x="2903805" y="1484808"/>
+            <a:ext cx="6247397" cy="5373192"/>
           </a:xfrm>
+          <a:solidFill>
+            <a:schemeClr val="bg2">
+              <a:shade val="75000"/>
+            </a:schemeClr>
+          </a:solidFill>
         </p:spPr>
         <p:txBody>
           <a:bodyPr/>
@@ -2552,9 +3037,14 @@
               <a:buNone/>
               <a:defRPr sz="2000"/>
             </a:lvl9pPr>
+            <a:extLst/>
           </a:lstStyle>
           <a:p>
-            <a:endParaRPr lang="zh-CN" altLang="en-US"/>
+            <a:r>
+              <a:rPr kumimoji="0" lang="zh-CN" altLang="en-US" smtClean="0"/>
+              <a:t>单击图标添加图片</a:t>
+            </a:r>
+            <a:endParaRPr kumimoji="0" lang="en-US" dirty="0"/>
           </a:p>
         </p:txBody>
       </p:sp>
@@ -2570,8 +3060,8 @@
         </p:nvSpPr>
         <p:spPr>
           <a:xfrm>
-            <a:off x="1792288" y="5367338"/>
-            <a:ext cx="5486400" cy="804862"/>
+            <a:off x="164592" y="1728216"/>
+            <a:ext cx="2468880" cy="4572000"/>
           </a:xfrm>
         </p:spPr>
         <p:txBody>
@@ -2613,11 +3103,12 @@
               <a:buNone/>
               <a:defRPr sz="900"/>
             </a:lvl9pPr>
+            <a:extLst/>
           </a:lstStyle>
           <a:p>
-            <a:pPr lvl="0"/>
-            <a:r>
-              <a:rPr lang="zh-CN" altLang="en-US" smtClean="0"/>
+            <a:pPr lvl="0" eaLnBrk="1" latinLnBrk="0" hangingPunct="1"/>
+            <a:r>
+              <a:rPr kumimoji="0" lang="zh-CN" altLang="en-US" smtClean="0"/>
               <a:t>单击此处编辑母版文本样式</a:t>
             </a:r>
           </a:p>
@@ -2633,14 +3124,19 @@
             <p:ph type="dt" sz="half" idx="10"/>
           </p:nvPr>
         </p:nvSpPr>
-        <p:spPr/>
+        <p:spPr>
+          <a:xfrm>
+            <a:off x="164592" y="1170432"/>
+            <a:ext cx="2523744" cy="201168"/>
+          </a:xfrm>
+        </p:spPr>
         <p:txBody>
           <a:bodyPr/>
           <a:lstStyle/>
           <a:p>
             <a:fld id="{530820CF-B880-4189-942D-D702A7CBA730}" type="datetimeFigureOut">
               <a:rPr lang="zh-CN" altLang="en-US" smtClean="0"/>
-              <a:t>2020/6/11</a:t>
+              <a:t>2020/6/12</a:t>
             </a:fld>
             <a:endParaRPr lang="zh-CN" altLang="en-US"/>
           </a:p>
@@ -2648,6 +3144,100 @@
       </p:sp>
       <p:sp>
         <p:nvSpPr>
+          <p:cNvPr id="11" name="矩形 10"/>
+          <p:cNvSpPr/>
+          <p:nvPr/>
+        </p:nvSpPr>
+        <p:spPr>
+          <a:xfrm>
+            <a:off x="2855737" y="0"/>
+            <a:ext cx="45720" cy="6858000"/>
+          </a:xfrm>
+          <a:prstGeom prst="rect">
+            <a:avLst/>
+          </a:prstGeom>
+          <a:solidFill>
+            <a:srgbClr val="FFFFFF"/>
+          </a:solidFill>
+          <a:ln w="48000" cap="flat" cmpd="thickThin" algn="ctr">
+            <a:noFill/>
+            <a:prstDash val="solid"/>
+          </a:ln>
+        </p:spPr>
+        <p:style>
+          <a:lnRef idx="2">
+            <a:schemeClr val="accent1"/>
+          </a:lnRef>
+          <a:fillRef idx="1">
+            <a:schemeClr val="accent1"/>
+          </a:fillRef>
+          <a:effectRef idx="0">
+            <a:schemeClr val="accent1"/>
+          </a:effectRef>
+          <a:fontRef idx="minor">
+            <a:schemeClr val="lt1"/>
+          </a:fontRef>
+        </p:style>
+        <p:txBody>
+          <a:bodyPr rtlCol="0" anchor="ctr"/>
+          <a:lstStyle>
+            <a:extLst/>
+          </a:lstStyle>
+          <a:p>
+            <a:pPr algn="ctr" eaLnBrk="1" latinLnBrk="0" hangingPunct="1"/>
+            <a:endParaRPr kumimoji="0" lang="en-US"/>
+          </a:p>
+        </p:txBody>
+      </p:sp>
+      <p:sp>
+        <p:nvSpPr>
+          <p:cNvPr id="9" name="矩形 8"/>
+          <p:cNvSpPr/>
+          <p:nvPr/>
+        </p:nvSpPr>
+        <p:spPr bwMode="invGray">
+          <a:xfrm>
+            <a:off x="2855737" y="0"/>
+            <a:ext cx="45720" cy="6858000"/>
+          </a:xfrm>
+          <a:prstGeom prst="rect">
+            <a:avLst/>
+          </a:prstGeom>
+          <a:solidFill>
+            <a:srgbClr val="FFFFFF"/>
+          </a:solidFill>
+          <a:ln w="48000" cap="flat" cmpd="thickThin" algn="ctr">
+            <a:noFill/>
+            <a:prstDash val="solid"/>
+          </a:ln>
+        </p:spPr>
+        <p:style>
+          <a:lnRef idx="2">
+            <a:schemeClr val="accent1"/>
+          </a:lnRef>
+          <a:fillRef idx="1">
+            <a:schemeClr val="accent1"/>
+          </a:fillRef>
+          <a:effectRef idx="0">
+            <a:schemeClr val="accent1"/>
+          </a:effectRef>
+          <a:fontRef idx="minor">
+            <a:schemeClr val="lt1"/>
+          </a:fontRef>
+        </p:style>
+        <p:txBody>
+          <a:bodyPr rtlCol="0" anchor="ctr"/>
+          <a:lstStyle>
+            <a:extLst/>
+          </a:lstStyle>
+          <a:p>
+            <a:pPr algn="ctr" eaLnBrk="1" latinLnBrk="0" hangingPunct="1"/>
+            <a:endParaRPr kumimoji="0" lang="en-US"/>
+          </a:p>
+        </p:txBody>
+      </p:sp>
+      <p:sp>
+        <p:nvSpPr>
           <p:cNvPr id="6" name="页脚占位符 5"/>
           <p:cNvSpPr>
             <a:spLocks noGrp="1"/>
@@ -2656,10 +3246,25 @@
             <p:ph type="ftr" sz="quarter" idx="11"/>
           </p:nvPr>
         </p:nvSpPr>
-        <p:spPr/>
-        <p:txBody>
-          <a:bodyPr/>
-          <a:lstStyle/>
+        <p:spPr>
+          <a:xfrm>
+            <a:off x="3035808" y="1170432"/>
+            <a:ext cx="5193792" cy="201168"/>
+          </a:xfrm>
+        </p:spPr>
+        <p:txBody>
+          <a:bodyPr/>
+          <a:lstStyle>
+            <a:lvl1pPr>
+              <a:defRPr>
+                <a:solidFill>
+                  <a:schemeClr val="bg1">
+                    <a:shade val="50000"/>
+                  </a:schemeClr>
+                </a:solidFill>
+              </a:defRPr>
+            </a:lvl1pPr>
+          </a:lstStyle>
           <a:p>
             <a:endParaRPr lang="zh-CN" altLang="en-US"/>
           </a:p>
@@ -2675,7 +3280,12 @@
             <p:ph type="sldNum" sz="quarter" idx="12"/>
           </p:nvPr>
         </p:nvSpPr>
-        <p:spPr/>
+        <p:spPr>
+          <a:xfrm>
+            <a:off x="8339328" y="1170432"/>
+            <a:ext cx="733864" cy="201168"/>
+          </a:xfrm>
+        </p:spPr>
         <p:txBody>
           <a:bodyPr/>
           <a:lstStyle/>
@@ -2691,7 +3301,7 @@
     </p:spTree>
   </p:cSld>
   <p:clrMapOvr>
-    <a:masterClrMapping/>
+    <a:overrideClrMapping bg1="lt1" tx1="dk1" bg2="lt2" tx2="dk2" accent1="accent1" accent2="accent2" accent3="accent3" accent4="accent4" accent5="accent5" accent6="accent6" hlink="hlink" folHlink="folHlink"/>
   </p:clrMapOvr>
 </p:sldLayout>
 </file>
@@ -2720,6 +3330,107 @@
       </p:grpSpPr>
       <p:sp>
         <p:nvSpPr>
+          <p:cNvPr id="10" name="矩形 9"/>
+          <p:cNvSpPr/>
+          <p:nvPr/>
+        </p:nvSpPr>
+        <p:spPr bwMode="invGray">
+          <a:xfrm>
+            <a:off x="0" y="1435895"/>
+            <a:ext cx="9144000" cy="45720"/>
+          </a:xfrm>
+          <a:prstGeom prst="rect">
+            <a:avLst/>
+          </a:prstGeom>
+          <a:solidFill>
+            <a:srgbClr val="FFFFFF"/>
+          </a:solidFill>
+          <a:ln w="48000" cap="flat" cmpd="thickThin" algn="ctr">
+            <a:noFill/>
+            <a:prstDash val="solid"/>
+          </a:ln>
+          <a:effectLst>
+            <a:outerShdw blurRad="31750" dist="10160" dir="5400000" algn="tl" rotWithShape="0">
+              <a:srgbClr val="000000">
+                <a:alpha val="60000"/>
+              </a:srgbClr>
+            </a:outerShdw>
+          </a:effectLst>
+        </p:spPr>
+        <p:style>
+          <a:lnRef idx="2">
+            <a:schemeClr val="accent1"/>
+          </a:lnRef>
+          <a:fillRef idx="1">
+            <a:schemeClr val="accent1"/>
+          </a:fillRef>
+          <a:effectRef idx="0">
+            <a:schemeClr val="accent1"/>
+          </a:effectRef>
+          <a:fontRef idx="minor">
+            <a:schemeClr val="lt1"/>
+          </a:fontRef>
+        </p:style>
+        <p:txBody>
+          <a:bodyPr rtlCol="0" anchor="ctr"/>
+          <a:lstStyle>
+            <a:extLst/>
+          </a:lstStyle>
+          <a:p>
+            <a:pPr algn="ctr" eaLnBrk="1" latinLnBrk="0" hangingPunct="1"/>
+            <a:endParaRPr kumimoji="0" lang="en-US"/>
+          </a:p>
+        </p:txBody>
+      </p:sp>
+      <p:sp>
+        <p:nvSpPr>
+          <p:cNvPr id="7" name="矩形 6"/>
+          <p:cNvSpPr/>
+          <p:nvPr/>
+        </p:nvSpPr>
+        <p:spPr bwMode="ltGray">
+          <a:xfrm>
+            <a:off x="0" y="0"/>
+            <a:ext cx="9143999" cy="1433733"/>
+          </a:xfrm>
+          <a:prstGeom prst="rect">
+            <a:avLst/>
+          </a:prstGeom>
+          <a:solidFill>
+            <a:srgbClr val="000000"/>
+          </a:solidFill>
+          <a:ln w="48000" cap="flat" cmpd="thickThin" algn="ctr">
+            <a:noFill/>
+            <a:prstDash val="solid"/>
+          </a:ln>
+        </p:spPr>
+        <p:style>
+          <a:lnRef idx="2">
+            <a:schemeClr val="accent1"/>
+          </a:lnRef>
+          <a:fillRef idx="1">
+            <a:schemeClr val="accent1"/>
+          </a:fillRef>
+          <a:effectRef idx="0">
+            <a:schemeClr val="accent1"/>
+          </a:effectRef>
+          <a:fontRef idx="minor">
+            <a:schemeClr val="lt1"/>
+          </a:fontRef>
+        </p:style>
+        <p:txBody>
+          <a:bodyPr rtlCol="0" anchor="ctr"/>
+          <a:lstStyle>
+            <a:extLst/>
+          </a:lstStyle>
+          <a:p>
+            <a:pPr algn="ctr" eaLnBrk="1" latinLnBrk="0" hangingPunct="1"/>
+            <a:endParaRPr kumimoji="0" lang="en-US"/>
+          </a:p>
+        </p:txBody>
+      </p:sp>
+      <p:sp>
+        <p:nvSpPr>
           <p:cNvPr id="2" name="标题占位符 1"/>
           <p:cNvSpPr>
             <a:spLocks noGrp="1"/>
@@ -2730,24 +3441,35 @@
         </p:nvSpPr>
         <p:spPr>
           <a:xfrm>
-            <a:off x="457200" y="274638"/>
-            <a:ext cx="8229600" cy="1143000"/>
+            <a:off x="457200" y="152400"/>
+            <a:ext cx="8229600" cy="1251062"/>
           </a:xfrm>
           <a:prstGeom prst="rect">
             <a:avLst/>
           </a:prstGeom>
         </p:spPr>
         <p:txBody>
-          <a:bodyPr vert="horz" lIns="91440" tIns="45720" rIns="91440" bIns="45720" rtlCol="0" anchor="ctr">
+          <a:bodyPr vert="horz" lIns="91440" rIns="45720" rtlCol="0" anchor="ctr">
             <a:normAutofit/>
+            <a:scene3d>
+              <a:camera prst="orthographicFront"/>
+              <a:lightRig rig="threePt" dir="t">
+                <a:rot lat="0" lon="0" rev="4800000"/>
+              </a:lightRig>
+            </a:scene3d>
+            <a:sp3d prstMaterial="matte">
+              <a:bevelT w="50800" h="10160"/>
+            </a:sp3d>
           </a:bodyPr>
-          <a:lstStyle/>
-          <a:p>
-            <a:r>
-              <a:rPr lang="zh-CN" altLang="en-US" smtClean="0"/>
+          <a:lstStyle>
+            <a:extLst/>
+          </a:lstStyle>
+          <a:p>
+            <a:r>
+              <a:rPr kumimoji="0" lang="zh-CN" altLang="en-US" smtClean="0"/>
               <a:t>单击此处编辑母版标题样式</a:t>
             </a:r>
-            <a:endParaRPr lang="zh-CN" altLang="en-US"/>
+            <a:endParaRPr kumimoji="0" lang="en-US"/>
           </a:p>
         </p:txBody>
       </p:sp>
@@ -2763,53 +3485,55 @@
         </p:nvSpPr>
         <p:spPr>
           <a:xfrm>
-            <a:off x="457200" y="1600200"/>
-            <a:ext cx="8229600" cy="4525963"/>
+            <a:off x="457200" y="1775191"/>
+            <a:ext cx="8229600" cy="4625609"/>
           </a:xfrm>
           <a:prstGeom prst="rect">
             <a:avLst/>
           </a:prstGeom>
         </p:spPr>
         <p:txBody>
-          <a:bodyPr vert="horz" lIns="91440" tIns="45720" rIns="91440" bIns="45720" rtlCol="0">
+          <a:bodyPr vert="horz" lIns="54864" tIns="91440" rtlCol="0">
             <a:normAutofit/>
           </a:bodyPr>
-          <a:lstStyle/>
-          <a:p>
-            <a:pPr lvl="0"/>
-            <a:r>
-              <a:rPr lang="zh-CN" altLang="en-US" smtClean="0"/>
+          <a:lstStyle>
+            <a:extLst/>
+          </a:lstStyle>
+          <a:p>
+            <a:pPr lvl="0" eaLnBrk="1" latinLnBrk="0" hangingPunct="1"/>
+            <a:r>
+              <a:rPr kumimoji="0" lang="zh-CN" altLang="en-US" smtClean="0"/>
               <a:t>单击此处编辑母版文本样式</a:t>
             </a:r>
           </a:p>
           <a:p>
-            <a:pPr lvl="1"/>
-            <a:r>
-              <a:rPr lang="zh-CN" altLang="en-US" smtClean="0"/>
+            <a:pPr lvl="1" eaLnBrk="1" latinLnBrk="0" hangingPunct="1"/>
+            <a:r>
+              <a:rPr kumimoji="0" lang="zh-CN" altLang="en-US" smtClean="0"/>
               <a:t>第二级</a:t>
             </a:r>
           </a:p>
           <a:p>
-            <a:pPr lvl="2"/>
-            <a:r>
-              <a:rPr lang="zh-CN" altLang="en-US" smtClean="0"/>
+            <a:pPr lvl="2" eaLnBrk="1" latinLnBrk="0" hangingPunct="1"/>
+            <a:r>
+              <a:rPr kumimoji="0" lang="zh-CN" altLang="en-US" smtClean="0"/>
               <a:t>第三级</a:t>
             </a:r>
           </a:p>
           <a:p>
-            <a:pPr lvl="3"/>
-            <a:r>
-              <a:rPr lang="zh-CN" altLang="en-US" smtClean="0"/>
+            <a:pPr lvl="3" eaLnBrk="1" latinLnBrk="0" hangingPunct="1"/>
+            <a:r>
+              <a:rPr kumimoji="0" lang="zh-CN" altLang="en-US" smtClean="0"/>
               <a:t>第四级</a:t>
             </a:r>
           </a:p>
           <a:p>
-            <a:pPr lvl="4"/>
-            <a:r>
-              <a:rPr lang="zh-CN" altLang="en-US" smtClean="0"/>
+            <a:pPr lvl="4" eaLnBrk="1" latinLnBrk="0" hangingPunct="1"/>
+            <a:r>
+              <a:rPr kumimoji="0" lang="zh-CN" altLang="en-US" smtClean="0"/>
               <a:t>第五级</a:t>
             </a:r>
-            <a:endParaRPr lang="zh-CN" altLang="en-US"/>
+            <a:endParaRPr kumimoji="0" lang="en-US"/>
           </a:p>
         </p:txBody>
       </p:sp>
@@ -2825,30 +3549,31 @@
         </p:nvSpPr>
         <p:spPr>
           <a:xfrm>
-            <a:off x="457200" y="6356350"/>
-            <a:ext cx="2133600" cy="365125"/>
+            <a:off x="457200" y="6476999"/>
+            <a:ext cx="2133600" cy="274320"/>
           </a:xfrm>
           <a:prstGeom prst="rect">
             <a:avLst/>
           </a:prstGeom>
         </p:spPr>
         <p:txBody>
-          <a:bodyPr vert="horz" lIns="91440" tIns="45720" rIns="91440" bIns="45720" rtlCol="0" anchor="ctr"/>
+          <a:bodyPr vert="horz" lIns="109728" rIns="45720" bIns="0" rtlCol="0" anchor="b"/>
           <a:lstStyle>
-            <a:lvl1pPr algn="l">
-              <a:defRPr sz="1200">
+            <a:lvl1pPr algn="l" eaLnBrk="1" latinLnBrk="0" hangingPunct="1">
+              <a:defRPr kumimoji="0" sz="1200">
                 <a:solidFill>
                   <a:schemeClr val="tx1">
-                    <a:tint val="75000"/>
+                    <a:tint val="95000"/>
                   </a:schemeClr>
                 </a:solidFill>
               </a:defRPr>
             </a:lvl1pPr>
+            <a:extLst/>
           </a:lstStyle>
           <a:p>
             <a:fld id="{530820CF-B880-4189-942D-D702A7CBA730}" type="datetimeFigureOut">
               <a:rPr lang="zh-CN" altLang="en-US" smtClean="0"/>
-              <a:t>2020/6/11</a:t>
+              <a:t>2020/6/12</a:t>
             </a:fld>
             <a:endParaRPr lang="zh-CN" altLang="en-US"/>
           </a:p>
@@ -2866,25 +3591,26 @@
         </p:nvSpPr>
         <p:spPr>
           <a:xfrm>
-            <a:off x="3124200" y="6356350"/>
-            <a:ext cx="2895600" cy="365125"/>
+            <a:off x="2640596" y="6476999"/>
+            <a:ext cx="5507719" cy="274320"/>
           </a:xfrm>
           <a:prstGeom prst="rect">
             <a:avLst/>
           </a:prstGeom>
         </p:spPr>
         <p:txBody>
-          <a:bodyPr vert="horz" lIns="91440" tIns="45720" rIns="91440" bIns="45720" rtlCol="0" anchor="ctr"/>
+          <a:bodyPr vert="horz" lIns="45720" rIns="45720" bIns="0" rtlCol="0" anchor="b"/>
           <a:lstStyle>
-            <a:lvl1pPr algn="ctr">
-              <a:defRPr sz="1200">
+            <a:lvl1pPr algn="l" eaLnBrk="1" latinLnBrk="0" hangingPunct="1">
+              <a:defRPr kumimoji="0" sz="1200">
                 <a:solidFill>
                   <a:schemeClr val="tx1">
-                    <a:tint val="75000"/>
+                    <a:tint val="95000"/>
                   </a:schemeClr>
                 </a:solidFill>
               </a:defRPr>
             </a:lvl1pPr>
+            <a:extLst/>
           </a:lstStyle>
           <a:p>
             <a:endParaRPr lang="zh-CN" altLang="en-US"/>
@@ -2903,25 +3629,26 @@
         </p:nvSpPr>
         <p:spPr>
           <a:xfrm>
-            <a:off x="6553200" y="6356350"/>
-            <a:ext cx="2133600" cy="365125"/>
+            <a:off x="8204396" y="6476999"/>
+            <a:ext cx="733864" cy="274320"/>
           </a:xfrm>
           <a:prstGeom prst="rect">
             <a:avLst/>
           </a:prstGeom>
         </p:spPr>
         <p:txBody>
-          <a:bodyPr vert="horz" lIns="91440" tIns="45720" rIns="91440" bIns="45720" rtlCol="0" anchor="ctr"/>
+          <a:bodyPr vert="horz" bIns="0" rtlCol="0" anchor="b"/>
           <a:lstStyle>
-            <a:lvl1pPr algn="r">
-              <a:defRPr sz="1200">
+            <a:lvl1pPr algn="r" eaLnBrk="1" latinLnBrk="0" hangingPunct="1">
+              <a:defRPr kumimoji="0" sz="1200">
                 <a:solidFill>
                   <a:schemeClr val="tx1">
-                    <a:tint val="75000"/>
+                    <a:tint val="95000"/>
                   </a:schemeClr>
                 </a:solidFill>
               </a:defRPr>
             </a:lvl1pPr>
+            <a:extLst/>
           </a:lstStyle>
           <a:p>
             <a:fld id="{0C913308-F349-4B6D-A68A-DD1791B4A57B}" type="slidenum">
@@ -2936,44 +3663,52 @@
   </p:cSld>
   <p:clrMap bg1="lt1" tx1="dk1" bg2="lt2" tx2="dk2" accent1="accent1" accent2="accent2" accent3="accent3" accent4="accent4" accent5="accent5" accent6="accent6" hlink="hlink" folHlink="folHlink"/>
   <p:sldLayoutIdLst>
-    <p:sldLayoutId id="2147483649" r:id="rId1"/>
-    <p:sldLayoutId id="2147483650" r:id="rId2"/>
-    <p:sldLayoutId id="2147483651" r:id="rId3"/>
-    <p:sldLayoutId id="2147483652" r:id="rId4"/>
-    <p:sldLayoutId id="2147483653" r:id="rId5"/>
-    <p:sldLayoutId id="2147483654" r:id="rId6"/>
-    <p:sldLayoutId id="2147483655" r:id="rId7"/>
-    <p:sldLayoutId id="2147483656" r:id="rId8"/>
-    <p:sldLayoutId id="2147483657" r:id="rId9"/>
-    <p:sldLayoutId id="2147483658" r:id="rId10"/>
-    <p:sldLayoutId id="2147483659" r:id="rId11"/>
-    <p:sldLayoutId id="2147483660" r:id="rId12"/>
+    <p:sldLayoutId id="2147483714" r:id="rId1"/>
+    <p:sldLayoutId id="2147483715" r:id="rId2"/>
+    <p:sldLayoutId id="2147483716" r:id="rId3"/>
+    <p:sldLayoutId id="2147483717" r:id="rId4"/>
+    <p:sldLayoutId id="2147483718" r:id="rId5"/>
+    <p:sldLayoutId id="2147483719" r:id="rId6"/>
+    <p:sldLayoutId id="2147483720" r:id="rId7"/>
+    <p:sldLayoutId id="2147483721" r:id="rId8"/>
+    <p:sldLayoutId id="2147483722" r:id="rId9"/>
+    <p:sldLayoutId id="2147483723" r:id="rId10"/>
+    <p:sldLayoutId id="2147483724" r:id="rId11"/>
+    <p:sldLayoutId id="2147483725" r:id="rId12"/>
   </p:sldLayoutIdLst>
   <p:txStyles>
     <p:titleStyle>
-      <a:lvl1pPr algn="ctr" defTabSz="914400" rtl="0" eaLnBrk="1" latinLnBrk="0" hangingPunct="1">
+      <a:lvl1pPr algn="l" rtl="0" eaLnBrk="1" latinLnBrk="0" hangingPunct="1">
         <a:spcBef>
           <a:spcPct val="0"/>
         </a:spcBef>
         <a:buNone/>
-        <a:defRPr sz="4400" kern="1200">
+        <a:defRPr kumimoji="0" sz="4500" b="1" kern="1200">
           <a:solidFill>
-            <a:schemeClr val="tx1"/>
+            <a:schemeClr val="accent1">
+              <a:satMod val="150000"/>
+            </a:schemeClr>
           </a:solidFill>
+          <a:effectLst/>
           <a:latin typeface="+mj-lt"/>
           <a:ea typeface="+mj-ea"/>
           <a:cs typeface="+mj-cs"/>
         </a:defRPr>
       </a:lvl1pPr>
+      <a:extLst/>
     </p:titleStyle>
     <p:bodyStyle>
-      <a:lvl1pPr marL="342900" indent="-342900" algn="l" defTabSz="914400" rtl="0" eaLnBrk="1" latinLnBrk="0" hangingPunct="1">
+      <a:lvl1pPr marL="438912" indent="-320040" algn="l" rtl="0" eaLnBrk="1" latinLnBrk="0" hangingPunct="1">
         <a:spcBef>
-          <a:spcPct val="20000"/>
+          <a:spcPts val="0"/>
         </a:spcBef>
-        <a:buFont typeface="Arial" pitchFamily="34" charset="0"/>
-        <a:buChar char="•"/>
-        <a:defRPr sz="3200" kern="1200">
+        <a:buClr>
+          <a:schemeClr val="accent1"/>
+        </a:buClr>
+        <a:buSzPct val="80000"/>
+        <a:buFont typeface="Wingdings 2"/>
+        <a:buChar char=""/>
+        <a:defRPr kumimoji="0" sz="3200" kern="1200">
           <a:solidFill>
             <a:schemeClr val="tx1"/>
           </a:solidFill>
@@ -2982,13 +3717,17 @@
           <a:cs typeface="+mn-cs"/>
         </a:defRPr>
       </a:lvl1pPr>
-      <a:lvl2pPr marL="742950" indent="-285750" algn="l" defTabSz="914400" rtl="0" eaLnBrk="1" latinLnBrk="0" hangingPunct="1">
+      <a:lvl2pPr marL="731520" indent="-274320" algn="l" rtl="0" eaLnBrk="1" latinLnBrk="0" hangingPunct="1">
         <a:spcBef>
           <a:spcPct val="20000"/>
         </a:spcBef>
-        <a:buFont typeface="Arial" pitchFamily="34" charset="0"/>
-        <a:buChar char="–"/>
-        <a:defRPr sz="2800" kern="1200">
+        <a:buClr>
+          <a:schemeClr val="accent2"/>
+        </a:buClr>
+        <a:buSzPct val="90000"/>
+        <a:buFont typeface="Wingdings"/>
+        <a:buChar char=""/>
+        <a:defRPr kumimoji="0" sz="2800" kern="1200">
           <a:solidFill>
             <a:schemeClr val="tx1"/>
           </a:solidFill>
@@ -2997,13 +3736,16 @@
           <a:cs typeface="+mn-cs"/>
         </a:defRPr>
       </a:lvl2pPr>
-      <a:lvl3pPr marL="1143000" indent="-228600" algn="l" defTabSz="914400" rtl="0" eaLnBrk="1" latinLnBrk="0" hangingPunct="1">
+      <a:lvl3pPr marL="996696" indent="-228600" algn="l" rtl="0" eaLnBrk="1" latinLnBrk="0" hangingPunct="1">
         <a:spcBef>
           <a:spcPct val="20000"/>
         </a:spcBef>
-        <a:buFont typeface="Arial" pitchFamily="34" charset="0"/>
-        <a:buChar char="•"/>
-        <a:defRPr sz="2400" kern="1200">
+        <a:buClr>
+          <a:schemeClr val="accent3"/>
+        </a:buClr>
+        <a:buFont typeface="Arial"/>
+        <a:buChar char="▪"/>
+        <a:defRPr kumimoji="0" sz="2400" kern="1200">
           <a:solidFill>
             <a:schemeClr val="tx1"/>
           </a:solidFill>
@@ -3012,13 +3754,16 @@
           <a:cs typeface="+mn-cs"/>
         </a:defRPr>
       </a:lvl3pPr>
-      <a:lvl4pPr marL="1600200" indent="-228600" algn="l" defTabSz="914400" rtl="0" eaLnBrk="1" latinLnBrk="0" hangingPunct="1">
+      <a:lvl4pPr marL="1216152" indent="-182880" algn="l" rtl="0" eaLnBrk="1" latinLnBrk="0" hangingPunct="1">
         <a:spcBef>
           <a:spcPct val="20000"/>
         </a:spcBef>
-        <a:buFont typeface="Arial" pitchFamily="34" charset="0"/>
-        <a:buChar char="–"/>
-        <a:defRPr sz="2000" kern="1200">
+        <a:buClr>
+          <a:schemeClr val="accent4"/>
+        </a:buClr>
+        <a:buFont typeface="Arial"/>
+        <a:buChar char="▪"/>
+        <a:defRPr kumimoji="0" sz="2000" kern="1200">
           <a:solidFill>
             <a:schemeClr val="tx1"/>
           </a:solidFill>
@@ -3027,13 +3772,16 @@
           <a:cs typeface="+mn-cs"/>
         </a:defRPr>
       </a:lvl4pPr>
-      <a:lvl5pPr marL="2057400" indent="-228600" algn="l" defTabSz="914400" rtl="0" eaLnBrk="1" latinLnBrk="0" hangingPunct="1">
+      <a:lvl5pPr marL="1426464" indent="-182880" algn="l" rtl="0" eaLnBrk="1" latinLnBrk="0" hangingPunct="1">
         <a:spcBef>
           <a:spcPct val="20000"/>
         </a:spcBef>
-        <a:buFont typeface="Arial" pitchFamily="34" charset="0"/>
-        <a:buChar char="»"/>
-        <a:defRPr sz="2000" kern="1200">
+        <a:buClr>
+          <a:schemeClr val="accent5"/>
+        </a:buClr>
+        <a:buFont typeface="Wingdings 3"/>
+        <a:buChar char=""/>
+        <a:defRPr kumimoji="0" lang="en-US" sz="2000" kern="1200" smtClean="0">
           <a:solidFill>
             <a:schemeClr val="tx1"/>
           </a:solidFill>
@@ -3042,13 +3790,17 @@
           <a:cs typeface="+mn-cs"/>
         </a:defRPr>
       </a:lvl5pPr>
-      <a:lvl6pPr marL="2514600" indent="-228600" algn="l" defTabSz="914400" rtl="0" eaLnBrk="1" latinLnBrk="0" hangingPunct="1">
+      <a:lvl6pPr marL="1627632" indent="-182880" algn="l" rtl="0" eaLnBrk="1" latinLnBrk="0" hangingPunct="1">
         <a:spcBef>
           <a:spcPct val="20000"/>
         </a:spcBef>
-        <a:buFont typeface="Arial" pitchFamily="34" charset="0"/>
-        <a:buChar char="•"/>
-        <a:defRPr sz="2000" kern="1200">
+        <a:buClr>
+          <a:schemeClr val="accent6"/>
+        </a:buClr>
+        <a:buSzPct val="100000"/>
+        <a:buFont typeface="Wingdings 2"/>
+        <a:buChar char=""/>
+        <a:defRPr kumimoji="0" sz="2000" kern="1200">
           <a:solidFill>
             <a:schemeClr val="tx1"/>
           </a:solidFill>
@@ -3057,13 +3809,17 @@
           <a:cs typeface="+mn-cs"/>
         </a:defRPr>
       </a:lvl6pPr>
-      <a:lvl7pPr marL="2971800" indent="-228600" algn="l" defTabSz="914400" rtl="0" eaLnBrk="1" latinLnBrk="0" hangingPunct="1">
+      <a:lvl7pPr marL="1828800" indent="-182880" algn="l" rtl="0" eaLnBrk="1" latinLnBrk="0" hangingPunct="1">
         <a:spcBef>
           <a:spcPct val="20000"/>
         </a:spcBef>
-        <a:buFont typeface="Arial" pitchFamily="34" charset="0"/>
-        <a:buChar char="•"/>
-        <a:defRPr sz="2000" kern="1200">
+        <a:buClr>
+          <a:schemeClr val="accent1"/>
+        </a:buClr>
+        <a:buSzPct val="100000"/>
+        <a:buFont typeface="Wingdings 2"/>
+        <a:buChar char=""/>
+        <a:defRPr kumimoji="0" sz="1800" kern="1200">
           <a:solidFill>
             <a:schemeClr val="tx1"/>
           </a:solidFill>
@@ -3072,13 +3828,16 @@
           <a:cs typeface="+mn-cs"/>
         </a:defRPr>
       </a:lvl7pPr>
-      <a:lvl8pPr marL="3429000" indent="-228600" algn="l" defTabSz="914400" rtl="0" eaLnBrk="1" latinLnBrk="0" hangingPunct="1">
+      <a:lvl8pPr marL="2029968" indent="-182880" algn="l" rtl="0" eaLnBrk="1" latinLnBrk="0" hangingPunct="1">
         <a:spcBef>
           <a:spcPct val="20000"/>
         </a:spcBef>
-        <a:buFont typeface="Arial" pitchFamily="34" charset="0"/>
-        <a:buChar char="•"/>
-        <a:defRPr sz="2000" kern="1200">
+        <a:buClr>
+          <a:schemeClr val="accent2"/>
+        </a:buClr>
+        <a:buFont typeface="Wingdings 2" pitchFamily="18" charset="2"/>
+        <a:buChar char=""/>
+        <a:defRPr kumimoji="0" sz="1800" kern="1200">
           <a:solidFill>
             <a:schemeClr val="tx1"/>
           </a:solidFill>
@@ -3087,13 +3846,16 @@
           <a:cs typeface="+mn-cs"/>
         </a:defRPr>
       </a:lvl8pPr>
-      <a:lvl9pPr marL="3886200" indent="-228600" algn="l" defTabSz="914400" rtl="0" eaLnBrk="1" latinLnBrk="0" hangingPunct="1">
+      <a:lvl9pPr marL="2231136" indent="-182880" algn="l" rtl="0" eaLnBrk="1" latinLnBrk="0" hangingPunct="1">
         <a:spcBef>
           <a:spcPct val="20000"/>
         </a:spcBef>
-        <a:buFont typeface="Arial" pitchFamily="34" charset="0"/>
-        <a:buChar char="•"/>
-        <a:defRPr sz="2000" kern="1200">
+        <a:buClr>
+          <a:schemeClr val="accent3"/>
+        </a:buClr>
+        <a:buFont typeface="Wingdings 2" pitchFamily="18" charset="2"/>
+        <a:buChar char=""/>
+        <a:defRPr kumimoji="0" sz="1800" kern="1200" baseline="0">
           <a:solidFill>
             <a:schemeClr val="tx1"/>
           </a:solidFill>
@@ -3102,13 +3864,11 @@
           <a:cs typeface="+mn-cs"/>
         </a:defRPr>
       </a:lvl9pPr>
+      <a:extLst/>
     </p:bodyStyle>
     <p:otherStyle>
-      <a:defPPr>
-        <a:defRPr lang="zh-CN"/>
-      </a:defPPr>
-      <a:lvl1pPr marL="0" algn="l" defTabSz="914400" rtl="0" eaLnBrk="1" latinLnBrk="0" hangingPunct="1">
-        <a:defRPr sz="1800" kern="1200">
+      <a:lvl1pPr marL="0" algn="l" rtl="0" eaLnBrk="1" latinLnBrk="0" hangingPunct="1">
+        <a:defRPr kumimoji="0" kern="1200">
           <a:solidFill>
             <a:schemeClr val="tx1"/>
           </a:solidFill>
@@ -3117,8 +3877,8 @@
           <a:cs typeface="+mn-cs"/>
         </a:defRPr>
       </a:lvl1pPr>
-      <a:lvl2pPr marL="457200" algn="l" defTabSz="914400" rtl="0" eaLnBrk="1" latinLnBrk="0" hangingPunct="1">
-        <a:defRPr sz="1800" kern="1200">
+      <a:lvl2pPr marL="457200" algn="l" rtl="0" eaLnBrk="1" latinLnBrk="0" hangingPunct="1">
+        <a:defRPr kumimoji="0" kern="1200">
           <a:solidFill>
             <a:schemeClr val="tx1"/>
           </a:solidFill>
@@ -3127,8 +3887,8 @@
           <a:cs typeface="+mn-cs"/>
         </a:defRPr>
       </a:lvl2pPr>
-      <a:lvl3pPr marL="914400" algn="l" defTabSz="914400" rtl="0" eaLnBrk="1" latinLnBrk="0" hangingPunct="1">
-        <a:defRPr sz="1800" kern="1200">
+      <a:lvl3pPr marL="914400" algn="l" rtl="0" eaLnBrk="1" latinLnBrk="0" hangingPunct="1">
+        <a:defRPr kumimoji="0" kern="1200">
           <a:solidFill>
             <a:schemeClr val="tx1"/>
           </a:solidFill>
@@ -3137,8 +3897,8 @@
           <a:cs typeface="+mn-cs"/>
         </a:defRPr>
       </a:lvl3pPr>
-      <a:lvl4pPr marL="1371600" algn="l" defTabSz="914400" rtl="0" eaLnBrk="1" latinLnBrk="0" hangingPunct="1">
-        <a:defRPr sz="1800" kern="1200">
+      <a:lvl4pPr marL="1371600" algn="l" rtl="0" eaLnBrk="1" latinLnBrk="0" hangingPunct="1">
+        <a:defRPr kumimoji="0" kern="1200">
           <a:solidFill>
             <a:schemeClr val="tx1"/>
           </a:solidFill>
@@ -3147,8 +3907,8 @@
           <a:cs typeface="+mn-cs"/>
         </a:defRPr>
       </a:lvl4pPr>
-      <a:lvl5pPr marL="1828800" algn="l" defTabSz="914400" rtl="0" eaLnBrk="1" latinLnBrk="0" hangingPunct="1">
-        <a:defRPr sz="1800" kern="1200">
+      <a:lvl5pPr marL="1828800" algn="l" rtl="0" eaLnBrk="1" latinLnBrk="0" hangingPunct="1">
+        <a:defRPr kumimoji="0" kern="1200">
           <a:solidFill>
             <a:schemeClr val="tx1"/>
           </a:solidFill>
@@ -3157,8 +3917,8 @@
           <a:cs typeface="+mn-cs"/>
         </a:defRPr>
       </a:lvl5pPr>
-      <a:lvl6pPr marL="2286000" algn="l" defTabSz="914400" rtl="0" eaLnBrk="1" latinLnBrk="0" hangingPunct="1">
-        <a:defRPr sz="1800" kern="1200">
+      <a:lvl6pPr marL="2286000" algn="l" rtl="0" eaLnBrk="1" latinLnBrk="0" hangingPunct="1">
+        <a:defRPr kumimoji="0" kern="1200">
           <a:solidFill>
             <a:schemeClr val="tx1"/>
           </a:solidFill>
@@ -3167,8 +3927,8 @@
           <a:cs typeface="+mn-cs"/>
         </a:defRPr>
       </a:lvl6pPr>
-      <a:lvl7pPr marL="2743200" algn="l" defTabSz="914400" rtl="0" eaLnBrk="1" latinLnBrk="0" hangingPunct="1">
-        <a:defRPr sz="1800" kern="1200">
+      <a:lvl7pPr marL="2743200" algn="l" rtl="0" eaLnBrk="1" latinLnBrk="0" hangingPunct="1">
+        <a:defRPr kumimoji="0" kern="1200">
           <a:solidFill>
             <a:schemeClr val="tx1"/>
           </a:solidFill>
@@ -3177,8 +3937,8 @@
           <a:cs typeface="+mn-cs"/>
         </a:defRPr>
       </a:lvl7pPr>
-      <a:lvl8pPr marL="3200400" algn="l" defTabSz="914400" rtl="0" eaLnBrk="1" latinLnBrk="0" hangingPunct="1">
-        <a:defRPr sz="1800" kern="1200">
+      <a:lvl8pPr marL="3200400" algn="l" rtl="0" eaLnBrk="1" latinLnBrk="0" hangingPunct="1">
+        <a:defRPr kumimoji="0" kern="1200">
           <a:solidFill>
             <a:schemeClr val="tx1"/>
           </a:solidFill>
@@ -3187,8 +3947,8 @@
           <a:cs typeface="+mn-cs"/>
         </a:defRPr>
       </a:lvl8pPr>
-      <a:lvl9pPr marL="3657600" algn="l" defTabSz="914400" rtl="0" eaLnBrk="1" latinLnBrk="0" hangingPunct="1">
-        <a:defRPr sz="1800" kern="1200">
+      <a:lvl9pPr marL="3657600" algn="l" rtl="0" eaLnBrk="1" latinLnBrk="0" hangingPunct="1">
+        <a:defRPr kumimoji="0" kern="1200">
           <a:solidFill>
             <a:schemeClr val="tx1"/>
           </a:solidFill>
@@ -3197,6 +3957,7 @@
           <a:cs typeface="+mn-cs"/>
         </a:defRPr>
       </a:lvl9pPr>
+      <a:extLst/>
     </p:otherStyle>
   </p:txStyles>
 </p:sldMaster>
@@ -3246,25 +4007,6 @@
               <a:latin typeface="Times New Roman"/>
               <a:ea typeface="宋体"/>
             </a:endParaRPr>
-          </a:p>
-        </p:txBody>
-      </p:sp>
-      <p:sp>
-        <p:nvSpPr>
-          <p:cNvPr id="3" name="文本占位符 2"/>
-          <p:cNvSpPr>
-            <a:spLocks noGrp="1"/>
-          </p:cNvSpPr>
-          <p:nvPr>
-            <p:ph type="body" idx="1"/>
-          </p:nvPr>
-        </p:nvSpPr>
-        <p:spPr/>
-        <p:txBody>
-          <a:bodyPr/>
-          <a:lstStyle/>
-          <a:p>
-            <a:endParaRPr lang="zh-CN" altLang="en-US"/>
           </a:p>
         </p:txBody>
       </p:sp>
@@ -3893,13 +4635,13 @@
           <a:p>
             <a:pPr marR="0" rtl="0"/>
             <a:r>
-              <a:rPr lang="zh-CN" altLang="en-US" b="1" i="0" u="none" strike="noStrike" kern="2200" baseline="0" smtClean="0">
+              <a:rPr lang="zh-CN" altLang="en-US" b="1" i="0" u="none" strike="noStrike" kern="2200" baseline="0" dirty="0" smtClean="0">
                 <a:latin typeface="Calibri"/>
                 <a:ea typeface="宋体"/>
               </a:rPr>
               <a:t>战争起因</a:t>
             </a:r>
-            <a:endParaRPr lang="zh-CN" altLang="en-US" b="1" i="0" u="none" strike="noStrike" kern="2200" baseline="0" smtClean="0">
+            <a:endParaRPr lang="zh-CN" altLang="en-US" b="1" i="0" u="none" strike="noStrike" kern="2200" baseline="0" dirty="0" smtClean="0">
               <a:latin typeface="Times New Roman"/>
               <a:ea typeface="宋体"/>
             </a:endParaRPr>
@@ -3913,7 +4655,7 @@
             <a:spLocks noGrp="1"/>
           </p:cNvSpPr>
           <p:nvPr>
-            <p:ph type="body" idx="1"/>
+            <p:ph idx="1"/>
           </p:nvPr>
         </p:nvSpPr>
         <p:spPr/>
@@ -3923,7 +4665,7 @@
           <a:p>
             <a:pPr marR="0" lvl="0" rtl="0"/>
             <a:r>
-              <a:rPr lang="zh-CN" altLang="en-US" b="1" i="0" u="none" strike="noStrike" kern="100" baseline="0" smtClean="0">
+              <a:rPr lang="zh-CN" altLang="en-US" b="1" i="0" u="none" strike="noStrike" kern="100" baseline="0" dirty="0" smtClean="0">
                 <a:latin typeface="Cambria"/>
                 <a:ea typeface="宋体"/>
               </a:rPr>
@@ -3933,7 +4675,7 @@
           <a:p>
             <a:pPr marR="0" lvl="0" rtl="0"/>
             <a:r>
-              <a:rPr lang="zh-CN" altLang="en-US" b="1" i="0" u="none" strike="noStrike" kern="100" baseline="0" smtClean="0">
+              <a:rPr lang="zh-CN" altLang="en-US" b="1" i="0" u="none" strike="noStrike" kern="100" baseline="0" dirty="0" smtClean="0">
                 <a:latin typeface="Cambria"/>
                 <a:ea typeface="宋体"/>
               </a:rPr>
@@ -3943,13 +4685,13 @@
           <a:p>
             <a:pPr marR="0" lvl="0" rtl="0"/>
             <a:r>
-              <a:rPr lang="zh-CN" altLang="en-US" b="1" i="0" u="none" strike="noStrike" kern="100" baseline="0" smtClean="0">
+              <a:rPr lang="zh-CN" altLang="en-US" b="1" i="0" u="none" strike="noStrike" kern="100" baseline="0" dirty="0" smtClean="0">
                 <a:latin typeface="Cambria"/>
                 <a:ea typeface="宋体"/>
               </a:rPr>
               <a:t>一战祸因 </a:t>
             </a:r>
-            <a:endParaRPr lang="zh-CN" altLang="en-US" b="1" i="0" u="none" strike="noStrike" kern="100" baseline="0" smtClean="0">
+            <a:endParaRPr lang="zh-CN" altLang="en-US" b="1" i="0" u="none" strike="noStrike" kern="100" baseline="0" dirty="0" smtClean="0">
               <a:latin typeface="Times New Roman"/>
               <a:ea typeface="宋体"/>
             </a:endParaRPr>
@@ -4030,12 +4772,14 @@
             <a:spLocks noGrp="1"/>
           </p:cNvSpPr>
           <p:nvPr>
-            <p:ph type="body" idx="1"/>
-          </p:nvPr>
-        </p:nvSpPr>
-        <p:spPr/>
-        <p:txBody>
-          <a:bodyPr/>
+            <p:ph idx="1"/>
+          </p:nvPr>
+        </p:nvSpPr>
+        <p:spPr/>
+        <p:txBody>
+          <a:bodyPr>
+            <a:normAutofit/>
+          </a:bodyPr>
           <a:lstStyle/>
           <a:p>
             <a:pPr marR="0" lvl="0" rtl="0"/>
@@ -4137,7 +4881,7 @@
             <a:spLocks noGrp="1"/>
           </p:cNvSpPr>
           <p:nvPr>
-            <p:ph type="body" idx="1"/>
+            <p:ph idx="1"/>
           </p:nvPr>
         </p:nvSpPr>
         <p:spPr/>
@@ -4270,7 +5014,7 @@
         <p:spPr/>
         <p:txBody>
           <a:bodyPr>
-            <a:normAutofit fontScale="70000" lnSpcReduction="20000"/>
+            <a:normAutofit fontScale="77500" lnSpcReduction="20000"/>
           </a:bodyPr>
           <a:lstStyle/>
           <a:p>
@@ -5053,9 +5797,9 @@
 </file>
 
 <file path=ppt/theme/theme1.xml><?xml version="1.0" encoding="utf-8"?>
-<a:theme xmlns:a="http://schemas.openxmlformats.org/drawingml/2006/main" name="Office 主题">
+<a:theme xmlns:a="http://schemas.openxmlformats.org/drawingml/2006/main" name="模块">
   <a:themeElements>
-    <a:clrScheme name="Office">
+    <a:clrScheme name="模块">
       <a:dk1>
         <a:sysClr val="windowText" lastClr="000000"/>
       </a:dk1>
@@ -5063,82 +5807,48 @@
         <a:sysClr val="window" lastClr="FFFFFF"/>
       </a:lt1>
       <a:dk2>
-        <a:srgbClr val="1F497D"/>
+        <a:srgbClr val="5A6378"/>
       </a:dk2>
       <a:lt2>
-        <a:srgbClr val="EEECE1"/>
+        <a:srgbClr val="D4D4D6"/>
       </a:lt2>
       <a:accent1>
-        <a:srgbClr val="4F81BD"/>
+        <a:srgbClr val="F0AD00"/>
       </a:accent1>
       <a:accent2>
-        <a:srgbClr val="C0504D"/>
+        <a:srgbClr val="60B5CC"/>
       </a:accent2>
       <a:accent3>
-        <a:srgbClr val="9BBB59"/>
+        <a:srgbClr val="E66C7D"/>
       </a:accent3>
       <a:accent4>
-        <a:srgbClr val="8064A2"/>
+        <a:srgbClr val="6BB76D"/>
       </a:accent4>
       <a:accent5>
-        <a:srgbClr val="4BACC6"/>
+        <a:srgbClr val="E88651"/>
       </a:accent5>
       <a:accent6>
-        <a:srgbClr val="F79646"/>
+        <a:srgbClr val="C64847"/>
       </a:accent6>
       <a:hlink>
-        <a:srgbClr val="0000FF"/>
+        <a:srgbClr val="168BBA"/>
       </a:hlink>
       <a:folHlink>
-        <a:srgbClr val="800080"/>
+        <a:srgbClr val="680000"/>
       </a:folHlink>
     </a:clrScheme>
-    <a:fontScheme name="Office">
+    <a:fontScheme name="模块">
       <a:majorFont>
-        <a:latin typeface="Calibri"/>
+        <a:latin typeface="Corbel"/>
         <a:ea typeface=""/>
         <a:cs typeface=""/>
-        <a:font script="Jpan" typeface="ＭＳ Ｐゴシック"/>
-        <a:font script="Hang" typeface="맑은 고딕"/>
-        <a:font script="Hans" typeface="宋体"/>
+        <a:font script="Jpan" typeface="HGｺﾞｼｯｸM"/>
+        <a:font script="Hang" typeface="HY엽서L"/>
+        <a:font script="Hans" typeface="华文楷体"/>
         <a:font script="Hant" typeface="新細明體"/>
-        <a:font script="Arab" typeface="Times New Roman"/>
-        <a:font script="Hebr" typeface="Times New Roman"/>
-        <a:font script="Thai" typeface="Angsana New"/>
-        <a:font script="Ethi" typeface="Nyala"/>
-        <a:font script="Beng" typeface="Vrinda"/>
-        <a:font script="Gujr" typeface="Shruti"/>
-        <a:font script="Khmr" typeface="MoolBoran"/>
-        <a:font script="Knda" typeface="Tunga"/>
-        <a:font script="Guru" typeface="Raavi"/>
-        <a:font script="Cans" typeface="Euphemia"/>
-        <a:font script="Cher" typeface="Plantagenet Cherokee"/>
-        <a:font script="Yiii" typeface="Microsoft Yi Baiti"/>
-        <a:font script="Tibt" typeface="Microsoft Himalaya"/>
-        <a:font script="Thaa" typeface="MV Boli"/>
-        <a:font script="Deva" typeface="Mangal"/>
-        <a:font script="Telu" typeface="Gautami"/>
-        <a:font script="Taml" typeface="Latha"/>
-        <a:font script="Syrc" typeface="Estrangelo Edessa"/>
-        <a:font script="Orya" typeface="Kalinga"/>
-        <a:font script="Mlym" typeface="Kartika"/>
-        <a:font script="Laoo" typeface="DokChampa"/>
-        <a:font script="Sinh" typeface="Iskoola Pota"/>
-        <a:font script="Mong" typeface="Mongolian Baiti"/>
-        <a:font script="Viet" typeface="Times New Roman"/>
-        <a:font script="Uigh" typeface="Microsoft Uighur"/>
-      </a:majorFont>
-      <a:minorFont>
-        <a:latin typeface="Calibri"/>
-        <a:ea typeface=""/>
-        <a:cs typeface=""/>
-        <a:font script="Jpan" typeface="ＭＳ Ｐゴシック"/>
-        <a:font script="Hang" typeface="맑은 고딕"/>
-        <a:font script="Hans" typeface="宋体"/>
-        <a:font script="Hant" typeface="新細明體"/>
-        <a:font script="Arab" typeface="Arial"/>
-        <a:font script="Hebr" typeface="Arial"/>
-        <a:font script="Thai" typeface="Cordia New"/>
+        <a:font script="Arab" typeface="Tahoma"/>
+        <a:font script="Hebr" typeface="Miriam"/>
+        <a:font script="Thai" typeface="DilleniaUPC"/>
         <a:font script="Ethi" typeface="Nyala"/>
         <a:font script="Beng" typeface="Vrinda"/>
         <a:font script="Gujr" typeface="Shruti"/>
@@ -5161,9 +5871,45 @@
         <a:font script="Mong" typeface="Mongolian Baiti"/>
         <a:font script="Viet" typeface="Arial"/>
         <a:font script="Uigh" typeface="Microsoft Uighur"/>
+        <a:font script="Geor" typeface="Sylfaen"/>
+      </a:majorFont>
+      <a:minorFont>
+        <a:latin typeface="Corbel"/>
+        <a:ea typeface=""/>
+        <a:cs typeface=""/>
+        <a:font script="Jpan" typeface="HGｺﾞｼｯｸM"/>
+        <a:font script="Hang" typeface="HY엽서L"/>
+        <a:font script="Hans" typeface="华文楷体"/>
+        <a:font script="Hant" typeface="新細明體"/>
+        <a:font script="Arab" typeface="Tahoma"/>
+        <a:font script="Hebr" typeface="Miriam"/>
+        <a:font script="Thai" typeface="DilleniaUPC"/>
+        <a:font script="Ethi" typeface="Nyala"/>
+        <a:font script="Beng" typeface="Vrinda"/>
+        <a:font script="Gujr" typeface="Shruti"/>
+        <a:font script="Khmr" typeface="DaunPenh"/>
+        <a:font script="Knda" typeface="Tunga"/>
+        <a:font script="Guru" typeface="Raavi"/>
+        <a:font script="Cans" typeface="Euphemia"/>
+        <a:font script="Cher" typeface="Plantagenet Cherokee"/>
+        <a:font script="Yiii" typeface="Microsoft Yi Baiti"/>
+        <a:font script="Tibt" typeface="Microsoft Himalaya"/>
+        <a:font script="Thaa" typeface="MV Boli"/>
+        <a:font script="Deva" typeface="Mangal"/>
+        <a:font script="Telu" typeface="Gautami"/>
+        <a:font script="Taml" typeface="Latha"/>
+        <a:font script="Syrc" typeface="Estrangelo Edessa"/>
+        <a:font script="Orya" typeface="Kalinga"/>
+        <a:font script="Mlym" typeface="Kartika"/>
+        <a:font script="Laoo" typeface="DokChampa"/>
+        <a:font script="Sinh" typeface="Iskoola Pota"/>
+        <a:font script="Mong" typeface="Mongolian Baiti"/>
+        <a:font script="Viet" typeface="Arial"/>
+        <a:font script="Uigh" typeface="Microsoft Uighur"/>
+        <a:font script="Geor" typeface="Sylfaen"/>
       </a:minorFont>
     </a:fontScheme>
-    <a:fmtScheme name="Office">
+    <a:fmtScheme name="模块">
       <a:fillStyleLst>
         <a:solidFill>
           <a:schemeClr val="phClr"/>
@@ -5195,20 +5941,20 @@
           <a:gsLst>
             <a:gs pos="0">
               <a:schemeClr val="phClr">
-                <a:shade val="51000"/>
-                <a:satMod val="130000"/>
+                <a:shade val="47500"/>
+                <a:satMod val="137000"/>
               </a:schemeClr>
             </a:gs>
-            <a:gs pos="80000">
+            <a:gs pos="55000">
               <a:schemeClr val="phClr">
-                <a:shade val="93000"/>
-                <a:satMod val="130000"/>
+                <a:shade val="69000"/>
+                <a:satMod val="137000"/>
               </a:schemeClr>
             </a:gs>
             <a:gs pos="100000">
               <a:schemeClr val="phClr">
-                <a:shade val="94000"/>
-                <a:satMod val="135000"/>
+                <a:shade val="98000"/>
+                <a:satMod val="137000"/>
               </a:schemeClr>
             </a:gs>
           </a:gsLst>
@@ -5216,7 +5962,7 @@
         </a:gradFill>
       </a:fillStyleLst>
       <a:lnStyleLst>
-        <a:ln w="9525" cap="flat" cmpd="sng" algn="ctr">
+        <a:ln w="6350" cap="rnd" cmpd="sng" algn="ctr">
           <a:solidFill>
             <a:schemeClr val="phClr">
               <a:shade val="95000"/>
@@ -5225,13 +5971,13 @@
           </a:solidFill>
           <a:prstDash val="solid"/>
         </a:ln>
-        <a:ln w="25400" cap="flat" cmpd="sng" algn="ctr">
+        <a:ln w="48000" cap="flat" cmpd="thickThin" algn="ctr">
           <a:solidFill>
             <a:schemeClr val="phClr"/>
           </a:solidFill>
           <a:prstDash val="solid"/>
         </a:ln>
-        <a:ln w="38100" cap="flat" cmpd="sng" algn="ctr">
+        <a:ln w="48500" cap="flat" cmpd="thickThin" algn="ctr">
           <a:solidFill>
             <a:schemeClr val="phClr"/>
           </a:solidFill>
@@ -5241,7 +5987,7 @@
       <a:effectStyleLst>
         <a:effectStyle>
           <a:effectLst>
-            <a:outerShdw blurRad="40000" dist="20000" dir="5400000" rotWithShape="0">
+            <a:outerShdw blurRad="45000" dist="25000" dir="5400000" rotWithShape="0">
               <a:srgbClr val="000000">
                 <a:alpha val="38000"/>
               </a:srgbClr>
@@ -5250,31 +5996,31 @@
         </a:effectStyle>
         <a:effectStyle>
           <a:effectLst>
-            <a:outerShdw blurRad="40000" dist="23000" dir="5400000" rotWithShape="0">
+            <a:outerShdw blurRad="39000" dist="25400" dir="5400000" rotWithShape="0">
               <a:srgbClr val="000000">
-                <a:alpha val="35000"/>
+                <a:alpha val="38000"/>
               </a:srgbClr>
             </a:outerShdw>
           </a:effectLst>
         </a:effectStyle>
         <a:effectStyle>
           <a:effectLst>
-            <a:outerShdw blurRad="40000" dist="23000" dir="5400000" rotWithShape="0">
+            <a:outerShdw blurRad="39000" dist="25400" dir="5400000" rotWithShape="0">
               <a:srgbClr val="000000">
-                <a:alpha val="35000"/>
+                <a:alpha val="38000"/>
               </a:srgbClr>
             </a:outerShdw>
           </a:effectLst>
           <a:scene3d>
-            <a:camera prst="orthographicFront">
+            <a:camera prst="orthographicFront" fov="0">
               <a:rot lat="0" lon="0" rev="0"/>
             </a:camera>
             <a:lightRig rig="threePt" dir="t">
-              <a:rot lat="0" lon="0" rev="1200000"/>
+              <a:rot lat="0" lon="0" rev="1800000"/>
             </a:lightRig>
           </a:scene3d>
-          <a:sp3d>
-            <a:bevelT w="63500" h="25400"/>
+          <a:sp3d prstMaterial="matte">
+            <a:bevelT h="20000"/>
           </a:sp3d>
         </a:effectStyle>
       </a:effectStyleLst>
@@ -5286,47 +6032,47 @@
           <a:gsLst>
             <a:gs pos="0">
               <a:schemeClr val="phClr">
-                <a:tint val="40000"/>
-                <a:satMod val="350000"/>
+                <a:tint val="48000"/>
+                <a:satMod val="300000"/>
               </a:schemeClr>
             </a:gs>
-            <a:gs pos="40000">
+            <a:gs pos="12000">
               <a:schemeClr val="phClr">
-                <a:tint val="45000"/>
-                <a:shade val="99000"/>
-                <a:satMod val="350000"/>
+                <a:tint val="48000"/>
+                <a:satMod val="300000"/>
               </a:schemeClr>
             </a:gs>
-            <a:gs pos="100000">
+            <a:gs pos="20000">
               <a:schemeClr val="phClr">
-                <a:shade val="20000"/>
-                <a:satMod val="255000"/>
-              </a:schemeClr>
-            </a:gs>
-          </a:gsLst>
-          <a:path path="circle">
-            <a:fillToRect l="50000" t="-80000" r="50000" b="180000"/>
-          </a:path>
-        </a:gradFill>
-        <a:gradFill rotWithShape="1">
-          <a:gsLst>
-            <a:gs pos="0">
-              <a:schemeClr val="phClr">
-                <a:tint val="80000"/>
+                <a:tint val="49000"/>
                 <a:satMod val="300000"/>
               </a:schemeClr>
             </a:gs>
             <a:gs pos="100000">
               <a:schemeClr val="phClr">
                 <a:shade val="30000"/>
-                <a:satMod val="200000"/>
               </a:schemeClr>
             </a:gs>
           </a:gsLst>
           <a:path path="circle">
-            <a:fillToRect l="50000" t="50000" r="50000" b="50000"/>
+            <a:fillToRect l="10000" t="-25000" r="10000" b="125000"/>
           </a:path>
         </a:gradFill>
+        <a:blipFill>
+          <a:blip xmlns:r="http://schemas.openxmlformats.org/officeDocument/2006/relationships" r:embed="rId1">
+            <a:duotone>
+              <a:schemeClr val="phClr">
+                <a:shade val="75000"/>
+                <a:satMod val="105000"/>
+              </a:schemeClr>
+              <a:schemeClr val="phClr">
+                <a:tint val="95000"/>
+                <a:satMod val="105000"/>
+              </a:schemeClr>
+            </a:duotone>
+          </a:blip>
+          <a:tile tx="0" ty="0" sx="38000" sy="38000" flip="none" algn="tl"/>
+        </a:blipFill>
       </a:bgFillStyleLst>
     </a:fmtScheme>
   </a:themeElements>

--- a/第5章ppt/第二次世界大战.pptx
+++ b/第5章ppt/第二次世界大战.pptx
@@ -2,7 +2,7 @@
 <file path=ppt/presentation.xml><?xml version="1.0" encoding="utf-8"?>
 <p:presentation xmlns:a="http://schemas.openxmlformats.org/drawingml/2006/main" xmlns:r="http://schemas.openxmlformats.org/officeDocument/2006/relationships" xmlns:p="http://schemas.openxmlformats.org/presentationml/2006/main" saveSubsetFonts="1">
   <p:sldMasterIdLst>
-    <p:sldMasterId id="2147483713" r:id="rId1"/>
+    <p:sldMasterId id="2147483726" r:id="rId1"/>
   </p:sldMasterIdLst>
   <p:sldIdLst>
     <p:sldId id="256" r:id="rId2"/>
@@ -121,13 +121,8 @@
 </file>
 
 <file path=ppt/slideLayouts/slideLayout1.xml><?xml version="1.0" encoding="utf-8"?>
-<p:sldLayout xmlns:a="http://schemas.openxmlformats.org/drawingml/2006/main" xmlns:r="http://schemas.openxmlformats.org/officeDocument/2006/relationships" xmlns:p="http://schemas.openxmlformats.org/presentationml/2006/main" showMasterSp="0" type="title" preserve="1">
+<p:sldLayout xmlns:a="http://schemas.openxmlformats.org/drawingml/2006/main" xmlns:r="http://schemas.openxmlformats.org/officeDocument/2006/relationships" xmlns:p="http://schemas.openxmlformats.org/presentationml/2006/main" type="title" preserve="1">
   <p:cSld name="标题幻灯片">
-    <p:bg>
-      <p:bgRef idx="1002">
-        <a:schemeClr val="bg2"/>
-      </p:bgRef>
-    </p:bg>
     <p:spTree>
       <p:nvGrpSpPr>
         <p:cNvPr id="1" name=""/>
@@ -144,53 +139,6 @@
       </p:grpSpPr>
       <p:sp>
         <p:nvSpPr>
-          <p:cNvPr id="9" name="矩形 8"/>
-          <p:cNvSpPr/>
-          <p:nvPr/>
-        </p:nvSpPr>
-        <p:spPr bwMode="ltGray">
-          <a:xfrm>
-            <a:off x="0" y="0"/>
-            <a:ext cx="9143999" cy="5135430"/>
-          </a:xfrm>
-          <a:prstGeom prst="rect">
-            <a:avLst/>
-          </a:prstGeom>
-          <a:solidFill>
-            <a:srgbClr val="000000"/>
-          </a:solidFill>
-          <a:ln w="48000" cap="flat" cmpd="thickThin" algn="ctr">
-            <a:noFill/>
-            <a:prstDash val="solid"/>
-          </a:ln>
-        </p:spPr>
-        <p:style>
-          <a:lnRef idx="2">
-            <a:schemeClr val="accent1"/>
-          </a:lnRef>
-          <a:fillRef idx="1">
-            <a:schemeClr val="accent1"/>
-          </a:fillRef>
-          <a:effectRef idx="0">
-            <a:schemeClr val="accent1"/>
-          </a:effectRef>
-          <a:fontRef idx="minor">
-            <a:schemeClr val="lt1"/>
-          </a:fontRef>
-        </p:style>
-        <p:txBody>
-          <a:bodyPr rtlCol="0" anchor="ctr"/>
-          <a:lstStyle>
-            <a:extLst/>
-          </a:lstStyle>
-          <a:p>
-            <a:pPr algn="ctr" eaLnBrk="1" latinLnBrk="0" hangingPunct="1"/>
-            <a:endParaRPr kumimoji="0" lang="en-US"/>
-          </a:p>
-        </p:txBody>
-      </p:sp>
-      <p:sp>
-        <p:nvSpPr>
           <p:cNvPr id="2" name="标题 1"/>
           <p:cNvSpPr>
             <a:spLocks noGrp="1"/>
@@ -201,35 +149,19 @@
         </p:nvSpPr>
         <p:spPr>
           <a:xfrm>
-            <a:off x="685800" y="3355848"/>
-            <a:ext cx="8077200" cy="1673352"/>
+            <a:off x="685800" y="2130425"/>
+            <a:ext cx="7772400" cy="1470025"/>
           </a:xfrm>
         </p:spPr>
         <p:txBody>
-          <a:bodyPr vert="horz" lIns="91440" tIns="0" rIns="45720" bIns="0" rtlCol="0" anchor="t">
-            <a:normAutofit/>
-            <a:scene3d>
-              <a:camera prst="orthographicFront"/>
-              <a:lightRig rig="threePt" dir="t">
-                <a:rot lat="0" lon="0" rev="4800000"/>
-              </a:lightRig>
-            </a:scene3d>
-            <a:sp3d prstMaterial="matte">
-              <a:bevelT w="50800" h="10160"/>
-            </a:sp3d>
-          </a:bodyPr>
-          <a:lstStyle>
-            <a:lvl1pPr algn="l">
-              <a:defRPr sz="4700" b="1"/>
-            </a:lvl1pPr>
-            <a:extLst/>
-          </a:lstStyle>
-          <a:p>
-            <a:r>
-              <a:rPr kumimoji="0" lang="zh-CN" altLang="en-US" smtClean="0"/>
+          <a:bodyPr/>
+          <a:lstStyle/>
+          <a:p>
+            <a:r>
+              <a:rPr lang="zh-CN" altLang="en-US" smtClean="0"/>
               <a:t>单击此处编辑母版标题样式</a:t>
             </a:r>
-            <a:endParaRPr kumimoji="0" lang="en-US"/>
+            <a:endParaRPr lang="zh-CN" altLang="en-US"/>
           </a:p>
         </p:txBody>
       </p:sp>
@@ -245,18 +177,20 @@
         </p:nvSpPr>
         <p:spPr>
           <a:xfrm>
-            <a:off x="685800" y="1828800"/>
-            <a:ext cx="8077200" cy="1499616"/>
+            <a:off x="1371600" y="3886200"/>
+            <a:ext cx="6400800" cy="1752600"/>
           </a:xfrm>
         </p:spPr>
         <p:txBody>
-          <a:bodyPr lIns="118872" tIns="0" rIns="45720" bIns="0" anchor="b"/>
+          <a:bodyPr/>
           <a:lstStyle>
-            <a:lvl1pPr marL="0" indent="0" algn="l">
-              <a:buNone/>
-              <a:defRPr sz="2000">
+            <a:lvl1pPr marL="0" indent="0" algn="ctr">
+              <a:buNone/>
+              <a:defRPr>
                 <a:solidFill>
-                  <a:srgbClr val="FFFFFF"/>
+                  <a:schemeClr val="tx1">
+                    <a:tint val="75000"/>
+                  </a:schemeClr>
                 </a:solidFill>
               </a:defRPr>
             </a:lvl1pPr>
@@ -340,14 +274,13 @@
                 </a:solidFill>
               </a:defRPr>
             </a:lvl9pPr>
-            <a:extLst/>
           </a:lstStyle>
           <a:p>
             <a:r>
-              <a:rPr kumimoji="0" lang="zh-CN" altLang="en-US" smtClean="0"/>
+              <a:rPr lang="zh-CN" altLang="en-US" smtClean="0"/>
               <a:t>单击此处编辑母版副标题样式</a:t>
             </a:r>
-            <a:endParaRPr kumimoji="0" lang="en-US"/>
+            <a:endParaRPr lang="zh-CN" altLang="en-US"/>
           </a:p>
         </p:txBody>
       </p:sp>
@@ -368,7 +301,7 @@
           <a:p>
             <a:fld id="{530820CF-B880-4189-942D-D702A7CBA730}" type="datetimeFigureOut">
               <a:rPr lang="zh-CN" altLang="en-US" smtClean="0"/>
-              <a:t>2020/6/12</a:t>
+              <a:t>2020/6/15</a:t>
             </a:fld>
             <a:endParaRPr lang="zh-CN" altLang="en-US"/>
           </a:p>
@@ -416,64 +349,15 @@
           </a:p>
         </p:txBody>
       </p:sp>
-      <p:sp>
-        <p:nvSpPr>
-          <p:cNvPr id="10" name="矩形 9"/>
-          <p:cNvSpPr/>
-          <p:nvPr/>
-        </p:nvSpPr>
-        <p:spPr bwMode="invGray">
-          <a:xfrm>
-            <a:off x="0" y="5128334"/>
-            <a:ext cx="9144000" cy="45720"/>
-          </a:xfrm>
-          <a:prstGeom prst="rect">
-            <a:avLst/>
-          </a:prstGeom>
-          <a:solidFill>
-            <a:srgbClr val="FFFFFF"/>
-          </a:solidFill>
-          <a:ln w="48000" cap="flat" cmpd="thickThin" algn="ctr">
-            <a:noFill/>
-            <a:prstDash val="solid"/>
-          </a:ln>
-          <a:effectLst>
-            <a:outerShdw blurRad="31750" dist="10160" dir="5400000" algn="tl" rotWithShape="0">
-              <a:srgbClr val="000000">
-                <a:alpha val="60000"/>
-              </a:srgbClr>
-            </a:outerShdw>
-          </a:effectLst>
-        </p:spPr>
-        <p:style>
-          <a:lnRef idx="2">
-            <a:schemeClr val="accent1"/>
-          </a:lnRef>
-          <a:fillRef idx="1">
-            <a:schemeClr val="accent1"/>
-          </a:fillRef>
-          <a:effectRef idx="0">
-            <a:schemeClr val="accent1"/>
-          </a:effectRef>
-          <a:fontRef idx="minor">
-            <a:schemeClr val="lt1"/>
-          </a:fontRef>
-        </p:style>
-        <p:txBody>
-          <a:bodyPr rtlCol="0" anchor="ctr"/>
-          <a:lstStyle>
-            <a:extLst/>
-          </a:lstStyle>
-          <a:p>
-            <a:pPr algn="ctr" eaLnBrk="1" latinLnBrk="0" hangingPunct="1"/>
-            <a:endParaRPr kumimoji="0" lang="en-US"/>
-          </a:p>
-        </p:txBody>
-      </p:sp>
     </p:spTree>
+    <p:extLst>
+      <p:ext uri="{BB962C8B-B14F-4D97-AF65-F5344CB8AC3E}">
+        <p14:creationId xmlns:p14="http://schemas.microsoft.com/office/powerpoint/2010/main" val="940342865"/>
+      </p:ext>
+    </p:extLst>
   </p:cSld>
   <p:clrMapOvr>
-    <a:overrideClrMapping bg1="dk1" tx1="lt1" bg2="dk2" tx2="lt2" accent1="accent1" accent2="accent2" accent3="accent3" accent4="accent4" accent5="accent5" accent6="accent6" hlink="hlink" folHlink="folHlink"/>
+    <a:masterClrMapping/>
   </p:clrMapOvr>
 </p:sldLayout>
 </file>
@@ -508,15 +392,13 @@
         <p:spPr/>
         <p:txBody>
           <a:bodyPr/>
-          <a:lstStyle>
-            <a:extLst/>
-          </a:lstStyle>
-          <a:p>
-            <a:r>
-              <a:rPr kumimoji="0" lang="zh-CN" altLang="en-US" smtClean="0"/>
+          <a:lstStyle/>
+          <a:p>
+            <a:r>
+              <a:rPr lang="zh-CN" altLang="en-US" smtClean="0"/>
               <a:t>单击此处编辑母版标题样式</a:t>
             </a:r>
-            <a:endParaRPr kumimoji="0" lang="en-US"/>
+            <a:endParaRPr lang="zh-CN" altLang="en-US"/>
           </a:p>
         </p:txBody>
       </p:sp>
@@ -533,44 +415,42 @@
         <p:spPr/>
         <p:txBody>
           <a:bodyPr vert="eaVert"/>
-          <a:lstStyle>
-            <a:extLst/>
-          </a:lstStyle>
-          <a:p>
-            <a:pPr lvl="0" eaLnBrk="1" latinLnBrk="0" hangingPunct="1"/>
+          <a:lstStyle/>
+          <a:p>
+            <a:pPr lvl="0"/>
             <a:r>
               <a:rPr lang="zh-CN" altLang="en-US" smtClean="0"/>
               <a:t>单击此处编辑母版文本样式</a:t>
             </a:r>
           </a:p>
           <a:p>
-            <a:pPr lvl="1" eaLnBrk="1" latinLnBrk="0" hangingPunct="1"/>
+            <a:pPr lvl="1"/>
             <a:r>
               <a:rPr lang="zh-CN" altLang="en-US" smtClean="0"/>
               <a:t>第二级</a:t>
             </a:r>
           </a:p>
           <a:p>
-            <a:pPr lvl="2" eaLnBrk="1" latinLnBrk="0" hangingPunct="1"/>
+            <a:pPr lvl="2"/>
             <a:r>
               <a:rPr lang="zh-CN" altLang="en-US" smtClean="0"/>
               <a:t>第三级</a:t>
             </a:r>
           </a:p>
           <a:p>
-            <a:pPr lvl="3" eaLnBrk="1" latinLnBrk="0" hangingPunct="1"/>
+            <a:pPr lvl="3"/>
             <a:r>
               <a:rPr lang="zh-CN" altLang="en-US" smtClean="0"/>
               <a:t>第四级</a:t>
             </a:r>
           </a:p>
           <a:p>
-            <a:pPr lvl="4" eaLnBrk="1" latinLnBrk="0" hangingPunct="1"/>
+            <a:pPr lvl="4"/>
             <a:r>
               <a:rPr lang="zh-CN" altLang="en-US" smtClean="0"/>
               <a:t>第五级</a:t>
             </a:r>
-            <a:endParaRPr kumimoji="0" lang="en-US"/>
+            <a:endParaRPr lang="zh-CN" altLang="en-US"/>
           </a:p>
         </p:txBody>
       </p:sp>
@@ -591,7 +471,7 @@
           <a:p>
             <a:fld id="{530820CF-B880-4189-942D-D702A7CBA730}" type="datetimeFigureOut">
               <a:rPr lang="zh-CN" altLang="en-US" smtClean="0"/>
-              <a:t>2020/6/12</a:t>
+              <a:t>2020/6/15</a:t>
             </a:fld>
             <a:endParaRPr lang="zh-CN" altLang="en-US"/>
           </a:p>
@@ -640,6 +520,11 @@
         </p:txBody>
       </p:sp>
     </p:spTree>
+    <p:extLst>
+      <p:ext uri="{BB962C8B-B14F-4D97-AF65-F5344CB8AC3E}">
+        <p14:creationId xmlns:p14="http://schemas.microsoft.com/office/powerpoint/2010/main" val="63209548"/>
+      </p:ext>
+    </p:extLst>
   </p:cSld>
   <p:clrMapOvr>
     <a:masterClrMapping/>
@@ -648,7 +533,7 @@
 </file>
 
 <file path=ppt/slideLayouts/slideLayout11.xml><?xml version="1.0" encoding="utf-8"?>
-<p:sldLayout xmlns:a="http://schemas.openxmlformats.org/drawingml/2006/main" xmlns:r="http://schemas.openxmlformats.org/officeDocument/2006/relationships" xmlns:p="http://schemas.openxmlformats.org/presentationml/2006/main" showMasterSp="0" type="vertTitleAndTx" preserve="1">
+<p:sldLayout xmlns:a="http://schemas.openxmlformats.org/drawingml/2006/main" xmlns:r="http://schemas.openxmlformats.org/officeDocument/2006/relationships" xmlns:p="http://schemas.openxmlformats.org/presentationml/2006/main" type="vertTitleAndTx" preserve="1">
   <p:cSld name="垂直排列标题与文本">
     <p:spTree>
       <p:nvGrpSpPr>
@@ -666,107 +551,6 @@
       </p:grpSpPr>
       <p:sp>
         <p:nvSpPr>
-          <p:cNvPr id="9" name="矩形 8"/>
-          <p:cNvSpPr/>
-          <p:nvPr/>
-        </p:nvSpPr>
-        <p:spPr bwMode="invGray">
-          <a:xfrm>
-            <a:off x="6598920" y="0"/>
-            <a:ext cx="45720" cy="6858000"/>
-          </a:xfrm>
-          <a:prstGeom prst="rect">
-            <a:avLst/>
-          </a:prstGeom>
-          <a:solidFill>
-            <a:srgbClr val="FFFFFF"/>
-          </a:solidFill>
-          <a:ln w="48000" cap="flat" cmpd="thickThin" algn="ctr">
-            <a:noFill/>
-            <a:prstDash val="solid"/>
-          </a:ln>
-          <a:effectLst>
-            <a:outerShdw blurRad="31750" dist="10160" dir="10800000" algn="tl" rotWithShape="0">
-              <a:srgbClr val="000000">
-                <a:alpha val="60000"/>
-              </a:srgbClr>
-            </a:outerShdw>
-          </a:effectLst>
-        </p:spPr>
-        <p:style>
-          <a:lnRef idx="2">
-            <a:schemeClr val="accent1"/>
-          </a:lnRef>
-          <a:fillRef idx="1">
-            <a:schemeClr val="accent1"/>
-          </a:fillRef>
-          <a:effectRef idx="0">
-            <a:schemeClr val="accent1"/>
-          </a:effectRef>
-          <a:fontRef idx="minor">
-            <a:schemeClr val="lt1"/>
-          </a:fontRef>
-        </p:style>
-        <p:txBody>
-          <a:bodyPr rtlCol="0" anchor="ctr"/>
-          <a:lstStyle>
-            <a:extLst/>
-          </a:lstStyle>
-          <a:p>
-            <a:pPr algn="ctr" eaLnBrk="1" latinLnBrk="0" hangingPunct="1"/>
-            <a:endParaRPr kumimoji="0" lang="en-US"/>
-          </a:p>
-        </p:txBody>
-      </p:sp>
-      <p:sp>
-        <p:nvSpPr>
-          <p:cNvPr id="8" name="矩形 7"/>
-          <p:cNvSpPr/>
-          <p:nvPr/>
-        </p:nvSpPr>
-        <p:spPr bwMode="ltGray">
-          <a:xfrm>
-            <a:off x="6647687" y="0"/>
-            <a:ext cx="2514601" cy="6858000"/>
-          </a:xfrm>
-          <a:prstGeom prst="rect">
-            <a:avLst/>
-          </a:prstGeom>
-          <a:solidFill>
-            <a:srgbClr val="000000"/>
-          </a:solidFill>
-          <a:ln w="48000" cap="flat" cmpd="thickThin" algn="ctr">
-            <a:noFill/>
-            <a:prstDash val="solid"/>
-          </a:ln>
-        </p:spPr>
-        <p:style>
-          <a:lnRef idx="2">
-            <a:schemeClr val="accent1"/>
-          </a:lnRef>
-          <a:fillRef idx="1">
-            <a:schemeClr val="accent1"/>
-          </a:fillRef>
-          <a:effectRef idx="0">
-            <a:schemeClr val="accent1"/>
-          </a:effectRef>
-          <a:fontRef idx="minor">
-            <a:schemeClr val="lt1"/>
-          </a:fontRef>
-        </p:style>
-        <p:txBody>
-          <a:bodyPr rtlCol="0" anchor="ctr"/>
-          <a:lstStyle>
-            <a:extLst/>
-          </a:lstStyle>
-          <a:p>
-            <a:pPr algn="ctr" eaLnBrk="1" latinLnBrk="0" hangingPunct="1"/>
-            <a:endParaRPr kumimoji="0" lang="en-US"/>
-          </a:p>
-        </p:txBody>
-      </p:sp>
-      <p:sp>
-        <p:nvSpPr>
           <p:cNvPr id="2" name="竖排标题 1"/>
           <p:cNvSpPr>
             <a:spLocks noGrp="1"/>
@@ -777,21 +561,19 @@
         </p:nvSpPr>
         <p:spPr>
           <a:xfrm>
-            <a:off x="6781800" y="274640"/>
-            <a:ext cx="1905000" cy="5851525"/>
+            <a:off x="6629400" y="274638"/>
+            <a:ext cx="2057400" cy="5851525"/>
           </a:xfrm>
         </p:spPr>
         <p:txBody>
           <a:bodyPr vert="eaVert"/>
-          <a:lstStyle>
-            <a:extLst/>
-          </a:lstStyle>
-          <a:p>
-            <a:r>
-              <a:rPr kumimoji="0" lang="zh-CN" altLang="en-US" smtClean="0"/>
+          <a:lstStyle/>
+          <a:p>
+            <a:r>
+              <a:rPr lang="zh-CN" altLang="en-US" smtClean="0"/>
               <a:t>单击此处编辑母版标题样式</a:t>
             </a:r>
-            <a:endParaRPr kumimoji="0" lang="en-US"/>
+            <a:endParaRPr lang="zh-CN" altLang="en-US"/>
           </a:p>
         </p:txBody>
       </p:sp>
@@ -807,50 +589,48 @@
         </p:nvSpPr>
         <p:spPr>
           <a:xfrm>
-            <a:off x="457200" y="304800"/>
+            <a:off x="457200" y="274638"/>
             <a:ext cx="6019800" cy="5851525"/>
           </a:xfrm>
         </p:spPr>
         <p:txBody>
           <a:bodyPr vert="eaVert"/>
-          <a:lstStyle>
-            <a:extLst/>
-          </a:lstStyle>
-          <a:p>
-            <a:pPr lvl="0" eaLnBrk="1" latinLnBrk="0" hangingPunct="1"/>
+          <a:lstStyle/>
+          <a:p>
+            <a:pPr lvl="0"/>
             <a:r>
               <a:rPr lang="zh-CN" altLang="en-US" smtClean="0"/>
               <a:t>单击此处编辑母版文本样式</a:t>
             </a:r>
           </a:p>
           <a:p>
-            <a:pPr lvl="1" eaLnBrk="1" latinLnBrk="0" hangingPunct="1"/>
+            <a:pPr lvl="1"/>
             <a:r>
               <a:rPr lang="zh-CN" altLang="en-US" smtClean="0"/>
               <a:t>第二级</a:t>
             </a:r>
           </a:p>
           <a:p>
-            <a:pPr lvl="2" eaLnBrk="1" latinLnBrk="0" hangingPunct="1"/>
+            <a:pPr lvl="2"/>
             <a:r>
               <a:rPr lang="zh-CN" altLang="en-US" smtClean="0"/>
               <a:t>第三级</a:t>
             </a:r>
           </a:p>
           <a:p>
-            <a:pPr lvl="3" eaLnBrk="1" latinLnBrk="0" hangingPunct="1"/>
+            <a:pPr lvl="3"/>
             <a:r>
               <a:rPr lang="zh-CN" altLang="en-US" smtClean="0"/>
               <a:t>第四级</a:t>
             </a:r>
           </a:p>
           <a:p>
-            <a:pPr lvl="4" eaLnBrk="1" latinLnBrk="0" hangingPunct="1"/>
+            <a:pPr lvl="4"/>
             <a:r>
               <a:rPr lang="zh-CN" altLang="en-US" smtClean="0"/>
               <a:t>第五级</a:t>
             </a:r>
-            <a:endParaRPr kumimoji="0" lang="en-US"/>
+            <a:endParaRPr lang="zh-CN" altLang="en-US"/>
           </a:p>
         </p:txBody>
       </p:sp>
@@ -871,7 +651,7 @@
           <a:p>
             <a:fld id="{530820CF-B880-4189-942D-D702A7CBA730}" type="datetimeFigureOut">
               <a:rPr lang="zh-CN" altLang="en-US" smtClean="0"/>
-              <a:t>2020/6/12</a:t>
+              <a:t>2020/6/15</a:t>
             </a:fld>
             <a:endParaRPr lang="zh-CN" altLang="en-US"/>
           </a:p>
@@ -887,12 +667,7 @@
             <p:ph type="ftr" sz="quarter" idx="11"/>
           </p:nvPr>
         </p:nvSpPr>
-        <p:spPr>
-          <a:xfrm>
-            <a:off x="2640597" y="6377459"/>
-            <a:ext cx="3836404" cy="365125"/>
-          </a:xfrm>
-        </p:spPr>
+        <p:spPr/>
         <p:txBody>
           <a:bodyPr/>
           <a:lstStyle/>
@@ -925,6 +700,11 @@
         </p:txBody>
       </p:sp>
     </p:spTree>
+    <p:extLst>
+      <p:ext uri="{BB962C8B-B14F-4D97-AF65-F5344CB8AC3E}">
+        <p14:creationId xmlns:p14="http://schemas.microsoft.com/office/powerpoint/2010/main" val="2478817440"/>
+      </p:ext>
+    </p:extLst>
   </p:cSld>
   <p:clrMapOvr>
     <a:masterClrMapping/>
@@ -1041,7 +821,7 @@
           <a:p>
             <a:fld id="{28395B2A-5471-48FA-B10E-61588A931C04}" type="datetimeFigureOut">
               <a:rPr lang="zh-CN" altLang="en-US" smtClean="0"/>
-              <a:t>2020/6/12</a:t>
+              <a:t>2020/6/15</a:t>
             </a:fld>
             <a:endParaRPr lang="zh-CN" altLang="en-US"/>
           </a:p>
@@ -1129,23 +909,16 @@
             <p:ph type="title"/>
           </p:nvPr>
         </p:nvSpPr>
-        <p:spPr>
-          <a:xfrm>
-            <a:off x="457200" y="155448"/>
-            <a:ext cx="8229600" cy="1252728"/>
-          </a:xfrm>
-        </p:spPr>
-        <p:txBody>
-          <a:bodyPr/>
-          <a:lstStyle>
-            <a:extLst/>
-          </a:lstStyle>
-          <a:p>
-            <a:r>
-              <a:rPr kumimoji="0" lang="zh-CN" altLang="en-US" smtClean="0"/>
+        <p:spPr/>
+        <p:txBody>
+          <a:bodyPr/>
+          <a:lstStyle/>
+          <a:p>
+            <a:r>
+              <a:rPr lang="zh-CN" altLang="en-US" smtClean="0"/>
               <a:t>单击此处编辑母版标题样式</a:t>
             </a:r>
-            <a:endParaRPr kumimoji="0" lang="en-US"/>
+            <a:endParaRPr lang="zh-CN" altLang="en-US"/>
           </a:p>
         </p:txBody>
       </p:sp>
@@ -1162,44 +935,42 @@
         <p:spPr/>
         <p:txBody>
           <a:bodyPr/>
-          <a:lstStyle>
-            <a:extLst/>
-          </a:lstStyle>
-          <a:p>
-            <a:pPr lvl="0" eaLnBrk="1" latinLnBrk="0" hangingPunct="1"/>
+          <a:lstStyle/>
+          <a:p>
+            <a:pPr lvl="0"/>
             <a:r>
               <a:rPr lang="zh-CN" altLang="en-US" smtClean="0"/>
               <a:t>单击此处编辑母版文本样式</a:t>
             </a:r>
           </a:p>
           <a:p>
-            <a:pPr lvl="1" eaLnBrk="1" latinLnBrk="0" hangingPunct="1"/>
+            <a:pPr lvl="1"/>
             <a:r>
               <a:rPr lang="zh-CN" altLang="en-US" smtClean="0"/>
               <a:t>第二级</a:t>
             </a:r>
           </a:p>
           <a:p>
-            <a:pPr lvl="2" eaLnBrk="1" latinLnBrk="0" hangingPunct="1"/>
+            <a:pPr lvl="2"/>
             <a:r>
               <a:rPr lang="zh-CN" altLang="en-US" smtClean="0"/>
               <a:t>第三级</a:t>
             </a:r>
           </a:p>
           <a:p>
-            <a:pPr lvl="3" eaLnBrk="1" latinLnBrk="0" hangingPunct="1"/>
+            <a:pPr lvl="3"/>
             <a:r>
               <a:rPr lang="zh-CN" altLang="en-US" smtClean="0"/>
               <a:t>第四级</a:t>
             </a:r>
           </a:p>
           <a:p>
-            <a:pPr lvl="4" eaLnBrk="1" latinLnBrk="0" hangingPunct="1"/>
+            <a:pPr lvl="4"/>
             <a:r>
               <a:rPr lang="zh-CN" altLang="en-US" smtClean="0"/>
               <a:t>第五级</a:t>
             </a:r>
-            <a:endParaRPr kumimoji="0" lang="en-US"/>
+            <a:endParaRPr lang="zh-CN" altLang="en-US"/>
           </a:p>
         </p:txBody>
       </p:sp>
@@ -1220,7 +991,7 @@
           <a:p>
             <a:fld id="{530820CF-B880-4189-942D-D702A7CBA730}" type="datetimeFigureOut">
               <a:rPr lang="zh-CN" altLang="en-US" smtClean="0"/>
-              <a:t>2020/6/12</a:t>
+              <a:t>2020/6/15</a:t>
             </a:fld>
             <a:endParaRPr lang="zh-CN" altLang="en-US"/>
           </a:p>
@@ -1269,6 +1040,11 @@
         </p:txBody>
       </p:sp>
     </p:spTree>
+    <p:extLst>
+      <p:ext uri="{BB962C8B-B14F-4D97-AF65-F5344CB8AC3E}">
+        <p14:creationId xmlns:p14="http://schemas.microsoft.com/office/powerpoint/2010/main" val="563126343"/>
+      </p:ext>
+    </p:extLst>
   </p:cSld>
   <p:clrMapOvr>
     <a:masterClrMapping/>
@@ -1277,13 +1053,8 @@
 </file>
 
 <file path=ppt/slideLayouts/slideLayout3.xml><?xml version="1.0" encoding="utf-8"?>
-<p:sldLayout xmlns:a="http://schemas.openxmlformats.org/drawingml/2006/main" xmlns:r="http://schemas.openxmlformats.org/officeDocument/2006/relationships" xmlns:p="http://schemas.openxmlformats.org/presentationml/2006/main" showMasterSp="0" type="secHead" preserve="1">
+<p:sldLayout xmlns:a="http://schemas.openxmlformats.org/drawingml/2006/main" xmlns:r="http://schemas.openxmlformats.org/officeDocument/2006/relationships" xmlns:p="http://schemas.openxmlformats.org/presentationml/2006/main" type="secHead" preserve="1">
   <p:cSld name="节标题">
-    <p:bg>
-      <p:bgRef idx="1002">
-        <a:schemeClr val="bg2"/>
-      </p:bgRef>
-    </p:bg>
     <p:spTree>
       <p:nvGrpSpPr>
         <p:cNvPr id="1" name=""/>
@@ -1300,107 +1071,6 @@
       </p:grpSpPr>
       <p:sp>
         <p:nvSpPr>
-          <p:cNvPr id="9" name="矩形 8"/>
-          <p:cNvSpPr/>
-          <p:nvPr/>
-        </p:nvSpPr>
-        <p:spPr bwMode="ltGray">
-          <a:xfrm>
-            <a:off x="0" y="1"/>
-            <a:ext cx="9144000" cy="2602520"/>
-          </a:xfrm>
-          <a:prstGeom prst="rect">
-            <a:avLst/>
-          </a:prstGeom>
-          <a:solidFill>
-            <a:srgbClr val="000000"/>
-          </a:solidFill>
-          <a:ln w="48000" cap="flat" cmpd="thickThin" algn="ctr">
-            <a:noFill/>
-            <a:prstDash val="solid"/>
-          </a:ln>
-        </p:spPr>
-        <p:style>
-          <a:lnRef idx="2">
-            <a:schemeClr val="accent1"/>
-          </a:lnRef>
-          <a:fillRef idx="1">
-            <a:schemeClr val="accent1"/>
-          </a:fillRef>
-          <a:effectRef idx="0">
-            <a:schemeClr val="accent1"/>
-          </a:effectRef>
-          <a:fontRef idx="minor">
-            <a:schemeClr val="lt1"/>
-          </a:fontRef>
-        </p:style>
-        <p:txBody>
-          <a:bodyPr rtlCol="0" anchor="ctr"/>
-          <a:lstStyle>
-            <a:extLst/>
-          </a:lstStyle>
-          <a:p>
-            <a:pPr algn="ctr" eaLnBrk="1" latinLnBrk="0" hangingPunct="1"/>
-            <a:endParaRPr kumimoji="0" lang="en-US"/>
-          </a:p>
-        </p:txBody>
-      </p:sp>
-      <p:sp>
-        <p:nvSpPr>
-          <p:cNvPr id="12" name="矩形 11"/>
-          <p:cNvSpPr/>
-          <p:nvPr/>
-        </p:nvSpPr>
-        <p:spPr bwMode="invGray">
-          <a:xfrm>
-            <a:off x="0" y="2602520"/>
-            <a:ext cx="9144000" cy="45720"/>
-          </a:xfrm>
-          <a:prstGeom prst="rect">
-            <a:avLst/>
-          </a:prstGeom>
-          <a:solidFill>
-            <a:srgbClr val="FFFFFF"/>
-          </a:solidFill>
-          <a:ln w="48000" cap="flat" cmpd="thickThin" algn="ctr">
-            <a:noFill/>
-            <a:prstDash val="solid"/>
-          </a:ln>
-          <a:effectLst>
-            <a:outerShdw blurRad="31750" dist="10160" dir="5400000" algn="tl" rotWithShape="0">
-              <a:srgbClr val="000000">
-                <a:alpha val="60000"/>
-              </a:srgbClr>
-            </a:outerShdw>
-          </a:effectLst>
-        </p:spPr>
-        <p:style>
-          <a:lnRef idx="2">
-            <a:schemeClr val="accent1"/>
-          </a:lnRef>
-          <a:fillRef idx="1">
-            <a:schemeClr val="accent1"/>
-          </a:fillRef>
-          <a:effectRef idx="0">
-            <a:schemeClr val="accent1"/>
-          </a:effectRef>
-          <a:fontRef idx="minor">
-            <a:schemeClr val="lt1"/>
-          </a:fontRef>
-        </p:style>
-        <p:txBody>
-          <a:bodyPr rtlCol="0" anchor="ctr"/>
-          <a:lstStyle>
-            <a:extLst/>
-          </a:lstStyle>
-          <a:p>
-            <a:pPr algn="ctr" eaLnBrk="1" latinLnBrk="0" hangingPunct="1"/>
-            <a:endParaRPr kumimoji="0" lang="en-US"/>
-          </a:p>
-        </p:txBody>
-      </p:sp>
-      <p:sp>
-        <p:nvSpPr>
           <p:cNvPr id="2" name="标题 1"/>
           <p:cNvSpPr>
             <a:spLocks noGrp="1"/>
@@ -1411,35 +1081,23 @@
         </p:nvSpPr>
         <p:spPr>
           <a:xfrm>
-            <a:off x="749808" y="118872"/>
-            <a:ext cx="8013192" cy="1636776"/>
+            <a:off x="722313" y="4406900"/>
+            <a:ext cx="7772400" cy="1362075"/>
           </a:xfrm>
         </p:spPr>
         <p:txBody>
-          <a:bodyPr vert="horz" lIns="91440" tIns="0" rIns="91440" bIns="0" rtlCol="0" anchor="b">
-            <a:normAutofit/>
-            <a:scene3d>
-              <a:camera prst="orthographicFront"/>
-              <a:lightRig rig="threePt" dir="t">
-                <a:rot lat="0" lon="0" rev="4800000"/>
-              </a:lightRig>
-            </a:scene3d>
-            <a:sp3d prstMaterial="matte">
-              <a:bevelT w="50800" h="10160"/>
-            </a:sp3d>
-          </a:bodyPr>
+          <a:bodyPr anchor="t"/>
           <a:lstStyle>
             <a:lvl1pPr algn="l">
-              <a:defRPr sz="4700" b="1" cap="none" baseline="0"/>
+              <a:defRPr sz="4000" b="1" cap="all"/>
             </a:lvl1pPr>
-            <a:extLst/>
           </a:lstStyle>
           <a:p>
             <a:r>
-              <a:rPr kumimoji="0" lang="zh-CN" altLang="en-US" smtClean="0"/>
+              <a:rPr lang="zh-CN" altLang="en-US" smtClean="0"/>
               <a:t>单击此处编辑母版标题样式</a:t>
             </a:r>
-            <a:endParaRPr kumimoji="0" lang="en-US"/>
+            <a:endParaRPr lang="zh-CN" altLang="en-US"/>
           </a:p>
         </p:txBody>
       </p:sp>
@@ -1455,18 +1113,20 @@
         </p:nvSpPr>
         <p:spPr>
           <a:xfrm>
-            <a:off x="740664" y="1828800"/>
-            <a:ext cx="8022336" cy="685800"/>
+            <a:off x="722313" y="2906713"/>
+            <a:ext cx="7772400" cy="1500187"/>
           </a:xfrm>
         </p:spPr>
         <p:txBody>
-          <a:bodyPr lIns="146304" tIns="0" rIns="45720" bIns="0" anchor="t"/>
+          <a:bodyPr anchor="b"/>
           <a:lstStyle>
             <a:lvl1pPr marL="0" indent="0">
               <a:buNone/>
               <a:defRPr sz="2000">
                 <a:solidFill>
-                  <a:srgbClr val="FFFFFF"/>
+                  <a:schemeClr val="tx1">
+                    <a:tint val="75000"/>
+                  </a:schemeClr>
                 </a:solidFill>
               </a:defRPr>
             </a:lvl1pPr>
@@ -1550,12 +1210,11 @@
                 </a:solidFill>
               </a:defRPr>
             </a:lvl9pPr>
-            <a:extLst/>
           </a:lstStyle>
           <a:p>
-            <a:pPr lvl="0" eaLnBrk="1" latinLnBrk="0" hangingPunct="1"/>
-            <a:r>
-              <a:rPr kumimoji="0" lang="zh-CN" altLang="en-US" smtClean="0"/>
+            <a:pPr lvl="0"/>
+            <a:r>
+              <a:rPr lang="zh-CN" altLang="en-US" smtClean="0"/>
               <a:t>单击此处编辑母版文本样式</a:t>
             </a:r>
           </a:p>
@@ -1578,7 +1237,7 @@
           <a:p>
             <a:fld id="{530820CF-B880-4189-942D-D702A7CBA730}" type="datetimeFigureOut">
               <a:rPr lang="zh-CN" altLang="en-US" smtClean="0"/>
-              <a:t>2020/6/12</a:t>
+              <a:t>2020/6/15</a:t>
             </a:fld>
             <a:endParaRPr lang="zh-CN" altLang="en-US"/>
           </a:p>
@@ -1627,9 +1286,14 @@
         </p:txBody>
       </p:sp>
     </p:spTree>
+    <p:extLst>
+      <p:ext uri="{BB962C8B-B14F-4D97-AF65-F5344CB8AC3E}">
+        <p14:creationId xmlns:p14="http://schemas.microsoft.com/office/powerpoint/2010/main" val="2743348936"/>
+      </p:ext>
+    </p:extLst>
   </p:cSld>
   <p:clrMapOvr>
-    <a:overrideClrMapping bg1="dk1" tx1="lt1" bg2="dk2" tx2="lt2" accent1="accent1" accent2="accent2" accent3="accent3" accent4="accent4" accent5="accent5" accent6="accent6" hlink="hlink" folHlink="folHlink"/>
+    <a:masterClrMapping/>
   </p:clrMapOvr>
 </p:sldLayout>
 </file>
@@ -1664,15 +1328,13 @@
         <p:spPr/>
         <p:txBody>
           <a:bodyPr/>
-          <a:lstStyle>
-            <a:extLst/>
-          </a:lstStyle>
-          <a:p>
-            <a:r>
-              <a:rPr kumimoji="0" lang="zh-CN" altLang="en-US" smtClean="0"/>
+          <a:lstStyle/>
+          <a:p>
+            <a:r>
+              <a:rPr lang="zh-CN" altLang="en-US" smtClean="0"/>
               <a:t>单击此处编辑母版标题样式</a:t>
             </a:r>
-            <a:endParaRPr kumimoji="0" lang="en-US"/>
+            <a:endParaRPr lang="zh-CN" altLang="en-US"/>
           </a:p>
         </p:txBody>
       </p:sp>
@@ -1688,12 +1350,12 @@
         </p:nvSpPr>
         <p:spPr>
           <a:xfrm>
-            <a:off x="457200" y="1773936"/>
-            <a:ext cx="4038600" cy="4623816"/>
+            <a:off x="457200" y="1600200"/>
+            <a:ext cx="4038600" cy="4525963"/>
           </a:xfrm>
         </p:spPr>
         <p:txBody>
-          <a:bodyPr lIns="91440"/>
+          <a:bodyPr/>
           <a:lstStyle>
             <a:lvl1pPr>
               <a:defRPr sz="2800"/>
@@ -1722,43 +1384,42 @@
             <a:lvl9pPr>
               <a:defRPr sz="1800"/>
             </a:lvl9pPr>
-            <a:extLst/>
           </a:lstStyle>
           <a:p>
-            <a:pPr lvl="0" eaLnBrk="1" latinLnBrk="0" hangingPunct="1"/>
+            <a:pPr lvl="0"/>
             <a:r>
               <a:rPr lang="zh-CN" altLang="en-US" smtClean="0"/>
               <a:t>单击此处编辑母版文本样式</a:t>
             </a:r>
           </a:p>
           <a:p>
-            <a:pPr lvl="1" eaLnBrk="1" latinLnBrk="0" hangingPunct="1"/>
+            <a:pPr lvl="1"/>
             <a:r>
               <a:rPr lang="zh-CN" altLang="en-US" smtClean="0"/>
               <a:t>第二级</a:t>
             </a:r>
           </a:p>
           <a:p>
-            <a:pPr lvl="2" eaLnBrk="1" latinLnBrk="0" hangingPunct="1"/>
+            <a:pPr lvl="2"/>
             <a:r>
               <a:rPr lang="zh-CN" altLang="en-US" smtClean="0"/>
               <a:t>第三级</a:t>
             </a:r>
           </a:p>
           <a:p>
-            <a:pPr lvl="3" eaLnBrk="1" latinLnBrk="0" hangingPunct="1"/>
+            <a:pPr lvl="3"/>
             <a:r>
               <a:rPr lang="zh-CN" altLang="en-US" smtClean="0"/>
               <a:t>第四级</a:t>
             </a:r>
           </a:p>
           <a:p>
-            <a:pPr lvl="4" eaLnBrk="1" latinLnBrk="0" hangingPunct="1"/>
+            <a:pPr lvl="4"/>
             <a:r>
               <a:rPr lang="zh-CN" altLang="en-US" smtClean="0"/>
               <a:t>第五级</a:t>
             </a:r>
-            <a:endParaRPr kumimoji="0" lang="en-US"/>
+            <a:endParaRPr lang="zh-CN" altLang="en-US"/>
           </a:p>
         </p:txBody>
       </p:sp>
@@ -1774,8 +1435,8 @@
         </p:nvSpPr>
         <p:spPr>
           <a:xfrm>
-            <a:off x="4648200" y="1773936"/>
-            <a:ext cx="4038600" cy="4623816"/>
+            <a:off x="4648200" y="1600200"/>
+            <a:ext cx="4038600" cy="4525963"/>
           </a:xfrm>
         </p:spPr>
         <p:txBody>
@@ -1808,43 +1469,42 @@
             <a:lvl9pPr>
               <a:defRPr sz="1800"/>
             </a:lvl9pPr>
-            <a:extLst/>
           </a:lstStyle>
           <a:p>
-            <a:pPr lvl="0" eaLnBrk="1" latinLnBrk="0" hangingPunct="1"/>
+            <a:pPr lvl="0"/>
             <a:r>
               <a:rPr lang="zh-CN" altLang="en-US" smtClean="0"/>
               <a:t>单击此处编辑母版文本样式</a:t>
             </a:r>
           </a:p>
           <a:p>
-            <a:pPr lvl="1" eaLnBrk="1" latinLnBrk="0" hangingPunct="1"/>
+            <a:pPr lvl="1"/>
             <a:r>
               <a:rPr lang="zh-CN" altLang="en-US" smtClean="0"/>
               <a:t>第二级</a:t>
             </a:r>
           </a:p>
           <a:p>
-            <a:pPr lvl="2" eaLnBrk="1" latinLnBrk="0" hangingPunct="1"/>
+            <a:pPr lvl="2"/>
             <a:r>
               <a:rPr lang="zh-CN" altLang="en-US" smtClean="0"/>
               <a:t>第三级</a:t>
             </a:r>
           </a:p>
           <a:p>
-            <a:pPr lvl="3" eaLnBrk="1" latinLnBrk="0" hangingPunct="1"/>
+            <a:pPr lvl="3"/>
             <a:r>
               <a:rPr lang="zh-CN" altLang="en-US" smtClean="0"/>
               <a:t>第四级</a:t>
             </a:r>
           </a:p>
           <a:p>
-            <a:pPr lvl="4" eaLnBrk="1" latinLnBrk="0" hangingPunct="1"/>
+            <a:pPr lvl="4"/>
             <a:r>
               <a:rPr lang="zh-CN" altLang="en-US" smtClean="0"/>
               <a:t>第五级</a:t>
             </a:r>
-            <a:endParaRPr kumimoji="0" lang="en-US"/>
+            <a:endParaRPr lang="zh-CN" altLang="en-US"/>
           </a:p>
         </p:txBody>
       </p:sp>
@@ -1865,7 +1525,7 @@
           <a:p>
             <a:fld id="{530820CF-B880-4189-942D-D702A7CBA730}" type="datetimeFigureOut">
               <a:rPr lang="zh-CN" altLang="en-US" smtClean="0"/>
-              <a:t>2020/6/12</a:t>
+              <a:t>2020/6/15</a:t>
             </a:fld>
             <a:endParaRPr lang="zh-CN" altLang="en-US"/>
           </a:p>
@@ -1914,6 +1574,11 @@
         </p:txBody>
       </p:sp>
     </p:spTree>
+    <p:extLst>
+      <p:ext uri="{BB962C8B-B14F-4D97-AF65-F5344CB8AC3E}">
+        <p14:creationId xmlns:p14="http://schemas.microsoft.com/office/powerpoint/2010/main" val="3866966284"/>
+      </p:ext>
+    </p:extLst>
   </p:cSld>
   <p:clrMapOvr>
     <a:masterClrMapping/>
@@ -1955,14 +1620,13 @@
             <a:lvl1pPr>
               <a:defRPr/>
             </a:lvl1pPr>
-            <a:extLst/>
           </a:lstStyle>
           <a:p>
             <a:r>
-              <a:rPr kumimoji="0" lang="zh-CN" altLang="en-US" smtClean="0"/>
+              <a:rPr lang="zh-CN" altLang="en-US" smtClean="0"/>
               <a:t>单击此处编辑母版标题样式</a:t>
             </a:r>
-            <a:endParaRPr kumimoji="0" lang="en-US"/>
+            <a:endParaRPr lang="zh-CN" altLang="en-US"/>
           </a:p>
         </p:txBody>
       </p:sp>
@@ -1978,16 +1642,16 @@
         </p:nvSpPr>
         <p:spPr>
           <a:xfrm>
-            <a:off x="457200" y="1698987"/>
-            <a:ext cx="4040188" cy="715355"/>
+            <a:off x="457200" y="1535113"/>
+            <a:ext cx="4040188" cy="639762"/>
           </a:xfrm>
         </p:spPr>
         <p:txBody>
-          <a:bodyPr lIns="146304" anchor="ctr"/>
+          <a:bodyPr anchor="b"/>
           <a:lstStyle>
             <a:lvl1pPr marL="0" indent="0">
               <a:buNone/>
-              <a:defRPr sz="2300" b="1" cap="all" baseline="0"/>
+              <a:defRPr sz="2400" b="1"/>
             </a:lvl1pPr>
             <a:lvl2pPr marL="457200" indent="0">
               <a:buNone/>
@@ -2021,12 +1685,11 @@
               <a:buNone/>
               <a:defRPr sz="1600" b="1"/>
             </a:lvl9pPr>
-            <a:extLst/>
           </a:lstStyle>
           <a:p>
-            <a:pPr lvl="0" eaLnBrk="1" latinLnBrk="0" hangingPunct="1"/>
-            <a:r>
-              <a:rPr kumimoji="0" lang="zh-CN" altLang="en-US" smtClean="0"/>
+            <a:pPr lvl="0"/>
+            <a:r>
+              <a:rPr lang="zh-CN" altLang="en-US" smtClean="0"/>
               <a:t>单击此处编辑母版文本样式</a:t>
             </a:r>
           </a:p>
@@ -2044,7 +1707,7 @@
         </p:nvSpPr>
         <p:spPr>
           <a:xfrm>
-            <a:off x="457200" y="2449512"/>
+            <a:off x="457200" y="2174875"/>
             <a:ext cx="4040188" cy="3951288"/>
           </a:xfrm>
         </p:spPr>
@@ -2078,43 +1741,42 @@
             <a:lvl9pPr>
               <a:defRPr sz="1600"/>
             </a:lvl9pPr>
-            <a:extLst/>
           </a:lstStyle>
           <a:p>
-            <a:pPr lvl="0" eaLnBrk="1" latinLnBrk="0" hangingPunct="1"/>
+            <a:pPr lvl="0"/>
             <a:r>
               <a:rPr lang="zh-CN" altLang="en-US" smtClean="0"/>
               <a:t>单击此处编辑母版文本样式</a:t>
             </a:r>
           </a:p>
           <a:p>
-            <a:pPr lvl="1" eaLnBrk="1" latinLnBrk="0" hangingPunct="1"/>
+            <a:pPr lvl="1"/>
             <a:r>
               <a:rPr lang="zh-CN" altLang="en-US" smtClean="0"/>
               <a:t>第二级</a:t>
             </a:r>
           </a:p>
           <a:p>
-            <a:pPr lvl="2" eaLnBrk="1" latinLnBrk="0" hangingPunct="1"/>
+            <a:pPr lvl="2"/>
             <a:r>
               <a:rPr lang="zh-CN" altLang="en-US" smtClean="0"/>
               <a:t>第三级</a:t>
             </a:r>
           </a:p>
           <a:p>
-            <a:pPr lvl="3" eaLnBrk="1" latinLnBrk="0" hangingPunct="1"/>
+            <a:pPr lvl="3"/>
             <a:r>
               <a:rPr lang="zh-CN" altLang="en-US" smtClean="0"/>
               <a:t>第四级</a:t>
             </a:r>
           </a:p>
           <a:p>
-            <a:pPr lvl="4" eaLnBrk="1" latinLnBrk="0" hangingPunct="1"/>
+            <a:pPr lvl="4"/>
             <a:r>
               <a:rPr lang="zh-CN" altLang="en-US" smtClean="0"/>
               <a:t>第五级</a:t>
             </a:r>
-            <a:endParaRPr kumimoji="0" lang="en-US"/>
+            <a:endParaRPr lang="zh-CN" altLang="en-US"/>
           </a:p>
         </p:txBody>
       </p:sp>
@@ -2130,16 +1792,16 @@
         </p:nvSpPr>
         <p:spPr>
           <a:xfrm>
-            <a:off x="4645025" y="1698987"/>
-            <a:ext cx="4041775" cy="715355"/>
+            <a:off x="4645025" y="1535113"/>
+            <a:ext cx="4041775" cy="639762"/>
           </a:xfrm>
         </p:spPr>
         <p:txBody>
-          <a:bodyPr lIns="146304" anchor="ctr"/>
+          <a:bodyPr anchor="b"/>
           <a:lstStyle>
             <a:lvl1pPr marL="0" indent="0">
               <a:buNone/>
-              <a:defRPr sz="2300" b="1" cap="all" baseline="0"/>
+              <a:defRPr sz="2400" b="1"/>
             </a:lvl1pPr>
             <a:lvl2pPr marL="457200" indent="0">
               <a:buNone/>
@@ -2173,12 +1835,11 @@
               <a:buNone/>
               <a:defRPr sz="1600" b="1"/>
             </a:lvl9pPr>
-            <a:extLst/>
           </a:lstStyle>
           <a:p>
-            <a:pPr lvl="0" eaLnBrk="1" latinLnBrk="0" hangingPunct="1"/>
-            <a:r>
-              <a:rPr kumimoji="0" lang="zh-CN" altLang="en-US" smtClean="0"/>
+            <a:pPr lvl="0"/>
+            <a:r>
+              <a:rPr lang="zh-CN" altLang="en-US" smtClean="0"/>
               <a:t>单击此处编辑母版文本样式</a:t>
             </a:r>
           </a:p>
@@ -2196,7 +1857,7 @@
         </p:nvSpPr>
         <p:spPr>
           <a:xfrm>
-            <a:off x="4645025" y="2449512"/>
+            <a:off x="4645025" y="2174875"/>
             <a:ext cx="4041775" cy="3951288"/>
           </a:xfrm>
         </p:spPr>
@@ -2230,43 +1891,42 @@
             <a:lvl9pPr>
               <a:defRPr sz="1600"/>
             </a:lvl9pPr>
-            <a:extLst/>
           </a:lstStyle>
           <a:p>
-            <a:pPr lvl="0" eaLnBrk="1" latinLnBrk="0" hangingPunct="1"/>
+            <a:pPr lvl="0"/>
             <a:r>
               <a:rPr lang="zh-CN" altLang="en-US" smtClean="0"/>
               <a:t>单击此处编辑母版文本样式</a:t>
             </a:r>
           </a:p>
           <a:p>
-            <a:pPr lvl="1" eaLnBrk="1" latinLnBrk="0" hangingPunct="1"/>
+            <a:pPr lvl="1"/>
             <a:r>
               <a:rPr lang="zh-CN" altLang="en-US" smtClean="0"/>
               <a:t>第二级</a:t>
             </a:r>
           </a:p>
           <a:p>
-            <a:pPr lvl="2" eaLnBrk="1" latinLnBrk="0" hangingPunct="1"/>
+            <a:pPr lvl="2"/>
             <a:r>
               <a:rPr lang="zh-CN" altLang="en-US" smtClean="0"/>
               <a:t>第三级</a:t>
             </a:r>
           </a:p>
           <a:p>
-            <a:pPr lvl="3" eaLnBrk="1" latinLnBrk="0" hangingPunct="1"/>
+            <a:pPr lvl="3"/>
             <a:r>
               <a:rPr lang="zh-CN" altLang="en-US" smtClean="0"/>
               <a:t>第四级</a:t>
             </a:r>
           </a:p>
           <a:p>
-            <a:pPr lvl="4" eaLnBrk="1" latinLnBrk="0" hangingPunct="1"/>
+            <a:pPr lvl="4"/>
             <a:r>
               <a:rPr lang="zh-CN" altLang="en-US" smtClean="0"/>
               <a:t>第五级</a:t>
             </a:r>
-            <a:endParaRPr kumimoji="0" lang="en-US"/>
+            <a:endParaRPr lang="zh-CN" altLang="en-US"/>
           </a:p>
         </p:txBody>
       </p:sp>
@@ -2287,7 +1947,7 @@
           <a:p>
             <a:fld id="{530820CF-B880-4189-942D-D702A7CBA730}" type="datetimeFigureOut">
               <a:rPr lang="zh-CN" altLang="en-US" smtClean="0"/>
-              <a:t>2020/6/12</a:t>
+              <a:t>2020/6/15</a:t>
             </a:fld>
             <a:endParaRPr lang="zh-CN" altLang="en-US"/>
           </a:p>
@@ -2336,6 +1996,11 @@
         </p:txBody>
       </p:sp>
     </p:spTree>
+    <p:extLst>
+      <p:ext uri="{BB962C8B-B14F-4D97-AF65-F5344CB8AC3E}">
+        <p14:creationId xmlns:p14="http://schemas.microsoft.com/office/powerpoint/2010/main" val="3238512501"/>
+      </p:ext>
+    </p:extLst>
   </p:cSld>
   <p:clrMapOvr>
     <a:masterClrMapping/>
@@ -2373,15 +2038,13 @@
         <p:spPr/>
         <p:txBody>
           <a:bodyPr/>
-          <a:lstStyle>
-            <a:extLst/>
-          </a:lstStyle>
-          <a:p>
-            <a:r>
-              <a:rPr kumimoji="0" lang="zh-CN" altLang="en-US" smtClean="0"/>
+          <a:lstStyle/>
+          <a:p>
+            <a:r>
+              <a:rPr lang="zh-CN" altLang="en-US" smtClean="0"/>
               <a:t>单击此处编辑母版标题样式</a:t>
             </a:r>
-            <a:endParaRPr kumimoji="0" lang="en-US"/>
+            <a:endParaRPr lang="zh-CN" altLang="en-US"/>
           </a:p>
         </p:txBody>
       </p:sp>
@@ -2402,7 +2065,7 @@
           <a:p>
             <a:fld id="{530820CF-B880-4189-942D-D702A7CBA730}" type="datetimeFigureOut">
               <a:rPr lang="zh-CN" altLang="en-US" smtClean="0"/>
-              <a:t>2020/6/12</a:t>
+              <a:t>2020/6/15</a:t>
             </a:fld>
             <a:endParaRPr lang="zh-CN" altLang="en-US"/>
           </a:p>
@@ -2451,6 +2114,11 @@
         </p:txBody>
       </p:sp>
     </p:spTree>
+    <p:extLst>
+      <p:ext uri="{BB962C8B-B14F-4D97-AF65-F5344CB8AC3E}">
+        <p14:creationId xmlns:p14="http://schemas.microsoft.com/office/powerpoint/2010/main" val="423281769"/>
+      </p:ext>
+    </p:extLst>
   </p:cSld>
   <p:clrMapOvr>
     <a:masterClrMapping/>
@@ -2459,7 +2127,7 @@
 </file>
 
 <file path=ppt/slideLayouts/slideLayout7.xml><?xml version="1.0" encoding="utf-8"?>
-<p:sldLayout xmlns:a="http://schemas.openxmlformats.org/drawingml/2006/main" xmlns:r="http://schemas.openxmlformats.org/officeDocument/2006/relationships" xmlns:p="http://schemas.openxmlformats.org/presentationml/2006/main" showMasterSp="0" type="blank" preserve="1">
+<p:sldLayout xmlns:a="http://schemas.openxmlformats.org/drawingml/2006/main" xmlns:r="http://schemas.openxmlformats.org/officeDocument/2006/relationships" xmlns:p="http://schemas.openxmlformats.org/presentationml/2006/main" type="blank" preserve="1">
   <p:cSld name="空白">
     <p:spTree>
       <p:nvGrpSpPr>
@@ -2492,7 +2160,7 @@
           <a:p>
             <a:fld id="{530820CF-B880-4189-942D-D702A7CBA730}" type="datetimeFigureOut">
               <a:rPr lang="zh-CN" altLang="en-US" smtClean="0"/>
-              <a:t>2020/6/12</a:t>
+              <a:t>2020/6/15</a:t>
             </a:fld>
             <a:endParaRPr lang="zh-CN" altLang="en-US"/>
           </a:p>
@@ -2541,6 +2209,11 @@
         </p:txBody>
       </p:sp>
     </p:spTree>
+    <p:extLst>
+      <p:ext uri="{BB962C8B-B14F-4D97-AF65-F5344CB8AC3E}">
+        <p14:creationId xmlns:p14="http://schemas.microsoft.com/office/powerpoint/2010/main" val="3988644810"/>
+      </p:ext>
+    </p:extLst>
   </p:cSld>
   <p:clrMapOvr>
     <a:masterClrMapping/>
@@ -2577,27 +2250,23 @@
         </p:nvSpPr>
         <p:spPr>
           <a:xfrm>
-            <a:off x="167838" y="152400"/>
-            <a:ext cx="2523744" cy="978408"/>
+            <a:off x="457200" y="273050"/>
+            <a:ext cx="3008313" cy="1162050"/>
           </a:xfrm>
         </p:spPr>
         <p:txBody>
-          <a:bodyPr vert="horz" lIns="73152" rIns="45720" bIns="0" rtlCol="0" anchor="b">
-            <a:normAutofit/>
-            <a:sp3d prstMaterial="matte"/>
-          </a:bodyPr>
+          <a:bodyPr anchor="b"/>
           <a:lstStyle>
             <a:lvl1pPr algn="l">
-              <a:defRPr sz="2000" b="0"/>
+              <a:defRPr sz="2000" b="1"/>
             </a:lvl1pPr>
-            <a:extLst/>
           </a:lstStyle>
           <a:p>
             <a:r>
-              <a:rPr kumimoji="0" lang="zh-CN" altLang="en-US" smtClean="0"/>
+              <a:rPr lang="zh-CN" altLang="en-US" smtClean="0"/>
               <a:t>单击此处编辑母版标题样式</a:t>
             </a:r>
-            <a:endParaRPr kumimoji="0" lang="en-US"/>
+            <a:endParaRPr lang="zh-CN" altLang="en-US"/>
           </a:p>
         </p:txBody>
       </p:sp>
@@ -2613,8 +2282,8 @@
         </p:nvSpPr>
         <p:spPr>
           <a:xfrm>
-            <a:off x="3019377" y="1743133"/>
-            <a:ext cx="5920641" cy="4558885"/>
+            <a:off x="3575050" y="273050"/>
+            <a:ext cx="5111750" cy="5853113"/>
           </a:xfrm>
         </p:spPr>
         <p:txBody>
@@ -2647,43 +2316,42 @@
             <a:lvl9pPr>
               <a:defRPr sz="2000"/>
             </a:lvl9pPr>
-            <a:extLst/>
           </a:lstStyle>
           <a:p>
-            <a:pPr lvl="0" eaLnBrk="1" latinLnBrk="0" hangingPunct="1"/>
+            <a:pPr lvl="0"/>
             <a:r>
               <a:rPr lang="zh-CN" altLang="en-US" smtClean="0"/>
               <a:t>单击此处编辑母版文本样式</a:t>
             </a:r>
           </a:p>
           <a:p>
-            <a:pPr lvl="1" eaLnBrk="1" latinLnBrk="0" hangingPunct="1"/>
+            <a:pPr lvl="1"/>
             <a:r>
               <a:rPr lang="zh-CN" altLang="en-US" smtClean="0"/>
               <a:t>第二级</a:t>
             </a:r>
           </a:p>
           <a:p>
-            <a:pPr lvl="2" eaLnBrk="1" latinLnBrk="0" hangingPunct="1"/>
+            <a:pPr lvl="2"/>
             <a:r>
               <a:rPr lang="zh-CN" altLang="en-US" smtClean="0"/>
               <a:t>第三级</a:t>
             </a:r>
           </a:p>
           <a:p>
-            <a:pPr lvl="3" eaLnBrk="1" latinLnBrk="0" hangingPunct="1"/>
+            <a:pPr lvl="3"/>
             <a:r>
               <a:rPr lang="zh-CN" altLang="en-US" smtClean="0"/>
               <a:t>第四级</a:t>
             </a:r>
           </a:p>
           <a:p>
-            <a:pPr lvl="4" eaLnBrk="1" latinLnBrk="0" hangingPunct="1"/>
+            <a:pPr lvl="4"/>
             <a:r>
               <a:rPr lang="zh-CN" altLang="en-US" smtClean="0"/>
               <a:t>第五级</a:t>
             </a:r>
-            <a:endParaRPr kumimoji="0" lang="en-US"/>
+            <a:endParaRPr lang="zh-CN" altLang="en-US"/>
           </a:p>
         </p:txBody>
       </p:sp>
@@ -2699,8 +2367,8 @@
         </p:nvSpPr>
         <p:spPr>
           <a:xfrm>
-            <a:off x="167838" y="1730018"/>
-            <a:ext cx="2468880" cy="4572000"/>
+            <a:off x="457200" y="1435100"/>
+            <a:ext cx="3008313" cy="4691063"/>
           </a:xfrm>
         </p:spPr>
         <p:txBody>
@@ -2742,12 +2410,11 @@
               <a:buNone/>
               <a:defRPr sz="900"/>
             </a:lvl9pPr>
-            <a:extLst/>
           </a:lstStyle>
           <a:p>
-            <a:pPr lvl="0" eaLnBrk="1" latinLnBrk="0" hangingPunct="1"/>
-            <a:r>
-              <a:rPr kumimoji="0" lang="zh-CN" altLang="en-US" smtClean="0"/>
+            <a:pPr lvl="0"/>
+            <a:r>
+              <a:rPr lang="zh-CN" altLang="en-US" smtClean="0"/>
               <a:t>单击此处编辑母版文本样式</a:t>
             </a:r>
           </a:p>
@@ -2770,7 +2437,7 @@
           <a:p>
             <a:fld id="{530820CF-B880-4189-942D-D702A7CBA730}" type="datetimeFigureOut">
               <a:rPr lang="zh-CN" altLang="en-US" smtClean="0"/>
-              <a:t>2020/6/12</a:t>
+              <a:t>2020/6/15</a:t>
             </a:fld>
             <a:endParaRPr lang="zh-CN" altLang="en-US"/>
           </a:p>
@@ -2818,101 +2485,12 @@
           </a:p>
         </p:txBody>
       </p:sp>
-      <p:sp>
-        <p:nvSpPr>
-          <p:cNvPr id="12" name="矩形 11"/>
-          <p:cNvSpPr/>
-          <p:nvPr/>
-        </p:nvSpPr>
-        <p:spPr bwMode="invGray">
-          <a:xfrm>
-            <a:off x="2855737" y="0"/>
-            <a:ext cx="45720" cy="1453896"/>
-          </a:xfrm>
-          <a:prstGeom prst="rect">
-            <a:avLst/>
-          </a:prstGeom>
-          <a:solidFill>
-            <a:srgbClr val="FFFFFF"/>
-          </a:solidFill>
-          <a:ln w="48000" cap="flat" cmpd="thickThin" algn="ctr">
-            <a:noFill/>
-            <a:prstDash val="solid"/>
-          </a:ln>
-        </p:spPr>
-        <p:style>
-          <a:lnRef idx="2">
-            <a:schemeClr val="accent1"/>
-          </a:lnRef>
-          <a:fillRef idx="1">
-            <a:schemeClr val="accent1"/>
-          </a:fillRef>
-          <a:effectRef idx="0">
-            <a:schemeClr val="accent1"/>
-          </a:effectRef>
-          <a:fontRef idx="minor">
-            <a:schemeClr val="lt1"/>
-          </a:fontRef>
-        </p:style>
-        <p:txBody>
-          <a:bodyPr rtlCol="0" anchor="ctr"/>
-          <a:lstStyle>
-            <a:extLst/>
-          </a:lstStyle>
-          <a:p>
-            <a:pPr algn="ctr" eaLnBrk="1" latinLnBrk="0" hangingPunct="1"/>
-            <a:endParaRPr kumimoji="0" lang="en-US"/>
-          </a:p>
-        </p:txBody>
-      </p:sp>
-      <p:sp>
-        <p:nvSpPr>
-          <p:cNvPr id="9" name="矩形 8"/>
-          <p:cNvSpPr/>
-          <p:nvPr/>
-        </p:nvSpPr>
-        <p:spPr bwMode="invGray">
-          <a:xfrm>
-            <a:off x="2855737" y="0"/>
-            <a:ext cx="45720" cy="1453896"/>
-          </a:xfrm>
-          <a:prstGeom prst="rect">
-            <a:avLst/>
-          </a:prstGeom>
-          <a:solidFill>
-            <a:srgbClr val="FFFFFF"/>
-          </a:solidFill>
-          <a:ln w="48000" cap="flat" cmpd="thickThin" algn="ctr">
-            <a:noFill/>
-            <a:prstDash val="solid"/>
-          </a:ln>
-        </p:spPr>
-        <p:style>
-          <a:lnRef idx="2">
-            <a:schemeClr val="accent1"/>
-          </a:lnRef>
-          <a:fillRef idx="1">
-            <a:schemeClr val="accent1"/>
-          </a:fillRef>
-          <a:effectRef idx="0">
-            <a:schemeClr val="accent1"/>
-          </a:effectRef>
-          <a:fontRef idx="minor">
-            <a:schemeClr val="lt1"/>
-          </a:fontRef>
-        </p:style>
-        <p:txBody>
-          <a:bodyPr rtlCol="0" anchor="ctr"/>
-          <a:lstStyle>
-            <a:extLst/>
-          </a:lstStyle>
-          <a:p>
-            <a:pPr algn="ctr" eaLnBrk="1" latinLnBrk="0" hangingPunct="1"/>
-            <a:endParaRPr kumimoji="0" lang="en-US"/>
-          </a:p>
-        </p:txBody>
-      </p:sp>
     </p:spTree>
+    <p:extLst>
+      <p:ext uri="{BB962C8B-B14F-4D97-AF65-F5344CB8AC3E}">
+        <p14:creationId xmlns:p14="http://schemas.microsoft.com/office/powerpoint/2010/main" val="1041329508"/>
+      </p:ext>
+    </p:extLst>
   </p:cSld>
   <p:clrMapOvr>
     <a:masterClrMapping/>
@@ -2923,11 +2501,6 @@
 <file path=ppt/slideLayouts/slideLayout9.xml><?xml version="1.0" encoding="utf-8"?>
 <p:sldLayout xmlns:a="http://schemas.openxmlformats.org/drawingml/2006/main" xmlns:r="http://schemas.openxmlformats.org/officeDocument/2006/relationships" xmlns:p="http://schemas.openxmlformats.org/presentationml/2006/main" type="picTx" preserve="1">
   <p:cSld name="图片与标题">
-    <p:bg>
-      <p:bgRef idx="1001">
-        <a:schemeClr val="bg2"/>
-      </p:bgRef>
-    </p:bg>
     <p:spTree>
       <p:nvGrpSpPr>
         <p:cNvPr id="1" name=""/>
@@ -2954,26 +2527,23 @@
         </p:nvSpPr>
         <p:spPr>
           <a:xfrm>
-            <a:off x="164592" y="155448"/>
-            <a:ext cx="2525150" cy="978408"/>
+            <a:off x="1792288" y="4800600"/>
+            <a:ext cx="5486400" cy="566738"/>
           </a:xfrm>
         </p:spPr>
         <p:txBody>
-          <a:bodyPr lIns="73152" bIns="0" anchor="b">
-            <a:sp3d prstMaterial="matte"/>
-          </a:bodyPr>
+          <a:bodyPr anchor="b"/>
           <a:lstStyle>
             <a:lvl1pPr algn="l">
-              <a:defRPr sz="2000" b="0"/>
+              <a:defRPr sz="2000" b="1"/>
             </a:lvl1pPr>
-            <a:extLst/>
           </a:lstStyle>
           <a:p>
             <a:r>
-              <a:rPr kumimoji="0" lang="zh-CN" altLang="en-US" smtClean="0"/>
+              <a:rPr lang="zh-CN" altLang="en-US" smtClean="0"/>
               <a:t>单击此处编辑母版标题样式</a:t>
             </a:r>
-            <a:endParaRPr kumimoji="0" lang="en-US"/>
+            <a:endParaRPr lang="zh-CN" altLang="en-US"/>
           </a:p>
         </p:txBody>
       </p:sp>
@@ -2989,14 +2559,9 @@
         </p:nvSpPr>
         <p:spPr>
           <a:xfrm>
-            <a:off x="2903805" y="1484808"/>
-            <a:ext cx="6247397" cy="5373192"/>
+            <a:off x="1792288" y="612775"/>
+            <a:ext cx="5486400" cy="4114800"/>
           </a:xfrm>
-          <a:solidFill>
-            <a:schemeClr val="bg2">
-              <a:shade val="75000"/>
-            </a:schemeClr>
-          </a:solidFill>
         </p:spPr>
         <p:txBody>
           <a:bodyPr/>
@@ -3037,14 +2602,9 @@
               <a:buNone/>
               <a:defRPr sz="2000"/>
             </a:lvl9pPr>
-            <a:extLst/>
           </a:lstStyle>
           <a:p>
-            <a:r>
-              <a:rPr kumimoji="0" lang="zh-CN" altLang="en-US" smtClean="0"/>
-              <a:t>单击图标添加图片</a:t>
-            </a:r>
-            <a:endParaRPr kumimoji="0" lang="en-US" dirty="0"/>
+            <a:endParaRPr lang="zh-CN" altLang="en-US"/>
           </a:p>
         </p:txBody>
       </p:sp>
@@ -3060,8 +2620,8 @@
         </p:nvSpPr>
         <p:spPr>
           <a:xfrm>
-            <a:off x="164592" y="1728216"/>
-            <a:ext cx="2468880" cy="4572000"/>
+            <a:off x="1792288" y="5367338"/>
+            <a:ext cx="5486400" cy="804862"/>
           </a:xfrm>
         </p:spPr>
         <p:txBody>
@@ -3103,12 +2663,11 @@
               <a:buNone/>
               <a:defRPr sz="900"/>
             </a:lvl9pPr>
-            <a:extLst/>
           </a:lstStyle>
           <a:p>
-            <a:pPr lvl="0" eaLnBrk="1" latinLnBrk="0" hangingPunct="1"/>
-            <a:r>
-              <a:rPr kumimoji="0" lang="zh-CN" altLang="en-US" smtClean="0"/>
+            <a:pPr lvl="0"/>
+            <a:r>
+              <a:rPr lang="zh-CN" altLang="en-US" smtClean="0"/>
               <a:t>单击此处编辑母版文本样式</a:t>
             </a:r>
           </a:p>
@@ -3124,19 +2683,14 @@
             <p:ph type="dt" sz="half" idx="10"/>
           </p:nvPr>
         </p:nvSpPr>
-        <p:spPr>
-          <a:xfrm>
-            <a:off x="164592" y="1170432"/>
-            <a:ext cx="2523744" cy="201168"/>
-          </a:xfrm>
-        </p:spPr>
+        <p:spPr/>
         <p:txBody>
           <a:bodyPr/>
           <a:lstStyle/>
           <a:p>
             <a:fld id="{530820CF-B880-4189-942D-D702A7CBA730}" type="datetimeFigureOut">
               <a:rPr lang="zh-CN" altLang="en-US" smtClean="0"/>
-              <a:t>2020/6/12</a:t>
+              <a:t>2020/6/15</a:t>
             </a:fld>
             <a:endParaRPr lang="zh-CN" altLang="en-US"/>
           </a:p>
@@ -3144,100 +2698,6 @@
       </p:sp>
       <p:sp>
         <p:nvSpPr>
-          <p:cNvPr id="11" name="矩形 10"/>
-          <p:cNvSpPr/>
-          <p:nvPr/>
-        </p:nvSpPr>
-        <p:spPr>
-          <a:xfrm>
-            <a:off x="2855737" y="0"/>
-            <a:ext cx="45720" cy="6858000"/>
-          </a:xfrm>
-          <a:prstGeom prst="rect">
-            <a:avLst/>
-          </a:prstGeom>
-          <a:solidFill>
-            <a:srgbClr val="FFFFFF"/>
-          </a:solidFill>
-          <a:ln w="48000" cap="flat" cmpd="thickThin" algn="ctr">
-            <a:noFill/>
-            <a:prstDash val="solid"/>
-          </a:ln>
-        </p:spPr>
-        <p:style>
-          <a:lnRef idx="2">
-            <a:schemeClr val="accent1"/>
-          </a:lnRef>
-          <a:fillRef idx="1">
-            <a:schemeClr val="accent1"/>
-          </a:fillRef>
-          <a:effectRef idx="0">
-            <a:schemeClr val="accent1"/>
-          </a:effectRef>
-          <a:fontRef idx="minor">
-            <a:schemeClr val="lt1"/>
-          </a:fontRef>
-        </p:style>
-        <p:txBody>
-          <a:bodyPr rtlCol="0" anchor="ctr"/>
-          <a:lstStyle>
-            <a:extLst/>
-          </a:lstStyle>
-          <a:p>
-            <a:pPr algn="ctr" eaLnBrk="1" latinLnBrk="0" hangingPunct="1"/>
-            <a:endParaRPr kumimoji="0" lang="en-US"/>
-          </a:p>
-        </p:txBody>
-      </p:sp>
-      <p:sp>
-        <p:nvSpPr>
-          <p:cNvPr id="9" name="矩形 8"/>
-          <p:cNvSpPr/>
-          <p:nvPr/>
-        </p:nvSpPr>
-        <p:spPr bwMode="invGray">
-          <a:xfrm>
-            <a:off x="2855737" y="0"/>
-            <a:ext cx="45720" cy="6858000"/>
-          </a:xfrm>
-          <a:prstGeom prst="rect">
-            <a:avLst/>
-          </a:prstGeom>
-          <a:solidFill>
-            <a:srgbClr val="FFFFFF"/>
-          </a:solidFill>
-          <a:ln w="48000" cap="flat" cmpd="thickThin" algn="ctr">
-            <a:noFill/>
-            <a:prstDash val="solid"/>
-          </a:ln>
-        </p:spPr>
-        <p:style>
-          <a:lnRef idx="2">
-            <a:schemeClr val="accent1"/>
-          </a:lnRef>
-          <a:fillRef idx="1">
-            <a:schemeClr val="accent1"/>
-          </a:fillRef>
-          <a:effectRef idx="0">
-            <a:schemeClr val="accent1"/>
-          </a:effectRef>
-          <a:fontRef idx="minor">
-            <a:schemeClr val="lt1"/>
-          </a:fontRef>
-        </p:style>
-        <p:txBody>
-          <a:bodyPr rtlCol="0" anchor="ctr"/>
-          <a:lstStyle>
-            <a:extLst/>
-          </a:lstStyle>
-          <a:p>
-            <a:pPr algn="ctr" eaLnBrk="1" latinLnBrk="0" hangingPunct="1"/>
-            <a:endParaRPr kumimoji="0" lang="en-US"/>
-          </a:p>
-        </p:txBody>
-      </p:sp>
-      <p:sp>
-        <p:nvSpPr>
           <p:cNvPr id="6" name="页脚占位符 5"/>
           <p:cNvSpPr>
             <a:spLocks noGrp="1"/>
@@ -3246,25 +2706,10 @@
             <p:ph type="ftr" sz="quarter" idx="11"/>
           </p:nvPr>
         </p:nvSpPr>
-        <p:spPr>
-          <a:xfrm>
-            <a:off x="3035808" y="1170432"/>
-            <a:ext cx="5193792" cy="201168"/>
-          </a:xfrm>
-        </p:spPr>
-        <p:txBody>
-          <a:bodyPr/>
-          <a:lstStyle>
-            <a:lvl1pPr>
-              <a:defRPr>
-                <a:solidFill>
-                  <a:schemeClr val="bg1">
-                    <a:shade val="50000"/>
-                  </a:schemeClr>
-                </a:solidFill>
-              </a:defRPr>
-            </a:lvl1pPr>
-          </a:lstStyle>
+        <p:spPr/>
+        <p:txBody>
+          <a:bodyPr/>
+          <a:lstStyle/>
           <a:p>
             <a:endParaRPr lang="zh-CN" altLang="en-US"/>
           </a:p>
@@ -3280,12 +2725,7 @@
             <p:ph type="sldNum" sz="quarter" idx="12"/>
           </p:nvPr>
         </p:nvSpPr>
-        <p:spPr>
-          <a:xfrm>
-            <a:off x="8339328" y="1170432"/>
-            <a:ext cx="733864" cy="201168"/>
-          </a:xfrm>
-        </p:spPr>
+        <p:spPr/>
         <p:txBody>
           <a:bodyPr/>
           <a:lstStyle/>
@@ -3299,9 +2739,14 @@
         </p:txBody>
       </p:sp>
     </p:spTree>
+    <p:extLst>
+      <p:ext uri="{BB962C8B-B14F-4D97-AF65-F5344CB8AC3E}">
+        <p14:creationId xmlns:p14="http://schemas.microsoft.com/office/powerpoint/2010/main" val="3856998733"/>
+      </p:ext>
+    </p:extLst>
   </p:cSld>
   <p:clrMapOvr>
-    <a:overrideClrMapping bg1="lt1" tx1="dk1" bg2="lt2" tx2="dk2" accent1="accent1" accent2="accent2" accent3="accent3" accent4="accent4" accent5="accent5" accent6="accent6" hlink="hlink" folHlink="folHlink"/>
+    <a:masterClrMapping/>
   </p:clrMapOvr>
 </p:sldLayout>
 </file>
@@ -3330,107 +2775,6 @@
       </p:grpSpPr>
       <p:sp>
         <p:nvSpPr>
-          <p:cNvPr id="10" name="矩形 9"/>
-          <p:cNvSpPr/>
-          <p:nvPr/>
-        </p:nvSpPr>
-        <p:spPr bwMode="invGray">
-          <a:xfrm>
-            <a:off x="0" y="1435895"/>
-            <a:ext cx="9144000" cy="45720"/>
-          </a:xfrm>
-          <a:prstGeom prst="rect">
-            <a:avLst/>
-          </a:prstGeom>
-          <a:solidFill>
-            <a:srgbClr val="FFFFFF"/>
-          </a:solidFill>
-          <a:ln w="48000" cap="flat" cmpd="thickThin" algn="ctr">
-            <a:noFill/>
-            <a:prstDash val="solid"/>
-          </a:ln>
-          <a:effectLst>
-            <a:outerShdw blurRad="31750" dist="10160" dir="5400000" algn="tl" rotWithShape="0">
-              <a:srgbClr val="000000">
-                <a:alpha val="60000"/>
-              </a:srgbClr>
-            </a:outerShdw>
-          </a:effectLst>
-        </p:spPr>
-        <p:style>
-          <a:lnRef idx="2">
-            <a:schemeClr val="accent1"/>
-          </a:lnRef>
-          <a:fillRef idx="1">
-            <a:schemeClr val="accent1"/>
-          </a:fillRef>
-          <a:effectRef idx="0">
-            <a:schemeClr val="accent1"/>
-          </a:effectRef>
-          <a:fontRef idx="minor">
-            <a:schemeClr val="lt1"/>
-          </a:fontRef>
-        </p:style>
-        <p:txBody>
-          <a:bodyPr rtlCol="0" anchor="ctr"/>
-          <a:lstStyle>
-            <a:extLst/>
-          </a:lstStyle>
-          <a:p>
-            <a:pPr algn="ctr" eaLnBrk="1" latinLnBrk="0" hangingPunct="1"/>
-            <a:endParaRPr kumimoji="0" lang="en-US"/>
-          </a:p>
-        </p:txBody>
-      </p:sp>
-      <p:sp>
-        <p:nvSpPr>
-          <p:cNvPr id="7" name="矩形 6"/>
-          <p:cNvSpPr/>
-          <p:nvPr/>
-        </p:nvSpPr>
-        <p:spPr bwMode="ltGray">
-          <a:xfrm>
-            <a:off x="0" y="0"/>
-            <a:ext cx="9143999" cy="1433733"/>
-          </a:xfrm>
-          <a:prstGeom prst="rect">
-            <a:avLst/>
-          </a:prstGeom>
-          <a:solidFill>
-            <a:srgbClr val="000000"/>
-          </a:solidFill>
-          <a:ln w="48000" cap="flat" cmpd="thickThin" algn="ctr">
-            <a:noFill/>
-            <a:prstDash val="solid"/>
-          </a:ln>
-        </p:spPr>
-        <p:style>
-          <a:lnRef idx="2">
-            <a:schemeClr val="accent1"/>
-          </a:lnRef>
-          <a:fillRef idx="1">
-            <a:schemeClr val="accent1"/>
-          </a:fillRef>
-          <a:effectRef idx="0">
-            <a:schemeClr val="accent1"/>
-          </a:effectRef>
-          <a:fontRef idx="minor">
-            <a:schemeClr val="lt1"/>
-          </a:fontRef>
-        </p:style>
-        <p:txBody>
-          <a:bodyPr rtlCol="0" anchor="ctr"/>
-          <a:lstStyle>
-            <a:extLst/>
-          </a:lstStyle>
-          <a:p>
-            <a:pPr algn="ctr" eaLnBrk="1" latinLnBrk="0" hangingPunct="1"/>
-            <a:endParaRPr kumimoji="0" lang="en-US"/>
-          </a:p>
-        </p:txBody>
-      </p:sp>
-      <p:sp>
-        <p:nvSpPr>
           <p:cNvPr id="2" name="标题占位符 1"/>
           <p:cNvSpPr>
             <a:spLocks noGrp="1"/>
@@ -3441,35 +2785,24 @@
         </p:nvSpPr>
         <p:spPr>
           <a:xfrm>
-            <a:off x="457200" y="152400"/>
-            <a:ext cx="8229600" cy="1251062"/>
+            <a:off x="457200" y="274638"/>
+            <a:ext cx="8229600" cy="1143000"/>
           </a:xfrm>
           <a:prstGeom prst="rect">
             <a:avLst/>
           </a:prstGeom>
         </p:spPr>
         <p:txBody>
-          <a:bodyPr vert="horz" lIns="91440" rIns="45720" rtlCol="0" anchor="ctr">
+          <a:bodyPr vert="horz" lIns="91440" tIns="45720" rIns="91440" bIns="45720" rtlCol="0" anchor="ctr">
             <a:normAutofit/>
-            <a:scene3d>
-              <a:camera prst="orthographicFront"/>
-              <a:lightRig rig="threePt" dir="t">
-                <a:rot lat="0" lon="0" rev="4800000"/>
-              </a:lightRig>
-            </a:scene3d>
-            <a:sp3d prstMaterial="matte">
-              <a:bevelT w="50800" h="10160"/>
-            </a:sp3d>
           </a:bodyPr>
-          <a:lstStyle>
-            <a:extLst/>
-          </a:lstStyle>
-          <a:p>
-            <a:r>
-              <a:rPr kumimoji="0" lang="zh-CN" altLang="en-US" smtClean="0"/>
+          <a:lstStyle/>
+          <a:p>
+            <a:r>
+              <a:rPr lang="zh-CN" altLang="en-US" smtClean="0"/>
               <a:t>单击此处编辑母版标题样式</a:t>
             </a:r>
-            <a:endParaRPr kumimoji="0" lang="en-US"/>
+            <a:endParaRPr lang="zh-CN" altLang="en-US"/>
           </a:p>
         </p:txBody>
       </p:sp>
@@ -3485,55 +2818,53 @@
         </p:nvSpPr>
         <p:spPr>
           <a:xfrm>
-            <a:off x="457200" y="1775191"/>
-            <a:ext cx="8229600" cy="4625609"/>
+            <a:off x="457200" y="1600200"/>
+            <a:ext cx="8229600" cy="4525963"/>
           </a:xfrm>
           <a:prstGeom prst="rect">
             <a:avLst/>
           </a:prstGeom>
         </p:spPr>
         <p:txBody>
-          <a:bodyPr vert="horz" lIns="54864" tIns="91440" rtlCol="0">
+          <a:bodyPr vert="horz" lIns="91440" tIns="45720" rIns="91440" bIns="45720" rtlCol="0">
             <a:normAutofit/>
           </a:bodyPr>
-          <a:lstStyle>
-            <a:extLst/>
-          </a:lstStyle>
-          <a:p>
-            <a:pPr lvl="0" eaLnBrk="1" latinLnBrk="0" hangingPunct="1"/>
-            <a:r>
-              <a:rPr kumimoji="0" lang="zh-CN" altLang="en-US" smtClean="0"/>
+          <a:lstStyle/>
+          <a:p>
+            <a:pPr lvl="0"/>
+            <a:r>
+              <a:rPr lang="zh-CN" altLang="en-US" smtClean="0"/>
               <a:t>单击此处编辑母版文本样式</a:t>
             </a:r>
           </a:p>
           <a:p>
-            <a:pPr lvl="1" eaLnBrk="1" latinLnBrk="0" hangingPunct="1"/>
-            <a:r>
-              <a:rPr kumimoji="0" lang="zh-CN" altLang="en-US" smtClean="0"/>
+            <a:pPr lvl="1"/>
+            <a:r>
+              <a:rPr lang="zh-CN" altLang="en-US" smtClean="0"/>
               <a:t>第二级</a:t>
             </a:r>
           </a:p>
           <a:p>
-            <a:pPr lvl="2" eaLnBrk="1" latinLnBrk="0" hangingPunct="1"/>
-            <a:r>
-              <a:rPr kumimoji="0" lang="zh-CN" altLang="en-US" smtClean="0"/>
+            <a:pPr lvl="2"/>
+            <a:r>
+              <a:rPr lang="zh-CN" altLang="en-US" smtClean="0"/>
               <a:t>第三级</a:t>
             </a:r>
           </a:p>
           <a:p>
-            <a:pPr lvl="3" eaLnBrk="1" latinLnBrk="0" hangingPunct="1"/>
-            <a:r>
-              <a:rPr kumimoji="0" lang="zh-CN" altLang="en-US" smtClean="0"/>
+            <a:pPr lvl="3"/>
+            <a:r>
+              <a:rPr lang="zh-CN" altLang="en-US" smtClean="0"/>
               <a:t>第四级</a:t>
             </a:r>
           </a:p>
           <a:p>
-            <a:pPr lvl="4" eaLnBrk="1" latinLnBrk="0" hangingPunct="1"/>
-            <a:r>
-              <a:rPr kumimoji="0" lang="zh-CN" altLang="en-US" smtClean="0"/>
+            <a:pPr lvl="4"/>
+            <a:r>
+              <a:rPr lang="zh-CN" altLang="en-US" smtClean="0"/>
               <a:t>第五级</a:t>
             </a:r>
-            <a:endParaRPr kumimoji="0" lang="en-US"/>
+            <a:endParaRPr lang="zh-CN" altLang="en-US"/>
           </a:p>
         </p:txBody>
       </p:sp>
@@ -3549,31 +2880,30 @@
         </p:nvSpPr>
         <p:spPr>
           <a:xfrm>
-            <a:off x="457200" y="6476999"/>
-            <a:ext cx="2133600" cy="274320"/>
+            <a:off x="457200" y="6356350"/>
+            <a:ext cx="2133600" cy="365125"/>
           </a:xfrm>
           <a:prstGeom prst="rect">
             <a:avLst/>
           </a:prstGeom>
         </p:spPr>
         <p:txBody>
-          <a:bodyPr vert="horz" lIns="109728" rIns="45720" bIns="0" rtlCol="0" anchor="b"/>
+          <a:bodyPr vert="horz" lIns="91440" tIns="45720" rIns="91440" bIns="45720" rtlCol="0" anchor="ctr"/>
           <a:lstStyle>
-            <a:lvl1pPr algn="l" eaLnBrk="1" latinLnBrk="0" hangingPunct="1">
-              <a:defRPr kumimoji="0" sz="1200">
+            <a:lvl1pPr algn="l">
+              <a:defRPr sz="1200">
                 <a:solidFill>
                   <a:schemeClr val="tx1">
-                    <a:tint val="95000"/>
+                    <a:tint val="75000"/>
                   </a:schemeClr>
                 </a:solidFill>
               </a:defRPr>
             </a:lvl1pPr>
-            <a:extLst/>
           </a:lstStyle>
           <a:p>
             <a:fld id="{530820CF-B880-4189-942D-D702A7CBA730}" type="datetimeFigureOut">
               <a:rPr lang="zh-CN" altLang="en-US" smtClean="0"/>
-              <a:t>2020/6/12</a:t>
+              <a:t>2020/6/15</a:t>
             </a:fld>
             <a:endParaRPr lang="zh-CN" altLang="en-US"/>
           </a:p>
@@ -3591,26 +2921,25 @@
         </p:nvSpPr>
         <p:spPr>
           <a:xfrm>
-            <a:off x="2640596" y="6476999"/>
-            <a:ext cx="5507719" cy="274320"/>
+            <a:off x="3124200" y="6356350"/>
+            <a:ext cx="2895600" cy="365125"/>
           </a:xfrm>
           <a:prstGeom prst="rect">
             <a:avLst/>
           </a:prstGeom>
         </p:spPr>
         <p:txBody>
-          <a:bodyPr vert="horz" lIns="45720" rIns="45720" bIns="0" rtlCol="0" anchor="b"/>
+          <a:bodyPr vert="horz" lIns="91440" tIns="45720" rIns="91440" bIns="45720" rtlCol="0" anchor="ctr"/>
           <a:lstStyle>
-            <a:lvl1pPr algn="l" eaLnBrk="1" latinLnBrk="0" hangingPunct="1">
-              <a:defRPr kumimoji="0" sz="1200">
+            <a:lvl1pPr algn="ctr">
+              <a:defRPr sz="1200">
                 <a:solidFill>
                   <a:schemeClr val="tx1">
-                    <a:tint val="95000"/>
+                    <a:tint val="75000"/>
                   </a:schemeClr>
                 </a:solidFill>
               </a:defRPr>
             </a:lvl1pPr>
-            <a:extLst/>
           </a:lstStyle>
           <a:p>
             <a:endParaRPr lang="zh-CN" altLang="en-US"/>
@@ -3629,26 +2958,25 @@
         </p:nvSpPr>
         <p:spPr>
           <a:xfrm>
-            <a:off x="8204396" y="6476999"/>
-            <a:ext cx="733864" cy="274320"/>
+            <a:off x="6553200" y="6356350"/>
+            <a:ext cx="2133600" cy="365125"/>
           </a:xfrm>
           <a:prstGeom prst="rect">
             <a:avLst/>
           </a:prstGeom>
         </p:spPr>
         <p:txBody>
-          <a:bodyPr vert="horz" bIns="0" rtlCol="0" anchor="b"/>
+          <a:bodyPr vert="horz" lIns="91440" tIns="45720" rIns="91440" bIns="45720" rtlCol="0" anchor="ctr"/>
           <a:lstStyle>
-            <a:lvl1pPr algn="r" eaLnBrk="1" latinLnBrk="0" hangingPunct="1">
-              <a:defRPr kumimoji="0" sz="1200">
+            <a:lvl1pPr algn="r">
+              <a:defRPr sz="1200">
                 <a:solidFill>
                   <a:schemeClr val="tx1">
-                    <a:tint val="95000"/>
+                    <a:tint val="75000"/>
                   </a:schemeClr>
                 </a:solidFill>
               </a:defRPr>
             </a:lvl1pPr>
-            <a:extLst/>
           </a:lstStyle>
           <a:p>
             <a:fld id="{0C913308-F349-4B6D-A68A-DD1791B4A57B}" type="slidenum">
@@ -3660,55 +2988,52 @@
         </p:txBody>
       </p:sp>
     </p:spTree>
+    <p:extLst>
+      <p:ext uri="{BB962C8B-B14F-4D97-AF65-F5344CB8AC3E}">
+        <p14:creationId xmlns:p14="http://schemas.microsoft.com/office/powerpoint/2010/main" val="1344984259"/>
+      </p:ext>
+    </p:extLst>
   </p:cSld>
   <p:clrMap bg1="lt1" tx1="dk1" bg2="lt2" tx2="dk2" accent1="accent1" accent2="accent2" accent3="accent3" accent4="accent4" accent5="accent5" accent6="accent6" hlink="hlink" folHlink="folHlink"/>
   <p:sldLayoutIdLst>
-    <p:sldLayoutId id="2147483714" r:id="rId1"/>
-    <p:sldLayoutId id="2147483715" r:id="rId2"/>
-    <p:sldLayoutId id="2147483716" r:id="rId3"/>
-    <p:sldLayoutId id="2147483717" r:id="rId4"/>
-    <p:sldLayoutId id="2147483718" r:id="rId5"/>
-    <p:sldLayoutId id="2147483719" r:id="rId6"/>
-    <p:sldLayoutId id="2147483720" r:id="rId7"/>
-    <p:sldLayoutId id="2147483721" r:id="rId8"/>
-    <p:sldLayoutId id="2147483722" r:id="rId9"/>
-    <p:sldLayoutId id="2147483723" r:id="rId10"/>
-    <p:sldLayoutId id="2147483724" r:id="rId11"/>
-    <p:sldLayoutId id="2147483725" r:id="rId12"/>
+    <p:sldLayoutId id="2147483727" r:id="rId1"/>
+    <p:sldLayoutId id="2147483728" r:id="rId2"/>
+    <p:sldLayoutId id="2147483729" r:id="rId3"/>
+    <p:sldLayoutId id="2147483730" r:id="rId4"/>
+    <p:sldLayoutId id="2147483731" r:id="rId5"/>
+    <p:sldLayoutId id="2147483732" r:id="rId6"/>
+    <p:sldLayoutId id="2147483733" r:id="rId7"/>
+    <p:sldLayoutId id="2147483734" r:id="rId8"/>
+    <p:sldLayoutId id="2147483735" r:id="rId9"/>
+    <p:sldLayoutId id="2147483736" r:id="rId10"/>
+    <p:sldLayoutId id="2147483737" r:id="rId11"/>
+    <p:sldLayoutId id="2147483738" r:id="rId12"/>
   </p:sldLayoutIdLst>
   <p:txStyles>
     <p:titleStyle>
-      <a:lvl1pPr algn="l" rtl="0" eaLnBrk="1" latinLnBrk="0" hangingPunct="1">
+      <a:lvl1pPr algn="ctr" defTabSz="914400" rtl="0" eaLnBrk="1" latinLnBrk="0" hangingPunct="1">
         <a:spcBef>
           <a:spcPct val="0"/>
         </a:spcBef>
         <a:buNone/>
-        <a:defRPr kumimoji="0" sz="4500" b="1" kern="1200">
+        <a:defRPr sz="4400" kern="1200">
           <a:solidFill>
-            <a:schemeClr val="accent1">
-              <a:satMod val="150000"/>
-            </a:schemeClr>
+            <a:schemeClr val="tx1"/>
           </a:solidFill>
-          <a:effectLst/>
           <a:latin typeface="+mj-lt"/>
           <a:ea typeface="+mj-ea"/>
           <a:cs typeface="+mj-cs"/>
         </a:defRPr>
       </a:lvl1pPr>
-      <a:extLst/>
     </p:titleStyle>
     <p:bodyStyle>
-      <a:lvl1pPr marL="438912" indent="-320040" algn="l" rtl="0" eaLnBrk="1" latinLnBrk="0" hangingPunct="1">
+      <a:lvl1pPr marL="342900" indent="-342900" algn="l" defTabSz="914400" rtl="0" eaLnBrk="1" latinLnBrk="0" hangingPunct="1">
         <a:spcBef>
-          <a:spcPts val="0"/>
+          <a:spcPct val="20000"/>
         </a:spcBef>
-        <a:buClr>
-          <a:schemeClr val="accent1"/>
-        </a:buClr>
-        <a:buSzPct val="80000"/>
-        <a:buFont typeface="Wingdings 2"/>
-        <a:buChar char=""/>
-        <a:defRPr kumimoji="0" sz="3200" kern="1200">
+        <a:buFont typeface="Arial" pitchFamily="34" charset="0"/>
+        <a:buChar char="•"/>
+        <a:defRPr sz="3200" kern="1200">
           <a:solidFill>
             <a:schemeClr val="tx1"/>
           </a:solidFill>
@@ -3717,17 +3042,13 @@
           <a:cs typeface="+mn-cs"/>
         </a:defRPr>
       </a:lvl1pPr>
-      <a:lvl2pPr marL="731520" indent="-274320" algn="l" rtl="0" eaLnBrk="1" latinLnBrk="0" hangingPunct="1">
+      <a:lvl2pPr marL="742950" indent="-285750" algn="l" defTabSz="914400" rtl="0" eaLnBrk="1" latinLnBrk="0" hangingPunct="1">
         <a:spcBef>
           <a:spcPct val="20000"/>
         </a:spcBef>
-        <a:buClr>
-          <a:schemeClr val="accent2"/>
-        </a:buClr>
-        <a:buSzPct val="90000"/>
-        <a:buFont typeface="Wingdings"/>
-        <a:buChar char=""/>
-        <a:defRPr kumimoji="0" sz="2800" kern="1200">
+        <a:buFont typeface="Arial" pitchFamily="34" charset="0"/>
+        <a:buChar char="–"/>
+        <a:defRPr sz="2800" kern="1200">
           <a:solidFill>
             <a:schemeClr val="tx1"/>
           </a:solidFill>
@@ -3736,16 +3057,13 @@
           <a:cs typeface="+mn-cs"/>
         </a:defRPr>
       </a:lvl2pPr>
-      <a:lvl3pPr marL="996696" indent="-228600" algn="l" rtl="0" eaLnBrk="1" latinLnBrk="0" hangingPunct="1">
+      <a:lvl3pPr marL="1143000" indent="-228600" algn="l" defTabSz="914400" rtl="0" eaLnBrk="1" latinLnBrk="0" hangingPunct="1">
         <a:spcBef>
           <a:spcPct val="20000"/>
         </a:spcBef>
-        <a:buClr>
-          <a:schemeClr val="accent3"/>
-        </a:buClr>
-        <a:buFont typeface="Arial"/>
-        <a:buChar char="▪"/>
-        <a:defRPr kumimoji="0" sz="2400" kern="1200">
+        <a:buFont typeface="Arial" pitchFamily="34" charset="0"/>
+        <a:buChar char="•"/>
+        <a:defRPr sz="2400" kern="1200">
           <a:solidFill>
             <a:schemeClr val="tx1"/>
           </a:solidFill>
@@ -3754,16 +3072,13 @@
           <a:cs typeface="+mn-cs"/>
         </a:defRPr>
       </a:lvl3pPr>
-      <a:lvl4pPr marL="1216152" indent="-182880" algn="l" rtl="0" eaLnBrk="1" latinLnBrk="0" hangingPunct="1">
+      <a:lvl4pPr marL="1600200" indent="-228600" algn="l" defTabSz="914400" rtl="0" eaLnBrk="1" latinLnBrk="0" hangingPunct="1">
         <a:spcBef>
           <a:spcPct val="20000"/>
         </a:spcBef>
-        <a:buClr>
-          <a:schemeClr val="accent4"/>
-        </a:buClr>
-        <a:buFont typeface="Arial"/>
-        <a:buChar char="▪"/>
-        <a:defRPr kumimoji="0" sz="2000" kern="1200">
+        <a:buFont typeface="Arial" pitchFamily="34" charset="0"/>
+        <a:buChar char="–"/>
+        <a:defRPr sz="2000" kern="1200">
           <a:solidFill>
             <a:schemeClr val="tx1"/>
           </a:solidFill>
@@ -3772,16 +3087,13 @@
           <a:cs typeface="+mn-cs"/>
         </a:defRPr>
       </a:lvl4pPr>
-      <a:lvl5pPr marL="1426464" indent="-182880" algn="l" rtl="0" eaLnBrk="1" latinLnBrk="0" hangingPunct="1">
+      <a:lvl5pPr marL="2057400" indent="-228600" algn="l" defTabSz="914400" rtl="0" eaLnBrk="1" latinLnBrk="0" hangingPunct="1">
         <a:spcBef>
           <a:spcPct val="20000"/>
         </a:spcBef>
-        <a:buClr>
-          <a:schemeClr val="accent5"/>
-        </a:buClr>
-        <a:buFont typeface="Wingdings 3"/>
-        <a:buChar char=""/>
-        <a:defRPr kumimoji="0" lang="en-US" sz="2000" kern="1200" smtClean="0">
+        <a:buFont typeface="Arial" pitchFamily="34" charset="0"/>
+        <a:buChar char="»"/>
+        <a:defRPr sz="2000" kern="1200">
           <a:solidFill>
             <a:schemeClr val="tx1"/>
           </a:solidFill>
@@ -3790,17 +3102,13 @@
           <a:cs typeface="+mn-cs"/>
         </a:defRPr>
       </a:lvl5pPr>
-      <a:lvl6pPr marL="1627632" indent="-182880" algn="l" rtl="0" eaLnBrk="1" latinLnBrk="0" hangingPunct="1">
+      <a:lvl6pPr marL="2514600" indent="-228600" algn="l" defTabSz="914400" rtl="0" eaLnBrk="1" latinLnBrk="0" hangingPunct="1">
         <a:spcBef>
           <a:spcPct val="20000"/>
         </a:spcBef>
-        <a:buClr>
-          <a:schemeClr val="accent6"/>
-        </a:buClr>
-        <a:buSzPct val="100000"/>
-        <a:buFont typeface="Wingdings 2"/>
-        <a:buChar char=""/>
-        <a:defRPr kumimoji="0" sz="2000" kern="1200">
+        <a:buFont typeface="Arial" pitchFamily="34" charset="0"/>
+        <a:buChar char="•"/>
+        <a:defRPr sz="2000" kern="1200">
           <a:solidFill>
             <a:schemeClr val="tx1"/>
           </a:solidFill>
@@ -3809,17 +3117,13 @@
           <a:cs typeface="+mn-cs"/>
         </a:defRPr>
       </a:lvl6pPr>
-      <a:lvl7pPr marL="1828800" indent="-182880" algn="l" rtl="0" eaLnBrk="1" latinLnBrk="0" hangingPunct="1">
+      <a:lvl7pPr marL="2971800" indent="-228600" algn="l" defTabSz="914400" rtl="0" eaLnBrk="1" latinLnBrk="0" hangingPunct="1">
         <a:spcBef>
           <a:spcPct val="20000"/>
         </a:spcBef>
-        <a:buClr>
-          <a:schemeClr val="accent1"/>
-        </a:buClr>
-        <a:buSzPct val="100000"/>
-        <a:buFont typeface="Wingdings 2"/>
-        <a:buChar char=""/>
-        <a:defRPr kumimoji="0" sz="1800" kern="1200">
+        <a:buFont typeface="Arial" pitchFamily="34" charset="0"/>
+        <a:buChar char="•"/>
+        <a:defRPr sz="2000" kern="1200">
           <a:solidFill>
             <a:schemeClr val="tx1"/>
           </a:solidFill>
@@ -3828,16 +3132,13 @@
           <a:cs typeface="+mn-cs"/>
         </a:defRPr>
       </a:lvl7pPr>
-      <a:lvl8pPr marL="2029968" indent="-182880" algn="l" rtl="0" eaLnBrk="1" latinLnBrk="0" hangingPunct="1">
+      <a:lvl8pPr marL="3429000" indent="-228600" algn="l" defTabSz="914400" rtl="0" eaLnBrk="1" latinLnBrk="0" hangingPunct="1">
         <a:spcBef>
           <a:spcPct val="20000"/>
         </a:spcBef>
-        <a:buClr>
-          <a:schemeClr val="accent2"/>
-        </a:buClr>
-        <a:buFont typeface="Wingdings 2" pitchFamily="18" charset="2"/>
-        <a:buChar char=""/>
-        <a:defRPr kumimoji="0" sz="1800" kern="1200">
+        <a:buFont typeface="Arial" pitchFamily="34" charset="0"/>
+        <a:buChar char="•"/>
+        <a:defRPr sz="2000" kern="1200">
           <a:solidFill>
             <a:schemeClr val="tx1"/>
           </a:solidFill>
@@ -3846,16 +3147,13 @@
           <a:cs typeface="+mn-cs"/>
         </a:defRPr>
       </a:lvl8pPr>
-      <a:lvl9pPr marL="2231136" indent="-182880" algn="l" rtl="0" eaLnBrk="1" latinLnBrk="0" hangingPunct="1">
+      <a:lvl9pPr marL="3886200" indent="-228600" algn="l" defTabSz="914400" rtl="0" eaLnBrk="1" latinLnBrk="0" hangingPunct="1">
         <a:spcBef>
           <a:spcPct val="20000"/>
         </a:spcBef>
-        <a:buClr>
-          <a:schemeClr val="accent3"/>
-        </a:buClr>
-        <a:buFont typeface="Wingdings 2" pitchFamily="18" charset="2"/>
-        <a:buChar char=""/>
-        <a:defRPr kumimoji="0" sz="1800" kern="1200" baseline="0">
+        <a:buFont typeface="Arial" pitchFamily="34" charset="0"/>
+        <a:buChar char="•"/>
+        <a:defRPr sz="2000" kern="1200">
           <a:solidFill>
             <a:schemeClr val="tx1"/>
           </a:solidFill>
@@ -3864,11 +3162,13 @@
           <a:cs typeface="+mn-cs"/>
         </a:defRPr>
       </a:lvl9pPr>
-      <a:extLst/>
     </p:bodyStyle>
     <p:otherStyle>
-      <a:lvl1pPr marL="0" algn="l" rtl="0" eaLnBrk="1" latinLnBrk="0" hangingPunct="1">
-        <a:defRPr kumimoji="0" kern="1200">
+      <a:defPPr>
+        <a:defRPr lang="zh-CN"/>
+      </a:defPPr>
+      <a:lvl1pPr marL="0" algn="l" defTabSz="914400" rtl="0" eaLnBrk="1" latinLnBrk="0" hangingPunct="1">
+        <a:defRPr sz="1800" kern="1200">
           <a:solidFill>
             <a:schemeClr val="tx1"/>
           </a:solidFill>
@@ -3877,8 +3177,8 @@
           <a:cs typeface="+mn-cs"/>
         </a:defRPr>
       </a:lvl1pPr>
-      <a:lvl2pPr marL="457200" algn="l" rtl="0" eaLnBrk="1" latinLnBrk="0" hangingPunct="1">
-        <a:defRPr kumimoji="0" kern="1200">
+      <a:lvl2pPr marL="457200" algn="l" defTabSz="914400" rtl="0" eaLnBrk="1" latinLnBrk="0" hangingPunct="1">
+        <a:defRPr sz="1800" kern="1200">
           <a:solidFill>
             <a:schemeClr val="tx1"/>
           </a:solidFill>
@@ -3887,8 +3187,8 @@
           <a:cs typeface="+mn-cs"/>
         </a:defRPr>
       </a:lvl2pPr>
-      <a:lvl3pPr marL="914400" algn="l" rtl="0" eaLnBrk="1" latinLnBrk="0" hangingPunct="1">
-        <a:defRPr kumimoji="0" kern="1200">
+      <a:lvl3pPr marL="914400" algn="l" defTabSz="914400" rtl="0" eaLnBrk="1" latinLnBrk="0" hangingPunct="1">
+        <a:defRPr sz="1800" kern="1200">
           <a:solidFill>
             <a:schemeClr val="tx1"/>
           </a:solidFill>
@@ -3897,8 +3197,8 @@
           <a:cs typeface="+mn-cs"/>
         </a:defRPr>
       </a:lvl3pPr>
-      <a:lvl4pPr marL="1371600" algn="l" rtl="0" eaLnBrk="1" latinLnBrk="0" hangingPunct="1">
-        <a:defRPr kumimoji="0" kern="1200">
+      <a:lvl4pPr marL="1371600" algn="l" defTabSz="914400" rtl="0" eaLnBrk="1" latinLnBrk="0" hangingPunct="1">
+        <a:defRPr sz="1800" kern="1200">
           <a:solidFill>
             <a:schemeClr val="tx1"/>
           </a:solidFill>
@@ -3907,8 +3207,8 @@
           <a:cs typeface="+mn-cs"/>
         </a:defRPr>
       </a:lvl4pPr>
-      <a:lvl5pPr marL="1828800" algn="l" rtl="0" eaLnBrk="1" latinLnBrk="0" hangingPunct="1">
-        <a:defRPr kumimoji="0" kern="1200">
+      <a:lvl5pPr marL="1828800" algn="l" defTabSz="914400" rtl="0" eaLnBrk="1" latinLnBrk="0" hangingPunct="1">
+        <a:defRPr sz="1800" kern="1200">
           <a:solidFill>
             <a:schemeClr val="tx1"/>
           </a:solidFill>
@@ -3917,8 +3217,8 @@
           <a:cs typeface="+mn-cs"/>
         </a:defRPr>
       </a:lvl5pPr>
-      <a:lvl6pPr marL="2286000" algn="l" rtl="0" eaLnBrk="1" latinLnBrk="0" hangingPunct="1">
-        <a:defRPr kumimoji="0" kern="1200">
+      <a:lvl6pPr marL="2286000" algn="l" defTabSz="914400" rtl="0" eaLnBrk="1" latinLnBrk="0" hangingPunct="1">
+        <a:defRPr sz="1800" kern="1200">
           <a:solidFill>
             <a:schemeClr val="tx1"/>
           </a:solidFill>
@@ -3927,8 +3227,8 @@
           <a:cs typeface="+mn-cs"/>
         </a:defRPr>
       </a:lvl6pPr>
-      <a:lvl7pPr marL="2743200" algn="l" rtl="0" eaLnBrk="1" latinLnBrk="0" hangingPunct="1">
-        <a:defRPr kumimoji="0" kern="1200">
+      <a:lvl7pPr marL="2743200" algn="l" defTabSz="914400" rtl="0" eaLnBrk="1" latinLnBrk="0" hangingPunct="1">
+        <a:defRPr sz="1800" kern="1200">
           <a:solidFill>
             <a:schemeClr val="tx1"/>
           </a:solidFill>
@@ -3937,8 +3237,8 @@
           <a:cs typeface="+mn-cs"/>
         </a:defRPr>
       </a:lvl7pPr>
-      <a:lvl8pPr marL="3200400" algn="l" rtl="0" eaLnBrk="1" latinLnBrk="0" hangingPunct="1">
-        <a:defRPr kumimoji="0" kern="1200">
+      <a:lvl8pPr marL="3200400" algn="l" defTabSz="914400" rtl="0" eaLnBrk="1" latinLnBrk="0" hangingPunct="1">
+        <a:defRPr sz="1800" kern="1200">
           <a:solidFill>
             <a:schemeClr val="tx1"/>
           </a:solidFill>
@@ -3947,8 +3247,8 @@
           <a:cs typeface="+mn-cs"/>
         </a:defRPr>
       </a:lvl8pPr>
-      <a:lvl9pPr marL="3657600" algn="l" rtl="0" eaLnBrk="1" latinLnBrk="0" hangingPunct="1">
-        <a:defRPr kumimoji="0" kern="1200">
+      <a:lvl9pPr marL="3657600" algn="l" defTabSz="914400" rtl="0" eaLnBrk="1" latinLnBrk="0" hangingPunct="1">
+        <a:defRPr sz="1800" kern="1200">
           <a:solidFill>
             <a:schemeClr val="tx1"/>
           </a:solidFill>
@@ -3957,7 +3257,6 @@
           <a:cs typeface="+mn-cs"/>
         </a:defRPr>
       </a:lvl9pPr>
-      <a:extLst/>
     </p:otherStyle>
   </p:txStyles>
 </p:sldMaster>
@@ -5014,7 +4313,7 @@
         <p:spPr/>
         <p:txBody>
           <a:bodyPr>
-            <a:normAutofit fontScale="77500" lnSpcReduction="20000"/>
+            <a:normAutofit fontScale="70000" lnSpcReduction="20000"/>
           </a:bodyPr>
           <a:lstStyle/>
           <a:p>
@@ -5797,9 +5096,9 @@
 </file>
 
 <file path=ppt/theme/theme1.xml><?xml version="1.0" encoding="utf-8"?>
-<a:theme xmlns:a="http://schemas.openxmlformats.org/drawingml/2006/main" name="模块">
+<a:theme xmlns:a="http://schemas.openxmlformats.org/drawingml/2006/main" name="Office 主题​​">
   <a:themeElements>
-    <a:clrScheme name="模块">
+    <a:clrScheme name="Office">
       <a:dk1>
         <a:sysClr val="windowText" lastClr="000000"/>
       </a:dk1>
@@ -5807,52 +5106,52 @@
         <a:sysClr val="window" lastClr="FFFFFF"/>
       </a:lt1>
       <a:dk2>
-        <a:srgbClr val="5A6378"/>
+        <a:srgbClr val="1F497D"/>
       </a:dk2>
       <a:lt2>
-        <a:srgbClr val="D4D4D6"/>
+        <a:srgbClr val="EEECE1"/>
       </a:lt2>
       <a:accent1>
-        <a:srgbClr val="F0AD00"/>
+        <a:srgbClr val="4F81BD"/>
       </a:accent1>
       <a:accent2>
-        <a:srgbClr val="60B5CC"/>
+        <a:srgbClr val="C0504D"/>
       </a:accent2>
       <a:accent3>
-        <a:srgbClr val="E66C7D"/>
+        <a:srgbClr val="9BBB59"/>
       </a:accent3>
       <a:accent4>
-        <a:srgbClr val="6BB76D"/>
+        <a:srgbClr val="8064A2"/>
       </a:accent4>
       <a:accent5>
-        <a:srgbClr val="E88651"/>
+        <a:srgbClr val="4BACC6"/>
       </a:accent5>
       <a:accent6>
-        <a:srgbClr val="C64847"/>
+        <a:srgbClr val="F79646"/>
       </a:accent6>
       <a:hlink>
-        <a:srgbClr val="168BBA"/>
+        <a:srgbClr val="0000FF"/>
       </a:hlink>
       <a:folHlink>
-        <a:srgbClr val="680000"/>
+        <a:srgbClr val="800080"/>
       </a:folHlink>
     </a:clrScheme>
-    <a:fontScheme name="模块">
+    <a:fontScheme name="Office">
       <a:majorFont>
-        <a:latin typeface="Corbel"/>
+        <a:latin typeface="Calibri"/>
         <a:ea typeface=""/>
         <a:cs typeface=""/>
-        <a:font script="Jpan" typeface="HGｺﾞｼｯｸM"/>
-        <a:font script="Hang" typeface="HY엽서L"/>
-        <a:font script="Hans" typeface="华文楷体"/>
+        <a:font script="Jpan" typeface="ＭＳ Ｐゴシック"/>
+        <a:font script="Hang" typeface="맑은 고딕"/>
+        <a:font script="Hans" typeface="宋体"/>
         <a:font script="Hant" typeface="新細明體"/>
-        <a:font script="Arab" typeface="Tahoma"/>
-        <a:font script="Hebr" typeface="Miriam"/>
-        <a:font script="Thai" typeface="DilleniaUPC"/>
+        <a:font script="Arab" typeface="Times New Roman"/>
+        <a:font script="Hebr" typeface="Times New Roman"/>
+        <a:font script="Thai" typeface="Angsana New"/>
         <a:font script="Ethi" typeface="Nyala"/>
         <a:font script="Beng" typeface="Vrinda"/>
         <a:font script="Gujr" typeface="Shruti"/>
-        <a:font script="Khmr" typeface="DaunPenh"/>
+        <a:font script="Khmr" typeface="MoolBoran"/>
         <a:font script="Knda" typeface="Tunga"/>
         <a:font script="Guru" typeface="Raavi"/>
         <a:font script="Cans" typeface="Euphemia"/>
@@ -5869,21 +5168,21 @@
         <a:font script="Laoo" typeface="DokChampa"/>
         <a:font script="Sinh" typeface="Iskoola Pota"/>
         <a:font script="Mong" typeface="Mongolian Baiti"/>
-        <a:font script="Viet" typeface="Arial"/>
+        <a:font script="Viet" typeface="Times New Roman"/>
         <a:font script="Uigh" typeface="Microsoft Uighur"/>
         <a:font script="Geor" typeface="Sylfaen"/>
       </a:majorFont>
       <a:minorFont>
-        <a:latin typeface="Corbel"/>
+        <a:latin typeface="Calibri"/>
         <a:ea typeface=""/>
         <a:cs typeface=""/>
-        <a:font script="Jpan" typeface="HGｺﾞｼｯｸM"/>
-        <a:font script="Hang" typeface="HY엽서L"/>
-        <a:font script="Hans" typeface="华文楷体"/>
+        <a:font script="Jpan" typeface="ＭＳ Ｐゴシック"/>
+        <a:font script="Hang" typeface="맑은 고딕"/>
+        <a:font script="Hans" typeface="宋体"/>
         <a:font script="Hant" typeface="新細明體"/>
-        <a:font script="Arab" typeface="Tahoma"/>
-        <a:font script="Hebr" typeface="Miriam"/>
-        <a:font script="Thai" typeface="DilleniaUPC"/>
+        <a:font script="Arab" typeface="Arial"/>
+        <a:font script="Hebr" typeface="Arial"/>
+        <a:font script="Thai" typeface="Cordia New"/>
         <a:font script="Ethi" typeface="Nyala"/>
         <a:font script="Beng" typeface="Vrinda"/>
         <a:font script="Gujr" typeface="Shruti"/>
@@ -5909,7 +5208,7 @@
         <a:font script="Geor" typeface="Sylfaen"/>
       </a:minorFont>
     </a:fontScheme>
-    <a:fmtScheme name="模块">
+    <a:fmtScheme name="Office">
       <a:fillStyleLst>
         <a:solidFill>
           <a:schemeClr val="phClr"/>
@@ -5941,20 +5240,20 @@
           <a:gsLst>
             <a:gs pos="0">
               <a:schemeClr val="phClr">
-                <a:shade val="47500"/>
-                <a:satMod val="137000"/>
+                <a:shade val="51000"/>
+                <a:satMod val="130000"/>
               </a:schemeClr>
             </a:gs>
-            <a:gs pos="55000">
+            <a:gs pos="80000">
               <a:schemeClr val="phClr">
-                <a:shade val="69000"/>
-                <a:satMod val="137000"/>
+                <a:shade val="93000"/>
+                <a:satMod val="130000"/>
               </a:schemeClr>
             </a:gs>
             <a:gs pos="100000">
               <a:schemeClr val="phClr">
-                <a:shade val="98000"/>
-                <a:satMod val="137000"/>
+                <a:shade val="94000"/>
+                <a:satMod val="135000"/>
               </a:schemeClr>
             </a:gs>
           </a:gsLst>
@@ -5962,7 +5261,7 @@
         </a:gradFill>
       </a:fillStyleLst>
       <a:lnStyleLst>
-        <a:ln w="6350" cap="rnd" cmpd="sng" algn="ctr">
+        <a:ln w="9525" cap="flat" cmpd="sng" algn="ctr">
           <a:solidFill>
             <a:schemeClr val="phClr">
               <a:shade val="95000"/>
@@ -5971,13 +5270,13 @@
           </a:solidFill>
           <a:prstDash val="solid"/>
         </a:ln>
-        <a:ln w="48000" cap="flat" cmpd="thickThin" algn="ctr">
+        <a:ln w="25400" cap="flat" cmpd="sng" algn="ctr">
           <a:solidFill>
             <a:schemeClr val="phClr"/>
           </a:solidFill>
           <a:prstDash val="solid"/>
         </a:ln>
-        <a:ln w="48500" cap="flat" cmpd="thickThin" algn="ctr">
+        <a:ln w="38100" cap="flat" cmpd="sng" algn="ctr">
           <a:solidFill>
             <a:schemeClr val="phClr"/>
           </a:solidFill>
@@ -5987,7 +5286,7 @@
       <a:effectStyleLst>
         <a:effectStyle>
           <a:effectLst>
-            <a:outerShdw blurRad="45000" dist="25000" dir="5400000" rotWithShape="0">
+            <a:outerShdw blurRad="40000" dist="20000" dir="5400000" rotWithShape="0">
               <a:srgbClr val="000000">
                 <a:alpha val="38000"/>
               </a:srgbClr>
@@ -5996,31 +5295,31 @@
         </a:effectStyle>
         <a:effectStyle>
           <a:effectLst>
-            <a:outerShdw blurRad="39000" dist="25400" dir="5400000" rotWithShape="0">
+            <a:outerShdw blurRad="40000" dist="23000" dir="5400000" rotWithShape="0">
               <a:srgbClr val="000000">
-                <a:alpha val="38000"/>
+                <a:alpha val="35000"/>
               </a:srgbClr>
             </a:outerShdw>
           </a:effectLst>
         </a:effectStyle>
         <a:effectStyle>
           <a:effectLst>
-            <a:outerShdw blurRad="39000" dist="25400" dir="5400000" rotWithShape="0">
+            <a:outerShdw blurRad="40000" dist="23000" dir="5400000" rotWithShape="0">
               <a:srgbClr val="000000">
-                <a:alpha val="38000"/>
+                <a:alpha val="35000"/>
               </a:srgbClr>
             </a:outerShdw>
           </a:effectLst>
           <a:scene3d>
-            <a:camera prst="orthographicFront" fov="0">
+            <a:camera prst="orthographicFront">
               <a:rot lat="0" lon="0" rev="0"/>
             </a:camera>
             <a:lightRig rig="threePt" dir="t">
-              <a:rot lat="0" lon="0" rev="1800000"/>
+              <a:rot lat="0" lon="0" rev="1200000"/>
             </a:lightRig>
           </a:scene3d>
-          <a:sp3d prstMaterial="matte">
-            <a:bevelT h="20000"/>
+          <a:sp3d>
+            <a:bevelT w="63500" h="25400"/>
           </a:sp3d>
         </a:effectStyle>
       </a:effectStyleLst>
@@ -6032,47 +5331,47 @@
           <a:gsLst>
             <a:gs pos="0">
               <a:schemeClr val="phClr">
-                <a:tint val="48000"/>
-                <a:satMod val="300000"/>
+                <a:tint val="40000"/>
+                <a:satMod val="350000"/>
               </a:schemeClr>
             </a:gs>
-            <a:gs pos="12000">
+            <a:gs pos="40000">
               <a:schemeClr val="phClr">
-                <a:tint val="48000"/>
-                <a:satMod val="300000"/>
+                <a:tint val="45000"/>
+                <a:shade val="99000"/>
+                <a:satMod val="350000"/>
               </a:schemeClr>
             </a:gs>
-            <a:gs pos="20000">
+            <a:gs pos="100000">
               <a:schemeClr val="phClr">
-                <a:tint val="49000"/>
+                <a:shade val="20000"/>
+                <a:satMod val="255000"/>
+              </a:schemeClr>
+            </a:gs>
+          </a:gsLst>
+          <a:path path="circle">
+            <a:fillToRect l="50000" t="-80000" r="50000" b="180000"/>
+          </a:path>
+        </a:gradFill>
+        <a:gradFill rotWithShape="1">
+          <a:gsLst>
+            <a:gs pos="0">
+              <a:schemeClr val="phClr">
+                <a:tint val="80000"/>
                 <a:satMod val="300000"/>
               </a:schemeClr>
             </a:gs>
             <a:gs pos="100000">
               <a:schemeClr val="phClr">
                 <a:shade val="30000"/>
+                <a:satMod val="200000"/>
               </a:schemeClr>
             </a:gs>
           </a:gsLst>
           <a:path path="circle">
-            <a:fillToRect l="10000" t="-25000" r="10000" b="125000"/>
+            <a:fillToRect l="50000" t="50000" r="50000" b="50000"/>
           </a:path>
         </a:gradFill>
-        <a:blipFill>
-          <a:blip xmlns:r="http://schemas.openxmlformats.org/officeDocument/2006/relationships" r:embed="rId1">
-            <a:duotone>
-              <a:schemeClr val="phClr">
-                <a:shade val="75000"/>
-                <a:satMod val="105000"/>
-              </a:schemeClr>
-              <a:schemeClr val="phClr">
-                <a:tint val="95000"/>
-                <a:satMod val="105000"/>
-              </a:schemeClr>
-            </a:duotone>
-          </a:blip>
-          <a:tile tx="0" ty="0" sx="38000" sy="38000" flip="none" algn="tl"/>
-        </a:blipFill>
       </a:bgFillStyleLst>
     </a:fmtScheme>
   </a:themeElements>
